--- a/Présentation Projet 10 Verbreuk Jordan.pptx
+++ b/Présentation Projet 10 Verbreuk Jordan.pptx
@@ -5,10 +5,10 @@
     <p:sldMasterId id="2147483768" r:id="rId4"/>
   </p:sldMasterIdLst>
   <p:notesMasterIdLst>
-    <p:notesMasterId r:id="rId17"/>
+    <p:notesMasterId r:id="rId20"/>
   </p:notesMasterIdLst>
   <p:handoutMasterIdLst>
-    <p:handoutMasterId r:id="rId18"/>
+    <p:handoutMasterId r:id="rId21"/>
   </p:handoutMasterIdLst>
   <p:sldIdLst>
     <p:sldId id="3825" r:id="rId5"/>
@@ -19,10 +19,13 @@
     <p:sldId id="3792" r:id="rId10"/>
     <p:sldId id="3836" r:id="rId11"/>
     <p:sldId id="3831" r:id="rId12"/>
-    <p:sldId id="3794" r:id="rId13"/>
+    <p:sldId id="3837" r:id="rId13"/>
     <p:sldId id="3832" r:id="rId14"/>
-    <p:sldId id="3833" r:id="rId15"/>
-    <p:sldId id="3834" r:id="rId16"/>
+    <p:sldId id="3838" r:id="rId15"/>
+    <p:sldId id="3839" r:id="rId16"/>
+    <p:sldId id="3841" r:id="rId17"/>
+    <p:sldId id="3840" r:id="rId18"/>
+    <p:sldId id="3834" r:id="rId19"/>
   </p:sldIdLst>
   <p:sldSz cx="12192000" cy="6858000"/>
   <p:notesSz cx="6858000" cy="9144000"/>
@@ -794,7 +797,13 @@
   <p:cSld>
     <p:spTree>
       <p:nvGrpSpPr>
-        <p:cNvPr id="1" name=""/>
+        <p:cNvPr id="1" name="">
+          <a:extLst>
+            <a:ext uri="{FF2B5EF4-FFF2-40B4-BE49-F238E27FC236}">
+              <a16:creationId xmlns:a16="http://schemas.microsoft.com/office/drawing/2014/main" id="{8DA9E297-433B-2E7F-9A31-0664A40F2F87}"/>
+            </a:ext>
+          </a:extLst>
+        </p:cNvPr>
         <p:cNvGrpSpPr/>
         <p:nvPr/>
       </p:nvGrpSpPr>
@@ -808,7 +817,13 @@
       </p:grpSpPr>
       <p:sp>
         <p:nvSpPr>
-          <p:cNvPr id="2" name="Espace réservé de l'image des diapositives 1"/>
+          <p:cNvPr id="2" name="Espace réservé de l'image des diapositives 1">
+            <a:extLst>
+              <a:ext uri="{FF2B5EF4-FFF2-40B4-BE49-F238E27FC236}">
+                <a16:creationId xmlns:a16="http://schemas.microsoft.com/office/drawing/2014/main" id="{391CEF06-D2CB-61E6-6F6D-3DB734FFA02C}"/>
+              </a:ext>
+            </a:extLst>
+          </p:cNvPr>
           <p:cNvSpPr>
             <a:spLocks noGrp="1" noRot="1" noChangeAspect="1"/>
           </p:cNvSpPr>
@@ -820,7 +835,13 @@
       </p:sp>
       <p:sp>
         <p:nvSpPr>
-          <p:cNvPr id="3" name="Espace réservé des notes 2"/>
+          <p:cNvPr id="3" name="Espace réservé des notes 2">
+            <a:extLst>
+              <a:ext uri="{FF2B5EF4-FFF2-40B4-BE49-F238E27FC236}">
+                <a16:creationId xmlns:a16="http://schemas.microsoft.com/office/drawing/2014/main" id="{63FA2ED0-1868-ACF4-020A-5A92EDCD8240}"/>
+              </a:ext>
+            </a:extLst>
+          </p:cNvPr>
           <p:cNvSpPr>
             <a:spLocks noGrp="1"/>
           </p:cNvSpPr>
@@ -839,7 +860,13 @@
       </p:sp>
       <p:sp>
         <p:nvSpPr>
-          <p:cNvPr id="4" name="Espace réservé du numéro de diapositive 3"/>
+          <p:cNvPr id="4" name="Espace réservé du numéro de diapositive 3">
+            <a:extLst>
+              <a:ext uri="{FF2B5EF4-FFF2-40B4-BE49-F238E27FC236}">
+                <a16:creationId xmlns:a16="http://schemas.microsoft.com/office/drawing/2014/main" id="{839ACAC2-D84B-AF2E-B374-30CDF28D39E4}"/>
+              </a:ext>
+            </a:extLst>
+          </p:cNvPr>
           <p:cNvSpPr>
             <a:spLocks noGrp="1"/>
           </p:cNvSpPr>
@@ -864,7 +891,7 @@
     </p:spTree>
     <p:extLst>
       <p:ext uri="{BB962C8B-B14F-4D97-AF65-F5344CB8AC3E}">
-        <p14:creationId xmlns:p14="http://schemas.microsoft.com/office/powerpoint/2010/main" val="819386438"/>
+        <p14:creationId xmlns:p14="http://schemas.microsoft.com/office/powerpoint/2010/main" val="287425534"/>
       </p:ext>
     </p:extLst>
   </p:cSld>
@@ -875,6 +902,333 @@
 </file>
 
 <file path=ppt/notesSlides/notesSlide11.xml><?xml version="1.0" encoding="utf-8"?>
+<p:notes xmlns:a="http://schemas.openxmlformats.org/drawingml/2006/main" xmlns:r="http://schemas.openxmlformats.org/officeDocument/2006/relationships" xmlns:p="http://schemas.openxmlformats.org/presentationml/2006/main">
+  <p:cSld>
+    <p:spTree>
+      <p:nvGrpSpPr>
+        <p:cNvPr id="1" name="">
+          <a:extLst>
+            <a:ext uri="{FF2B5EF4-FFF2-40B4-BE49-F238E27FC236}">
+              <a16:creationId xmlns:a16="http://schemas.microsoft.com/office/drawing/2014/main" id="{FD2954FA-1309-0E4B-933D-89B1785E5222}"/>
+            </a:ext>
+          </a:extLst>
+        </p:cNvPr>
+        <p:cNvGrpSpPr/>
+        <p:nvPr/>
+      </p:nvGrpSpPr>
+      <p:grpSpPr>
+        <a:xfrm>
+          <a:off x="0" y="0"/>
+          <a:ext cx="0" cy="0"/>
+          <a:chOff x="0" y="0"/>
+          <a:chExt cx="0" cy="0"/>
+        </a:xfrm>
+      </p:grpSpPr>
+      <p:sp>
+        <p:nvSpPr>
+          <p:cNvPr id="2" name="Espace réservé de l'image des diapositives 1">
+            <a:extLst>
+              <a:ext uri="{FF2B5EF4-FFF2-40B4-BE49-F238E27FC236}">
+                <a16:creationId xmlns:a16="http://schemas.microsoft.com/office/drawing/2014/main" id="{FEAE695D-B693-DF43-09FE-717329044E37}"/>
+              </a:ext>
+            </a:extLst>
+          </p:cNvPr>
+          <p:cNvSpPr>
+            <a:spLocks noGrp="1" noRot="1" noChangeAspect="1"/>
+          </p:cNvSpPr>
+          <p:nvPr>
+            <p:ph type="sldImg"/>
+          </p:nvPr>
+        </p:nvSpPr>
+        <p:spPr/>
+      </p:sp>
+      <p:sp>
+        <p:nvSpPr>
+          <p:cNvPr id="3" name="Espace réservé des notes 2">
+            <a:extLst>
+              <a:ext uri="{FF2B5EF4-FFF2-40B4-BE49-F238E27FC236}">
+                <a16:creationId xmlns:a16="http://schemas.microsoft.com/office/drawing/2014/main" id="{977DB37E-2880-3D10-D614-11ED0864442D}"/>
+              </a:ext>
+            </a:extLst>
+          </p:cNvPr>
+          <p:cNvSpPr>
+            <a:spLocks noGrp="1"/>
+          </p:cNvSpPr>
+          <p:nvPr>
+            <p:ph type="body" idx="1"/>
+          </p:nvPr>
+        </p:nvSpPr>
+        <p:spPr/>
+        <p:txBody>
+          <a:bodyPr/>
+          <a:lstStyle/>
+          <a:p>
+            <a:endParaRPr lang="fr-FR" noProof="1"/>
+          </a:p>
+        </p:txBody>
+      </p:sp>
+      <p:sp>
+        <p:nvSpPr>
+          <p:cNvPr id="4" name="Espace réservé du numéro de diapositive 3">
+            <a:extLst>
+              <a:ext uri="{FF2B5EF4-FFF2-40B4-BE49-F238E27FC236}">
+                <a16:creationId xmlns:a16="http://schemas.microsoft.com/office/drawing/2014/main" id="{E64B17A7-AD7F-CB4D-A4F7-60DA50CAED2F}"/>
+              </a:ext>
+            </a:extLst>
+          </p:cNvPr>
+          <p:cNvSpPr>
+            <a:spLocks noGrp="1"/>
+          </p:cNvSpPr>
+          <p:nvPr>
+            <p:ph type="sldNum" sz="quarter" idx="5"/>
+          </p:nvPr>
+        </p:nvSpPr>
+        <p:spPr/>
+        <p:txBody>
+          <a:bodyPr/>
+          <a:lstStyle/>
+          <a:p>
+            <a:pPr rtl="0"/>
+            <a:fld id="{D40C6A29-4676-420C-BBE3-ACC2B80F64D4}" type="slidenum">
+              <a:rPr lang="fr-FR" noProof="1" smtClean="0"/>
+              <a:t>12</a:t>
+            </a:fld>
+            <a:endParaRPr lang="fr-FR" noProof="1"/>
+          </a:p>
+        </p:txBody>
+      </p:sp>
+    </p:spTree>
+    <p:extLst>
+      <p:ext uri="{BB962C8B-B14F-4D97-AF65-F5344CB8AC3E}">
+        <p14:creationId xmlns:p14="http://schemas.microsoft.com/office/powerpoint/2010/main" val="2842803796"/>
+      </p:ext>
+    </p:extLst>
+  </p:cSld>
+  <p:clrMapOvr>
+    <a:masterClrMapping/>
+  </p:clrMapOvr>
+</p:notes>
+</file>
+
+<file path=ppt/notesSlides/notesSlide12.xml><?xml version="1.0" encoding="utf-8"?>
+<p:notes xmlns:a="http://schemas.openxmlformats.org/drawingml/2006/main" xmlns:r="http://schemas.openxmlformats.org/officeDocument/2006/relationships" xmlns:p="http://schemas.openxmlformats.org/presentationml/2006/main">
+  <p:cSld>
+    <p:spTree>
+      <p:nvGrpSpPr>
+        <p:cNvPr id="1" name="">
+          <a:extLst>
+            <a:ext uri="{FF2B5EF4-FFF2-40B4-BE49-F238E27FC236}">
+              <a16:creationId xmlns:a16="http://schemas.microsoft.com/office/drawing/2014/main" id="{9005730B-C527-F76B-DA57-D57ED3DCD715}"/>
+            </a:ext>
+          </a:extLst>
+        </p:cNvPr>
+        <p:cNvGrpSpPr/>
+        <p:nvPr/>
+      </p:nvGrpSpPr>
+      <p:grpSpPr>
+        <a:xfrm>
+          <a:off x="0" y="0"/>
+          <a:ext cx="0" cy="0"/>
+          <a:chOff x="0" y="0"/>
+          <a:chExt cx="0" cy="0"/>
+        </a:xfrm>
+      </p:grpSpPr>
+      <p:sp>
+        <p:nvSpPr>
+          <p:cNvPr id="2" name="Espace réservé de l'image des diapositives 1">
+            <a:extLst>
+              <a:ext uri="{FF2B5EF4-FFF2-40B4-BE49-F238E27FC236}">
+                <a16:creationId xmlns:a16="http://schemas.microsoft.com/office/drawing/2014/main" id="{500CFA8A-51B6-9474-6836-26BA3E5E77C0}"/>
+              </a:ext>
+            </a:extLst>
+          </p:cNvPr>
+          <p:cNvSpPr>
+            <a:spLocks noGrp="1" noRot="1" noChangeAspect="1"/>
+          </p:cNvSpPr>
+          <p:nvPr>
+            <p:ph type="sldImg"/>
+          </p:nvPr>
+        </p:nvSpPr>
+        <p:spPr/>
+      </p:sp>
+      <p:sp>
+        <p:nvSpPr>
+          <p:cNvPr id="3" name="Espace réservé des notes 2">
+            <a:extLst>
+              <a:ext uri="{FF2B5EF4-FFF2-40B4-BE49-F238E27FC236}">
+                <a16:creationId xmlns:a16="http://schemas.microsoft.com/office/drawing/2014/main" id="{B0AFC9CF-FB8B-63E0-40EA-F2CB047A0EB1}"/>
+              </a:ext>
+            </a:extLst>
+          </p:cNvPr>
+          <p:cNvSpPr>
+            <a:spLocks noGrp="1"/>
+          </p:cNvSpPr>
+          <p:nvPr>
+            <p:ph type="body" idx="1"/>
+          </p:nvPr>
+        </p:nvSpPr>
+        <p:spPr/>
+        <p:txBody>
+          <a:bodyPr/>
+          <a:lstStyle/>
+          <a:p>
+            <a:endParaRPr lang="fr-FR" noProof="1"/>
+          </a:p>
+        </p:txBody>
+      </p:sp>
+      <p:sp>
+        <p:nvSpPr>
+          <p:cNvPr id="4" name="Espace réservé du numéro de diapositive 3">
+            <a:extLst>
+              <a:ext uri="{FF2B5EF4-FFF2-40B4-BE49-F238E27FC236}">
+                <a16:creationId xmlns:a16="http://schemas.microsoft.com/office/drawing/2014/main" id="{A27C9670-F2C3-B6F6-B77F-DB2DEFE59E6D}"/>
+              </a:ext>
+            </a:extLst>
+          </p:cNvPr>
+          <p:cNvSpPr>
+            <a:spLocks noGrp="1"/>
+          </p:cNvSpPr>
+          <p:nvPr>
+            <p:ph type="sldNum" sz="quarter" idx="5"/>
+          </p:nvPr>
+        </p:nvSpPr>
+        <p:spPr/>
+        <p:txBody>
+          <a:bodyPr/>
+          <a:lstStyle/>
+          <a:p>
+            <a:pPr rtl="0"/>
+            <a:fld id="{D40C6A29-4676-420C-BBE3-ACC2B80F64D4}" type="slidenum">
+              <a:rPr lang="fr-FR" noProof="1" smtClean="0"/>
+              <a:t>13</a:t>
+            </a:fld>
+            <a:endParaRPr lang="fr-FR" noProof="1"/>
+          </a:p>
+        </p:txBody>
+      </p:sp>
+    </p:spTree>
+    <p:extLst>
+      <p:ext uri="{BB962C8B-B14F-4D97-AF65-F5344CB8AC3E}">
+        <p14:creationId xmlns:p14="http://schemas.microsoft.com/office/powerpoint/2010/main" val="4050787469"/>
+      </p:ext>
+    </p:extLst>
+  </p:cSld>
+  <p:clrMapOvr>
+    <a:masterClrMapping/>
+  </p:clrMapOvr>
+</p:notes>
+</file>
+
+<file path=ppt/notesSlides/notesSlide13.xml><?xml version="1.0" encoding="utf-8"?>
+<p:notes xmlns:a="http://schemas.openxmlformats.org/drawingml/2006/main" xmlns:r="http://schemas.openxmlformats.org/officeDocument/2006/relationships" xmlns:p="http://schemas.openxmlformats.org/presentationml/2006/main">
+  <p:cSld>
+    <p:spTree>
+      <p:nvGrpSpPr>
+        <p:cNvPr id="1" name="">
+          <a:extLst>
+            <a:ext uri="{FF2B5EF4-FFF2-40B4-BE49-F238E27FC236}">
+              <a16:creationId xmlns:a16="http://schemas.microsoft.com/office/drawing/2014/main" id="{4319EE38-72AF-FF52-9B5A-E182BAB5E2DC}"/>
+            </a:ext>
+          </a:extLst>
+        </p:cNvPr>
+        <p:cNvGrpSpPr/>
+        <p:nvPr/>
+      </p:nvGrpSpPr>
+      <p:grpSpPr>
+        <a:xfrm>
+          <a:off x="0" y="0"/>
+          <a:ext cx="0" cy="0"/>
+          <a:chOff x="0" y="0"/>
+          <a:chExt cx="0" cy="0"/>
+        </a:xfrm>
+      </p:grpSpPr>
+      <p:sp>
+        <p:nvSpPr>
+          <p:cNvPr id="2" name="Espace réservé de l'image des diapositives 1">
+            <a:extLst>
+              <a:ext uri="{FF2B5EF4-FFF2-40B4-BE49-F238E27FC236}">
+                <a16:creationId xmlns:a16="http://schemas.microsoft.com/office/drawing/2014/main" id="{D74FB7BF-7378-F45E-08B1-F9B9403FC143}"/>
+              </a:ext>
+            </a:extLst>
+          </p:cNvPr>
+          <p:cNvSpPr>
+            <a:spLocks noGrp="1" noRot="1" noChangeAspect="1"/>
+          </p:cNvSpPr>
+          <p:nvPr>
+            <p:ph type="sldImg"/>
+          </p:nvPr>
+        </p:nvSpPr>
+        <p:spPr/>
+      </p:sp>
+      <p:sp>
+        <p:nvSpPr>
+          <p:cNvPr id="3" name="Espace réservé des notes 2">
+            <a:extLst>
+              <a:ext uri="{FF2B5EF4-FFF2-40B4-BE49-F238E27FC236}">
+                <a16:creationId xmlns:a16="http://schemas.microsoft.com/office/drawing/2014/main" id="{326C95EF-B726-9901-8422-FDBC59304ACA}"/>
+              </a:ext>
+            </a:extLst>
+          </p:cNvPr>
+          <p:cNvSpPr>
+            <a:spLocks noGrp="1"/>
+          </p:cNvSpPr>
+          <p:nvPr>
+            <p:ph type="body" idx="1"/>
+          </p:nvPr>
+        </p:nvSpPr>
+        <p:spPr/>
+        <p:txBody>
+          <a:bodyPr/>
+          <a:lstStyle/>
+          <a:p>
+            <a:endParaRPr lang="fr-FR" noProof="1"/>
+          </a:p>
+        </p:txBody>
+      </p:sp>
+      <p:sp>
+        <p:nvSpPr>
+          <p:cNvPr id="4" name="Espace réservé du numéro de diapositive 3">
+            <a:extLst>
+              <a:ext uri="{FF2B5EF4-FFF2-40B4-BE49-F238E27FC236}">
+                <a16:creationId xmlns:a16="http://schemas.microsoft.com/office/drawing/2014/main" id="{0CA2156E-4C71-FE56-7073-D102609EAF29}"/>
+              </a:ext>
+            </a:extLst>
+          </p:cNvPr>
+          <p:cNvSpPr>
+            <a:spLocks noGrp="1"/>
+          </p:cNvSpPr>
+          <p:nvPr>
+            <p:ph type="sldNum" sz="quarter" idx="5"/>
+          </p:nvPr>
+        </p:nvSpPr>
+        <p:spPr/>
+        <p:txBody>
+          <a:bodyPr/>
+          <a:lstStyle/>
+          <a:p>
+            <a:pPr rtl="0"/>
+            <a:fld id="{D40C6A29-4676-420C-BBE3-ACC2B80F64D4}" type="slidenum">
+              <a:rPr lang="fr-FR" noProof="1" smtClean="0"/>
+              <a:t>14</a:t>
+            </a:fld>
+            <a:endParaRPr lang="fr-FR" noProof="1"/>
+          </a:p>
+        </p:txBody>
+      </p:sp>
+    </p:spTree>
+    <p:extLst>
+      <p:ext uri="{BB962C8B-B14F-4D97-AF65-F5344CB8AC3E}">
+        <p14:creationId xmlns:p14="http://schemas.microsoft.com/office/powerpoint/2010/main" val="2284335178"/>
+      </p:ext>
+    </p:extLst>
+  </p:cSld>
+  <p:clrMapOvr>
+    <a:masterClrMapping/>
+  </p:clrMapOvr>
+</p:notes>
+</file>
+
+<file path=ppt/notesSlides/notesSlide14.xml><?xml version="1.0" encoding="utf-8"?>
 <p:notes xmlns:a="http://schemas.openxmlformats.org/drawingml/2006/main" xmlns:r="http://schemas.openxmlformats.org/officeDocument/2006/relationships" xmlns:p="http://schemas.openxmlformats.org/presentationml/2006/main">
   <p:cSld>
     <p:spTree>
@@ -940,7 +1294,7 @@
             <a:pPr rtl="0"/>
             <a:fld id="{D40C6A29-4676-420C-BBE3-ACC2B80F64D4}" type="slidenum">
               <a:rPr lang="fr-FR" noProof="1" smtClean="0"/>
-              <a:t>12</a:t>
+              <a:t>15</a:t>
             </a:fld>
             <a:endParaRPr lang="fr-FR" noProof="1"/>
           </a:p>
@@ -1498,7 +1852,13 @@
   <p:cSld>
     <p:spTree>
       <p:nvGrpSpPr>
-        <p:cNvPr id="1" name=""/>
+        <p:cNvPr id="1" name="">
+          <a:extLst>
+            <a:ext uri="{FF2B5EF4-FFF2-40B4-BE49-F238E27FC236}">
+              <a16:creationId xmlns:a16="http://schemas.microsoft.com/office/drawing/2014/main" id="{FF6D58EF-F377-D593-1668-04CDA5739E49}"/>
+            </a:ext>
+          </a:extLst>
+        </p:cNvPr>
         <p:cNvGrpSpPr/>
         <p:nvPr/>
       </p:nvGrpSpPr>
@@ -1512,7 +1872,13 @@
       </p:grpSpPr>
       <p:sp>
         <p:nvSpPr>
-          <p:cNvPr id="2" name="Espace réservé de l'image des diapositives 1"/>
+          <p:cNvPr id="2" name="Espace réservé de l'image des diapositives 1">
+            <a:extLst>
+              <a:ext uri="{FF2B5EF4-FFF2-40B4-BE49-F238E27FC236}">
+                <a16:creationId xmlns:a16="http://schemas.microsoft.com/office/drawing/2014/main" id="{C72EBCBE-3F39-2A1A-B945-9088F888DCA9}"/>
+              </a:ext>
+            </a:extLst>
+          </p:cNvPr>
           <p:cNvSpPr>
             <a:spLocks noGrp="1" noRot="1" noChangeAspect="1"/>
           </p:cNvSpPr>
@@ -1524,7 +1890,13 @@
       </p:sp>
       <p:sp>
         <p:nvSpPr>
-          <p:cNvPr id="3" name="Espace réservé des notes 2"/>
+          <p:cNvPr id="3" name="Espace réservé des notes 2">
+            <a:extLst>
+              <a:ext uri="{FF2B5EF4-FFF2-40B4-BE49-F238E27FC236}">
+                <a16:creationId xmlns:a16="http://schemas.microsoft.com/office/drawing/2014/main" id="{80A2262D-7384-FB0E-EF77-41C215C15D2D}"/>
+              </a:ext>
+            </a:extLst>
+          </p:cNvPr>
           <p:cNvSpPr>
             <a:spLocks noGrp="1"/>
           </p:cNvSpPr>
@@ -1543,7 +1915,13 @@
       </p:sp>
       <p:sp>
         <p:nvSpPr>
-          <p:cNvPr id="4" name="Espace réservé du numéro de diapositive 3"/>
+          <p:cNvPr id="4" name="Espace réservé du numéro de diapositive 3">
+            <a:extLst>
+              <a:ext uri="{FF2B5EF4-FFF2-40B4-BE49-F238E27FC236}">
+                <a16:creationId xmlns:a16="http://schemas.microsoft.com/office/drawing/2014/main" id="{95CA2F84-F24D-C4A8-CD1C-A0DB36E78A34}"/>
+              </a:ext>
+            </a:extLst>
+          </p:cNvPr>
           <p:cNvSpPr>
             <a:spLocks noGrp="1"/>
           </p:cNvSpPr>
@@ -1568,7 +1946,7 @@
     </p:spTree>
     <p:extLst>
       <p:ext uri="{BB962C8B-B14F-4D97-AF65-F5344CB8AC3E}">
-        <p14:creationId xmlns:p14="http://schemas.microsoft.com/office/powerpoint/2010/main" val="673893639"/>
+        <p14:creationId xmlns:p14="http://schemas.microsoft.com/office/powerpoint/2010/main" val="1417473989"/>
       </p:ext>
     </p:extLst>
   </p:cSld>
@@ -12883,1595 +13261,10 @@
       </p:grpSpPr>
       <p:sp>
         <p:nvSpPr>
-          <p:cNvPr id="2" name="Titre 1">
-            <a:extLst>
-              <a:ext uri="{FF2B5EF4-FFF2-40B4-BE49-F238E27FC236}">
-                <a16:creationId xmlns:a16="http://schemas.microsoft.com/office/drawing/2014/main" id="{F7CEB8CC-E887-4C39-A032-E3471EDC043E}"/>
-              </a:ext>
-            </a:extLst>
-          </p:cNvPr>
-          <p:cNvSpPr>
-            <a:spLocks noGrp="1"/>
-          </p:cNvSpPr>
-          <p:nvPr>
-            <p:ph type="title"/>
-          </p:nvPr>
-        </p:nvSpPr>
-        <p:spPr/>
-        <p:txBody>
-          <a:bodyPr rtlCol="0"/>
-          <a:lstStyle/>
-          <a:p>
-            <a:pPr rtl="0"/>
-            <a:r>
-              <a:rPr lang="fr-FR"/>
-              <a:t>Contenu  </a:t>
-            </a:r>
-          </a:p>
-        </p:txBody>
-      </p:sp>
-      <p:sp>
-        <p:nvSpPr>
-          <p:cNvPr id="3" name="Espace réservé du texte 2">
-            <a:extLst>
-              <a:ext uri="{FF2B5EF4-FFF2-40B4-BE49-F238E27FC236}">
-                <a16:creationId xmlns:a16="http://schemas.microsoft.com/office/drawing/2014/main" id="{A4B28E79-36F1-4487-B6B6-7A33F5C3C0B2}"/>
-              </a:ext>
-            </a:extLst>
-          </p:cNvPr>
-          <p:cNvSpPr>
-            <a:spLocks noGrp="1"/>
-          </p:cNvSpPr>
-          <p:nvPr>
-            <p:ph type="body" idx="1"/>
-          </p:nvPr>
-        </p:nvSpPr>
-        <p:spPr/>
-        <p:txBody>
-          <a:bodyPr rtlCol="0"/>
-          <a:lstStyle/>
-          <a:p>
-            <a:pPr rtl="0"/>
-            <a:r>
-              <a:rPr lang="fr-FR"/>
-              <a:t>Sous-titre</a:t>
-            </a:r>
-          </a:p>
-        </p:txBody>
-      </p:sp>
-      <p:sp>
-        <p:nvSpPr>
-          <p:cNvPr id="4" name="Espace réservé du contenu 3">
-            <a:extLst>
-              <a:ext uri="{FF2B5EF4-FFF2-40B4-BE49-F238E27FC236}">
-                <a16:creationId xmlns:a16="http://schemas.microsoft.com/office/drawing/2014/main" id="{245DDB48-166A-4E16-B9DF-C5C6570A1BAD}"/>
-              </a:ext>
-            </a:extLst>
-          </p:cNvPr>
-          <p:cNvSpPr>
-            <a:spLocks noGrp="1"/>
-          </p:cNvSpPr>
-          <p:nvPr>
-            <p:ph sz="half" idx="2"/>
-          </p:nvPr>
-        </p:nvSpPr>
-        <p:spPr/>
-        <p:txBody>
-          <a:bodyPr rtlCol="0"/>
-          <a:lstStyle/>
-          <a:p>
-            <a:pPr rtl="0"/>
-            <a:r>
-              <a:rPr lang="fr-FR" sz="2000" dirty="0"/>
-              <a:t>Ajoutez du texte, des images, des dessins et des vidéos. </a:t>
-            </a:r>
-          </a:p>
-          <a:p>
-            <a:pPr rtl="0"/>
-            <a:r>
-              <a:rPr lang="fr-FR" sz="2000" dirty="0"/>
-              <a:t>Ajoutez des transitions, des animations et des mouvements. </a:t>
-            </a:r>
-          </a:p>
-          <a:p>
-            <a:pPr rtl="0"/>
-            <a:r>
-              <a:rPr lang="fr-FR" sz="2000" dirty="0"/>
-              <a:t>Enregistrez sur OneDrive et accédez à vos présentations à partir de votre ordinateur, tablette ou téléphone. </a:t>
-            </a:r>
-          </a:p>
-          <a:p>
-            <a:pPr rtl="0"/>
-            <a:endParaRPr lang="fr-FR" dirty="0"/>
-          </a:p>
-        </p:txBody>
-      </p:sp>
-      <p:sp>
-        <p:nvSpPr>
-          <p:cNvPr id="5" name="Espace réservé du texte 4">
-            <a:extLst>
-              <a:ext uri="{FF2B5EF4-FFF2-40B4-BE49-F238E27FC236}">
-                <a16:creationId xmlns:a16="http://schemas.microsoft.com/office/drawing/2014/main" id="{7A4C5B2A-12FB-43E3-8389-C0A5E65E6D91}"/>
-              </a:ext>
-            </a:extLst>
-          </p:cNvPr>
-          <p:cNvSpPr>
-            <a:spLocks noGrp="1"/>
-          </p:cNvSpPr>
-          <p:nvPr>
-            <p:ph type="body" sz="quarter" idx="3"/>
-          </p:nvPr>
-        </p:nvSpPr>
-        <p:spPr/>
-        <p:txBody>
-          <a:bodyPr rtlCol="0"/>
-          <a:lstStyle/>
-          <a:p>
-            <a:pPr rtl="0"/>
-            <a:r>
-              <a:rPr lang="fr-FR"/>
-              <a:t>Sous-titre</a:t>
-            </a:r>
-          </a:p>
-        </p:txBody>
-      </p:sp>
-      <p:sp>
-        <p:nvSpPr>
-          <p:cNvPr id="6" name="Espace réservé du contenu 5">
-            <a:extLst>
-              <a:ext uri="{FF2B5EF4-FFF2-40B4-BE49-F238E27FC236}">
-                <a16:creationId xmlns:a16="http://schemas.microsoft.com/office/drawing/2014/main" id="{53C09F06-9236-4635-AFB4-5E7D384A6BAE}"/>
-              </a:ext>
-            </a:extLst>
-          </p:cNvPr>
-          <p:cNvSpPr>
-            <a:spLocks noGrp="1"/>
-          </p:cNvSpPr>
-          <p:nvPr>
-            <p:ph sz="quarter" idx="4"/>
-          </p:nvPr>
-        </p:nvSpPr>
-        <p:spPr/>
-        <p:txBody>
-          <a:bodyPr rtlCol="0"/>
-          <a:lstStyle/>
-          <a:p>
-            <a:pPr rtl="0"/>
-            <a:r>
-              <a:rPr lang="fr-FR" sz="2000"/>
-              <a:t>Ouvrez le volet Idées de conception pour transformer instantanément vos diapositives. </a:t>
-            </a:r>
-          </a:p>
-          <a:p>
-            <a:pPr rtl="0"/>
-            <a:r>
-              <a:rPr lang="fr-FR" sz="2000"/>
-              <a:t>Lorsque nous avons des idées de conception, c’est ici que nous vous les présentons. </a:t>
-            </a:r>
-          </a:p>
-          <a:p>
-            <a:pPr rtl="0"/>
-            <a:endParaRPr lang="fr-FR"/>
-          </a:p>
-        </p:txBody>
-      </p:sp>
-      <p:sp>
-        <p:nvSpPr>
-          <p:cNvPr id="7" name="Espace réservé du texte 6">
-            <a:extLst>
-              <a:ext uri="{FF2B5EF4-FFF2-40B4-BE49-F238E27FC236}">
-                <a16:creationId xmlns:a16="http://schemas.microsoft.com/office/drawing/2014/main" id="{016D0387-7057-4207-9037-65B55A7B211B}"/>
-              </a:ext>
-            </a:extLst>
-          </p:cNvPr>
-          <p:cNvSpPr>
-            <a:spLocks noGrp="1"/>
-          </p:cNvSpPr>
-          <p:nvPr>
-            <p:ph type="body" sz="quarter" idx="13"/>
-          </p:nvPr>
-        </p:nvSpPr>
-        <p:spPr/>
-        <p:txBody>
-          <a:bodyPr rtlCol="0"/>
-          <a:lstStyle/>
-          <a:p>
-            <a:pPr rtl="0"/>
-            <a:r>
-              <a:rPr lang="fr-FR"/>
-              <a:t>Sous-titre</a:t>
-            </a:r>
-          </a:p>
-        </p:txBody>
-      </p:sp>
-      <p:sp>
-        <p:nvSpPr>
-          <p:cNvPr id="8" name="Espace réservé du contenu 7">
-            <a:extLst>
-              <a:ext uri="{FF2B5EF4-FFF2-40B4-BE49-F238E27FC236}">
-                <a16:creationId xmlns:a16="http://schemas.microsoft.com/office/drawing/2014/main" id="{EE1302F8-9FA6-4CC4-AD07-E8137FCC99A5}"/>
-              </a:ext>
-            </a:extLst>
-          </p:cNvPr>
-          <p:cNvSpPr>
-            <a:spLocks noGrp="1"/>
-          </p:cNvSpPr>
-          <p:nvPr>
-            <p:ph sz="quarter" idx="14"/>
-          </p:nvPr>
-        </p:nvSpPr>
-        <p:spPr/>
-        <p:txBody>
-          <a:bodyPr rtlCol="0"/>
-          <a:lstStyle/>
-          <a:p>
-            <a:pPr rtl="0"/>
-            <a:r>
-              <a:rPr lang="fr-FR" sz="2000"/>
-              <a:t>Ce thème PowerPoint utilise sa propre série de couleurs, de polices et d’effets pour créer l’apparence générale de ces diapositives. </a:t>
-            </a:r>
-          </a:p>
-          <a:p>
-            <a:pPr rtl="0"/>
-            <a:r>
-              <a:rPr lang="fr-FR" sz="2000"/>
-              <a:t>PowerPoint inclut de nombreux thèmes pour donner à votre présentation la personnalité qui convient. </a:t>
-            </a:r>
-          </a:p>
-          <a:p>
-            <a:pPr rtl="0"/>
-            <a:endParaRPr lang="fr-FR"/>
-          </a:p>
-        </p:txBody>
-      </p:sp>
-      <p:sp>
-        <p:nvSpPr>
-          <p:cNvPr id="10" name="Espace réservé du pied de page 9">
-            <a:extLst>
-              <a:ext uri="{FF2B5EF4-FFF2-40B4-BE49-F238E27FC236}">
-                <a16:creationId xmlns:a16="http://schemas.microsoft.com/office/drawing/2014/main" id="{0355C492-B5A1-4AEA-87B3-88D8AB076D5E}"/>
-              </a:ext>
-            </a:extLst>
-          </p:cNvPr>
-          <p:cNvSpPr>
-            <a:spLocks noGrp="1"/>
-          </p:cNvSpPr>
-          <p:nvPr>
-            <p:ph type="ftr" sz="quarter" idx="11"/>
-          </p:nvPr>
-        </p:nvSpPr>
-        <p:spPr/>
-        <p:txBody>
-          <a:bodyPr rtlCol="0"/>
-          <a:lstStyle/>
-          <a:p>
-            <a:pPr lvl="0" rtl="0"/>
-            <a:r>
-              <a:rPr lang="fr-FR" noProof="1"/>
-              <a:t>Projet-10		Verbreuk Jordan</a:t>
-            </a:r>
-          </a:p>
-        </p:txBody>
-      </p:sp>
-      <p:sp>
-        <p:nvSpPr>
-          <p:cNvPr id="11" name="Espace réservé du numéro de diapositive 10">
-            <a:extLst>
-              <a:ext uri="{FF2B5EF4-FFF2-40B4-BE49-F238E27FC236}">
-                <a16:creationId xmlns:a16="http://schemas.microsoft.com/office/drawing/2014/main" id="{68ED6379-8C31-4483-A809-D0E84782F0CA}"/>
-              </a:ext>
-            </a:extLst>
-          </p:cNvPr>
-          <p:cNvSpPr>
-            <a:spLocks noGrp="1"/>
-          </p:cNvSpPr>
-          <p:nvPr>
-            <p:ph type="sldNum" sz="quarter" idx="12"/>
-          </p:nvPr>
-        </p:nvSpPr>
-        <p:spPr/>
-        <p:txBody>
-          <a:bodyPr rtlCol="0"/>
-          <a:lstStyle/>
-          <a:p>
-            <a:pPr marL="0" marR="0" lvl="0" indent="0" algn="r" defTabSz="914400" rtl="0" eaLnBrk="1" fontAlgn="auto" latinLnBrk="0" hangingPunct="1">
-              <a:lnSpc>
-                <a:spcPct val="100000"/>
-              </a:lnSpc>
-              <a:spcBef>
-                <a:spcPts val="0"/>
-              </a:spcBef>
-              <a:spcAft>
-                <a:spcPts val="0"/>
-              </a:spcAft>
-              <a:buClrTx/>
-              <a:buSzTx/>
-              <a:buFontTx/>
-              <a:buNone/>
-              <a:tabLst/>
-              <a:defRPr/>
-            </a:pPr>
-            <a:fld id="{D76B855D-E9CC-4FF8-AD85-6CDC7B89A0DE}" type="slidenum">
-              <a:rPr kumimoji="0" lang="fr-FR" sz="1200" b="0" i="0" u="none" strike="noStrike" kern="1200" cap="none" spc="0" normalizeH="0" baseline="0" smtClean="0">
-                <a:ln>
-                  <a:noFill/>
-                </a:ln>
-                <a:solidFill>
-                  <a:prstClr val="black">
-                    <a:tint val="75000"/>
-                  </a:prstClr>
-                </a:solidFill>
-                <a:effectLst/>
-                <a:uLnTx/>
-                <a:uFillTx/>
-                <a:latin typeface="Calibri" panose="020F0502020204030204"/>
-                <a:ea typeface="+mn-ea"/>
-                <a:cs typeface="+mn-cs"/>
-              </a:rPr>
-              <a:pPr marL="0" marR="0" lvl="0" indent="0" algn="r" defTabSz="914400" rtl="0" eaLnBrk="1" fontAlgn="auto" latinLnBrk="0" hangingPunct="1">
-                <a:lnSpc>
-                  <a:spcPct val="100000"/>
-                </a:lnSpc>
-                <a:spcBef>
-                  <a:spcPts val="0"/>
-                </a:spcBef>
-                <a:spcAft>
-                  <a:spcPts val="0"/>
-                </a:spcAft>
-                <a:buClrTx/>
-                <a:buSzTx/>
-                <a:buFontTx/>
-                <a:buNone/>
-                <a:tabLst/>
-                <a:defRPr/>
-              </a:pPr>
-              <a:t>10</a:t>
-            </a:fld>
-            <a:endParaRPr kumimoji="0" lang="fr-FR" sz="1200" b="0" i="0" u="none" strike="noStrike" kern="1200" cap="none" spc="0" normalizeH="0" baseline="0">
-              <a:ln>
-                <a:noFill/>
-              </a:ln>
-              <a:solidFill>
-                <a:prstClr val="black">
-                  <a:tint val="75000"/>
-                </a:prstClr>
-              </a:solidFill>
-              <a:effectLst/>
-              <a:uLnTx/>
-              <a:uFillTx/>
-              <a:latin typeface="Calibri" panose="020F0502020204030204"/>
-              <a:ea typeface="+mn-ea"/>
-              <a:cs typeface="+mn-cs"/>
-            </a:endParaRPr>
-          </a:p>
-        </p:txBody>
-      </p:sp>
-    </p:spTree>
-    <p:extLst>
-      <p:ext uri="{BB962C8B-B14F-4D97-AF65-F5344CB8AC3E}">
-        <p14:creationId xmlns:p14="http://schemas.microsoft.com/office/powerpoint/2010/main" val="543995561"/>
-      </p:ext>
-    </p:extLst>
-  </p:cSld>
-  <p:clrMapOvr>
-    <a:masterClrMapping/>
-  </p:clrMapOvr>
-</p:sld>
-</file>
-
-<file path=ppt/slides/slide11.xml><?xml version="1.0" encoding="utf-8"?>
-<p:sld xmlns:a="http://schemas.openxmlformats.org/drawingml/2006/main" xmlns:r="http://schemas.openxmlformats.org/officeDocument/2006/relationships" xmlns:p="http://schemas.openxmlformats.org/presentationml/2006/main">
-  <p:cSld>
-    <p:spTree>
-      <p:nvGrpSpPr>
-        <p:cNvPr id="1" name=""/>
-        <p:cNvGrpSpPr/>
-        <p:nvPr/>
-      </p:nvGrpSpPr>
-      <p:grpSpPr>
-        <a:xfrm>
-          <a:off x="0" y="0"/>
-          <a:ext cx="0" cy="0"/>
-          <a:chOff x="0" y="0"/>
-          <a:chExt cx="0" cy="0"/>
-        </a:xfrm>
-      </p:grpSpPr>
-      <p:sp>
-        <p:nvSpPr>
-          <p:cNvPr id="4" name="Titre 3">
-            <a:extLst>
-              <a:ext uri="{FF2B5EF4-FFF2-40B4-BE49-F238E27FC236}">
-                <a16:creationId xmlns:a16="http://schemas.microsoft.com/office/drawing/2014/main" id="{E45C6405-9D6C-48F5-9EFB-4CF1F3193EA4}"/>
-              </a:ext>
-            </a:extLst>
-          </p:cNvPr>
-          <p:cNvSpPr>
-            <a:spLocks noGrp="1"/>
-          </p:cNvSpPr>
-          <p:nvPr>
-            <p:ph type="title"/>
-          </p:nvPr>
-        </p:nvSpPr>
-        <p:spPr/>
-        <p:txBody>
-          <a:bodyPr rtlCol="0"/>
-          <a:lstStyle/>
-          <a:p>
-            <a:pPr rtl="0"/>
-            <a:r>
-              <a:rPr lang="fr-FR" noProof="1"/>
-              <a:t>Récapitulatif</a:t>
-            </a:r>
-          </a:p>
-        </p:txBody>
-      </p:sp>
-      <p:sp>
-        <p:nvSpPr>
-          <p:cNvPr id="5" name="Espace réservé du contenu 4">
-            <a:extLst>
-              <a:ext uri="{FF2B5EF4-FFF2-40B4-BE49-F238E27FC236}">
-                <a16:creationId xmlns:a16="http://schemas.microsoft.com/office/drawing/2014/main" id="{42E3A3A9-5E96-4CDD-A971-9C272EFD97D9}"/>
-              </a:ext>
-            </a:extLst>
-          </p:cNvPr>
-          <p:cNvSpPr>
-            <a:spLocks noGrp="1"/>
-          </p:cNvSpPr>
-          <p:nvPr>
-            <p:ph idx="1"/>
-          </p:nvPr>
-        </p:nvSpPr>
-        <p:spPr/>
-        <p:txBody>
-          <a:bodyPr rtlCol="0"/>
-          <a:lstStyle/>
-          <a:p>
-            <a:pPr rtl="0"/>
-            <a:r>
-              <a:rPr lang="fr-FR" sz="2400" noProof="1"/>
-              <a:t>Avec PowerPoint, vous pouvez créer des présentations et partager votre travail avec d’autres personnes, où qu’elles soient. Tapez ici le texte souhaité pour commencer. Vous pouvez également ajouter des images, des dessins et des vidéos sur ce modèle. Enregistrez sur OneDrive et accédez à vos présentations à partir de votre ordinateur, tablette ou téléphone. </a:t>
-            </a:r>
-          </a:p>
-          <a:p>
-            <a:pPr rtl="0"/>
-            <a:endParaRPr lang="fr-FR" noProof="1"/>
-          </a:p>
-        </p:txBody>
-      </p:sp>
-      <p:pic>
-        <p:nvPicPr>
-          <p:cNvPr id="9" name="Espace réservé d’image 8" descr="garçon jouant avec des vaisseaux spatiaux">
-            <a:extLst>
-              <a:ext uri="{FF2B5EF4-FFF2-40B4-BE49-F238E27FC236}">
-                <a16:creationId xmlns:a16="http://schemas.microsoft.com/office/drawing/2014/main" id="{BB00A97C-4C32-42DA-9838-F3D341AB0DCC}"/>
-              </a:ext>
-            </a:extLst>
-          </p:cNvPr>
-          <p:cNvPicPr>
-            <a:picLocks noGrp="1" noChangeAspect="1"/>
-          </p:cNvPicPr>
-          <p:nvPr>
-            <p:ph type="pic" sz="quarter" idx="13"/>
-          </p:nvPr>
-        </p:nvPicPr>
-        <p:blipFill rotWithShape="1">
-          <a:blip r:embed="rId3"/>
-          <a:srcRect l="20" r="20"/>
-          <a:stretch/>
-        </p:blipFill>
-        <p:spPr/>
-      </p:pic>
-      <p:pic>
-        <p:nvPicPr>
-          <p:cNvPr id="11" name="Espace réservé d’image 10" descr="petite fille assise sur des marches et lisant un livre">
-            <a:extLst>
-              <a:ext uri="{FF2B5EF4-FFF2-40B4-BE49-F238E27FC236}">
-                <a16:creationId xmlns:a16="http://schemas.microsoft.com/office/drawing/2014/main" id="{89C83A94-9400-40DF-9CE0-AFEB3C742BC3}"/>
-              </a:ext>
-            </a:extLst>
-          </p:cNvPr>
-          <p:cNvPicPr>
-            <a:picLocks noGrp="1" noChangeAspect="1"/>
-          </p:cNvPicPr>
-          <p:nvPr>
-            <p:ph type="pic" sz="quarter" idx="14"/>
-          </p:nvPr>
-        </p:nvPicPr>
-        <p:blipFill rotWithShape="1">
-          <a:blip r:embed="rId4"/>
-          <a:srcRect t="23" b="23"/>
-          <a:stretch/>
-        </p:blipFill>
-        <p:spPr/>
-      </p:pic>
-      <p:sp>
-        <p:nvSpPr>
-          <p:cNvPr id="13" name="Espace réservé du pied de page 12">
-            <a:extLst>
-              <a:ext uri="{FF2B5EF4-FFF2-40B4-BE49-F238E27FC236}">
-                <a16:creationId xmlns:a16="http://schemas.microsoft.com/office/drawing/2014/main" id="{E0C27B2A-1D72-43E3-82D3-29739485AA73}"/>
-              </a:ext>
-            </a:extLst>
-          </p:cNvPr>
-          <p:cNvSpPr>
-            <a:spLocks noGrp="1"/>
-          </p:cNvSpPr>
-          <p:nvPr>
-            <p:ph type="ftr" sz="quarter" idx="11"/>
-          </p:nvPr>
-        </p:nvSpPr>
-        <p:spPr/>
-        <p:txBody>
-          <a:bodyPr rtlCol="0"/>
-          <a:lstStyle/>
-          <a:p>
-            <a:pPr lvl="0" rtl="0"/>
-            <a:r>
-              <a:rPr lang="fr-FR" noProof="1"/>
-              <a:t>Projet-10		Verbreuk Jordan</a:t>
-            </a:r>
-          </a:p>
-        </p:txBody>
-      </p:sp>
-      <p:sp>
-        <p:nvSpPr>
-          <p:cNvPr id="14" name="Espace réservé du numéro de diapositive 13">
-            <a:extLst>
-              <a:ext uri="{FF2B5EF4-FFF2-40B4-BE49-F238E27FC236}">
-                <a16:creationId xmlns:a16="http://schemas.microsoft.com/office/drawing/2014/main" id="{DC4D09A1-D96F-4BFC-8475-2F079EAD8652}"/>
-              </a:ext>
-            </a:extLst>
-          </p:cNvPr>
-          <p:cNvSpPr>
-            <a:spLocks noGrp="1"/>
-          </p:cNvSpPr>
-          <p:nvPr>
-            <p:ph type="sldNum" sz="quarter" idx="12"/>
-          </p:nvPr>
-        </p:nvSpPr>
-        <p:spPr/>
-        <p:txBody>
-          <a:bodyPr rtlCol="0"/>
-          <a:lstStyle/>
-          <a:p>
-            <a:pPr marL="0" marR="0" lvl="0" indent="0" algn="r" defTabSz="914400" rtl="0" eaLnBrk="1" fontAlgn="auto" latinLnBrk="0" hangingPunct="1">
-              <a:lnSpc>
-                <a:spcPct val="100000"/>
-              </a:lnSpc>
-              <a:spcBef>
-                <a:spcPts val="0"/>
-              </a:spcBef>
-              <a:spcAft>
-                <a:spcPts val="0"/>
-              </a:spcAft>
-              <a:buClrTx/>
-              <a:buSzTx/>
-              <a:buFontTx/>
-              <a:buNone/>
-              <a:tabLst/>
-              <a:defRPr/>
-            </a:pPr>
-            <a:fld id="{D76B855D-E9CC-4FF8-AD85-6CDC7B89A0DE}" type="slidenum">
-              <a:rPr kumimoji="0" lang="fr-FR" sz="1200" b="0" i="0" u="none" strike="noStrike" kern="1200" cap="none" spc="0" normalizeH="0" baseline="0" noProof="1" dirty="0" smtClean="0">
-                <a:ln>
-                  <a:noFill/>
-                </a:ln>
-                <a:solidFill>
-                  <a:prstClr val="black">
-                    <a:tint val="75000"/>
-                  </a:prstClr>
-                </a:solidFill>
-                <a:effectLst/>
-                <a:uLnTx/>
-                <a:uFillTx/>
-                <a:latin typeface="Calibri" panose="020F0502020204030204"/>
-                <a:ea typeface="+mn-ea"/>
-                <a:cs typeface="+mn-cs"/>
-              </a:rPr>
-              <a:pPr marL="0" marR="0" lvl="0" indent="0" algn="r" defTabSz="914400" rtl="0" eaLnBrk="1" fontAlgn="auto" latinLnBrk="0" hangingPunct="1">
-                <a:lnSpc>
-                  <a:spcPct val="100000"/>
-                </a:lnSpc>
-                <a:spcBef>
-                  <a:spcPts val="0"/>
-                </a:spcBef>
-                <a:spcAft>
-                  <a:spcPts val="0"/>
-                </a:spcAft>
-                <a:buClrTx/>
-                <a:buSzTx/>
-                <a:buFontTx/>
-                <a:buNone/>
-                <a:tabLst/>
-                <a:defRPr/>
-              </a:pPr>
-              <a:t>11</a:t>
-            </a:fld>
-            <a:endParaRPr kumimoji="0" lang="fr-FR" sz="1200" b="0" i="0" u="none" strike="noStrike" kern="1200" cap="none" spc="0" normalizeH="0" baseline="0" noProof="1">
-              <a:ln>
-                <a:noFill/>
-              </a:ln>
-              <a:solidFill>
-                <a:prstClr val="black">
-                  <a:tint val="75000"/>
-                </a:prstClr>
-              </a:solidFill>
-              <a:effectLst/>
-              <a:uLnTx/>
-              <a:uFillTx/>
-              <a:latin typeface="Calibri" panose="020F0502020204030204"/>
-              <a:ea typeface="+mn-ea"/>
-              <a:cs typeface="+mn-cs"/>
-            </a:endParaRPr>
-          </a:p>
-        </p:txBody>
-      </p:sp>
-    </p:spTree>
-    <p:extLst>
-      <p:ext uri="{BB962C8B-B14F-4D97-AF65-F5344CB8AC3E}">
-        <p14:creationId xmlns:p14="http://schemas.microsoft.com/office/powerpoint/2010/main" val="17839761"/>
-      </p:ext>
-    </p:extLst>
-  </p:cSld>
-  <p:clrMapOvr>
-    <a:masterClrMapping/>
-  </p:clrMapOvr>
-</p:sld>
-</file>
-
-<file path=ppt/slides/slide12.xml><?xml version="1.0" encoding="utf-8"?>
-<p:sld xmlns:a="http://schemas.openxmlformats.org/drawingml/2006/main" xmlns:r="http://schemas.openxmlformats.org/officeDocument/2006/relationships" xmlns:p="http://schemas.openxmlformats.org/presentationml/2006/main">
-  <p:cSld>
-    <p:spTree>
-      <p:nvGrpSpPr>
-        <p:cNvPr id="1" name=""/>
-        <p:cNvGrpSpPr/>
-        <p:nvPr/>
-      </p:nvGrpSpPr>
-      <p:grpSpPr>
-        <a:xfrm>
-          <a:off x="0" y="0"/>
-          <a:ext cx="0" cy="0"/>
-          <a:chOff x="0" y="0"/>
-          <a:chExt cx="0" cy="0"/>
-        </a:xfrm>
-      </p:grpSpPr>
-      <p:sp>
-        <p:nvSpPr>
-          <p:cNvPr id="2" name="Titre 1">
-            <a:extLst>
-              <a:ext uri="{FF2B5EF4-FFF2-40B4-BE49-F238E27FC236}">
-                <a16:creationId xmlns:a16="http://schemas.microsoft.com/office/drawing/2014/main" id="{659706C9-F26D-46CA-93BF-8C27012F6B12}"/>
-              </a:ext>
-            </a:extLst>
-          </p:cNvPr>
-          <p:cNvSpPr>
-            <a:spLocks noGrp="1"/>
-          </p:cNvSpPr>
-          <p:nvPr>
-            <p:ph type="title"/>
-          </p:nvPr>
-        </p:nvSpPr>
-        <p:spPr/>
-        <p:txBody>
-          <a:bodyPr rtlCol="0"/>
-          <a:lstStyle/>
-          <a:p>
-            <a:pPr rtl="0"/>
-            <a:r>
-              <a:rPr lang="fr-FR" noProof="1"/>
-              <a:t>Merci</a:t>
-            </a:r>
-          </a:p>
-        </p:txBody>
-      </p:sp>
-      <p:sp>
-        <p:nvSpPr>
-          <p:cNvPr id="5" name="Espace réservé du pied de page 4">
-            <a:extLst>
-              <a:ext uri="{FF2B5EF4-FFF2-40B4-BE49-F238E27FC236}">
-                <a16:creationId xmlns:a16="http://schemas.microsoft.com/office/drawing/2014/main" id="{C75D06EF-9416-46F7-8230-B49EE1269F53}"/>
-              </a:ext>
-            </a:extLst>
-          </p:cNvPr>
-          <p:cNvSpPr>
-            <a:spLocks noGrp="1"/>
-          </p:cNvSpPr>
-          <p:nvPr>
-            <p:ph type="ftr" sz="quarter" idx="11"/>
-          </p:nvPr>
-        </p:nvSpPr>
-        <p:spPr/>
-        <p:txBody>
-          <a:bodyPr rtlCol="0"/>
-          <a:lstStyle/>
-          <a:p>
-            <a:pPr lvl="0" rtl="0"/>
-            <a:r>
-              <a:rPr lang="fr-FR" noProof="1"/>
-              <a:t>Projet-10		Verbreuk Jordan</a:t>
-            </a:r>
-          </a:p>
-        </p:txBody>
-      </p:sp>
-      <p:sp>
-        <p:nvSpPr>
-          <p:cNvPr id="6" name="Espace réservé du numéro de diapositive 5">
-            <a:extLst>
-              <a:ext uri="{FF2B5EF4-FFF2-40B4-BE49-F238E27FC236}">
-                <a16:creationId xmlns:a16="http://schemas.microsoft.com/office/drawing/2014/main" id="{7359025F-68D1-4F50-8480-3F981455D4DE}"/>
-              </a:ext>
-            </a:extLst>
-          </p:cNvPr>
-          <p:cNvSpPr>
-            <a:spLocks noGrp="1"/>
-          </p:cNvSpPr>
-          <p:nvPr>
-            <p:ph type="sldNum" sz="quarter" idx="12"/>
-          </p:nvPr>
-        </p:nvSpPr>
-        <p:spPr/>
-        <p:txBody>
-          <a:bodyPr rtlCol="0"/>
-          <a:lstStyle/>
-          <a:p>
-            <a:pPr lvl="0" rtl="0"/>
-            <a:fld id="{D76B855D-E9CC-4FF8-AD85-6CDC7B89A0DE}" type="slidenum">
-              <a:rPr lang="fr-FR" noProof="1" dirty="0" smtClean="0"/>
-              <a:pPr lvl="0" rtl="0"/>
-              <a:t>12</a:t>
-            </a:fld>
-            <a:endParaRPr lang="fr-FR" noProof="1"/>
-          </a:p>
-        </p:txBody>
-      </p:sp>
-      <p:sp>
-        <p:nvSpPr>
-          <p:cNvPr id="3" name="Espace réservé du contenu 2">
-            <a:extLst>
-              <a:ext uri="{FF2B5EF4-FFF2-40B4-BE49-F238E27FC236}">
-                <a16:creationId xmlns:a16="http://schemas.microsoft.com/office/drawing/2014/main" id="{21F0B6E0-1F7C-4E6A-87B1-554ADE739CD1}"/>
-              </a:ext>
-            </a:extLst>
-          </p:cNvPr>
-          <p:cNvSpPr>
-            <a:spLocks noGrp="1"/>
-          </p:cNvSpPr>
-          <p:nvPr>
-            <p:ph idx="1"/>
-          </p:nvPr>
-        </p:nvSpPr>
-        <p:spPr/>
-        <p:txBody>
-          <a:bodyPr rtlCol="0"/>
-          <a:lstStyle/>
-          <a:p>
-            <a:pPr rtl="0"/>
-            <a:r>
-              <a:rPr lang="fr-FR" noProof="1"/>
-              <a:t>Nom du présentateur</a:t>
-            </a:r>
-          </a:p>
-          <a:p>
-            <a:pPr rtl="0">
-              <a:spcBef>
-                <a:spcPts val="3000"/>
-              </a:spcBef>
-            </a:pPr>
-            <a:r>
-              <a:rPr lang="fr-FR" sz="1800" noProof="1"/>
-              <a:t>Adresse e-mail</a:t>
-            </a:r>
-          </a:p>
-          <a:p>
-            <a:pPr rtl="0">
-              <a:spcBef>
-                <a:spcPts val="3000"/>
-              </a:spcBef>
-            </a:pPr>
-            <a:r>
-              <a:rPr lang="fr-FR" sz="1800" noProof="1"/>
-              <a:t>Site web</a:t>
-            </a:r>
-          </a:p>
-          <a:p>
-            <a:pPr rtl="0"/>
-            <a:endParaRPr lang="fr-FR" noProof="1"/>
-          </a:p>
-        </p:txBody>
-      </p:sp>
-    </p:spTree>
-    <p:extLst>
-      <p:ext uri="{BB962C8B-B14F-4D97-AF65-F5344CB8AC3E}">
-        <p14:creationId xmlns:p14="http://schemas.microsoft.com/office/powerpoint/2010/main" val="962258905"/>
-      </p:ext>
-    </p:extLst>
-  </p:cSld>
-  <p:clrMapOvr>
-    <a:masterClrMapping/>
-  </p:clrMapOvr>
-</p:sld>
-</file>
-
-<file path=ppt/slides/slide2.xml><?xml version="1.0" encoding="utf-8"?>
-<p:sld xmlns:a="http://schemas.openxmlformats.org/drawingml/2006/main" xmlns:r="http://schemas.openxmlformats.org/officeDocument/2006/relationships" xmlns:p="http://schemas.openxmlformats.org/presentationml/2006/main">
-  <p:cSld>
-    <p:spTree>
-      <p:nvGrpSpPr>
-        <p:cNvPr id="1" name=""/>
-        <p:cNvGrpSpPr/>
-        <p:nvPr/>
-      </p:nvGrpSpPr>
-      <p:grpSpPr>
-        <a:xfrm>
-          <a:off x="0" y="0"/>
-          <a:ext cx="0" cy="0"/>
-          <a:chOff x="0" y="0"/>
-          <a:chExt cx="0" cy="0"/>
-        </a:xfrm>
-      </p:grpSpPr>
-      <p:sp>
-        <p:nvSpPr>
-          <p:cNvPr id="2" name="Titre 1">
-            <a:extLst>
-              <a:ext uri="{FF2B5EF4-FFF2-40B4-BE49-F238E27FC236}">
-                <a16:creationId xmlns:a16="http://schemas.microsoft.com/office/drawing/2014/main" id="{1836E49C-11A0-4C95-8A6E-FC7E9C57C105}"/>
-              </a:ext>
-            </a:extLst>
-          </p:cNvPr>
-          <p:cNvSpPr>
-            <a:spLocks noGrp="1"/>
-          </p:cNvSpPr>
-          <p:nvPr>
-            <p:ph type="title"/>
-          </p:nvPr>
-        </p:nvSpPr>
-        <p:spPr/>
-        <p:txBody>
-          <a:bodyPr rtlCol="0"/>
-          <a:lstStyle/>
-          <a:p>
-            <a:pPr rtl="0"/>
-            <a:r>
-              <a:rPr lang="fr-FR" noProof="1"/>
-              <a:t>Sommaire</a:t>
-            </a:r>
-          </a:p>
-        </p:txBody>
-      </p:sp>
-      <p:sp>
-        <p:nvSpPr>
-          <p:cNvPr id="3" name="Espace réservé du contenu 2">
-            <a:extLst>
-              <a:ext uri="{FF2B5EF4-FFF2-40B4-BE49-F238E27FC236}">
-                <a16:creationId xmlns:a16="http://schemas.microsoft.com/office/drawing/2014/main" id="{869C3FD2-AF88-4EF1-AFB7-5D31BD5AA0BF}"/>
-              </a:ext>
-            </a:extLst>
-          </p:cNvPr>
-          <p:cNvSpPr>
-            <a:spLocks noGrp="1"/>
-          </p:cNvSpPr>
-          <p:nvPr>
-            <p:ph idx="1"/>
-          </p:nvPr>
-        </p:nvSpPr>
-        <p:spPr/>
-        <p:txBody>
-          <a:bodyPr rtlCol="0"/>
-          <a:lstStyle/>
-          <a:p>
-            <a:pPr marL="514350" indent="-514350" rtl="0">
-              <a:spcAft>
-                <a:spcPts val="1200"/>
-              </a:spcAft>
-              <a:buFont typeface="+mj-lt"/>
-              <a:buAutoNum type="arabicPeriod"/>
-            </a:pPr>
-            <a:r>
-              <a:rPr lang="fr-FR" spc="100" noProof="1"/>
-              <a:t>Présentation du projet</a:t>
-            </a:r>
-          </a:p>
-          <a:p>
-            <a:pPr marL="514350" indent="-514350" rtl="0">
-              <a:spcAft>
-                <a:spcPts val="1200"/>
-              </a:spcAft>
-              <a:buFont typeface="+mj-lt"/>
-              <a:buAutoNum type="arabicPeriod"/>
-            </a:pPr>
-            <a:r>
-              <a:rPr lang="fr-FR" spc="100" noProof="1"/>
-              <a:t>Correction des bugs</a:t>
-            </a:r>
-          </a:p>
-          <a:p>
-            <a:pPr marL="514350" indent="-514350" rtl="0">
-              <a:spcAft>
-                <a:spcPts val="1200"/>
-              </a:spcAft>
-              <a:buFont typeface="+mj-lt"/>
-              <a:buAutoNum type="arabicPeriod"/>
-            </a:pPr>
-            <a:r>
-              <a:rPr lang="fr-FR" spc="100" noProof="1"/>
-              <a:t>Test unitaire et test d’intégration</a:t>
-            </a:r>
-          </a:p>
-        </p:txBody>
-      </p:sp>
-      <p:sp>
-        <p:nvSpPr>
-          <p:cNvPr id="5" name="Espace réservé du pied de page 4">
-            <a:extLst>
-              <a:ext uri="{FF2B5EF4-FFF2-40B4-BE49-F238E27FC236}">
-                <a16:creationId xmlns:a16="http://schemas.microsoft.com/office/drawing/2014/main" id="{A4A2B84E-2163-44C1-99D0-6F162AEA82E9}"/>
-              </a:ext>
-            </a:extLst>
-          </p:cNvPr>
-          <p:cNvSpPr>
-            <a:spLocks noGrp="1"/>
-          </p:cNvSpPr>
-          <p:nvPr>
-            <p:ph type="ftr" sz="quarter" idx="11"/>
-          </p:nvPr>
-        </p:nvSpPr>
-        <p:spPr/>
-        <p:txBody>
-          <a:bodyPr rtlCol="0"/>
-          <a:lstStyle/>
-          <a:p>
-            <a:pPr lvl="0" rtl="0"/>
-            <a:r>
-              <a:rPr lang="fr-FR" noProof="1"/>
-              <a:t>Projet-10		Verbreuk Jordan</a:t>
-            </a:r>
-          </a:p>
-        </p:txBody>
-      </p:sp>
-      <p:sp>
-        <p:nvSpPr>
-          <p:cNvPr id="6" name="Espace réservé du numéro de diapositive 5">
-            <a:extLst>
-              <a:ext uri="{FF2B5EF4-FFF2-40B4-BE49-F238E27FC236}">
-                <a16:creationId xmlns:a16="http://schemas.microsoft.com/office/drawing/2014/main" id="{88AB1A36-2D6E-4392-AAA4-996FFE03208D}"/>
-              </a:ext>
-            </a:extLst>
-          </p:cNvPr>
-          <p:cNvSpPr>
-            <a:spLocks noGrp="1"/>
-          </p:cNvSpPr>
-          <p:nvPr>
-            <p:ph type="sldNum" sz="quarter" idx="12"/>
-          </p:nvPr>
-        </p:nvSpPr>
-        <p:spPr/>
-        <p:txBody>
-          <a:bodyPr rtlCol="0"/>
-          <a:lstStyle/>
-          <a:p>
-            <a:pPr lvl="0" rtl="0"/>
-            <a:fld id="{D76B855D-E9CC-4FF8-AD85-6CDC7B89A0DE}" type="slidenum">
-              <a:rPr lang="fr-FR" noProof="1" smtClean="0"/>
-              <a:pPr lvl="0"/>
-              <a:t>2</a:t>
-            </a:fld>
-            <a:endParaRPr lang="fr-FR" noProof="1"/>
-          </a:p>
-        </p:txBody>
-      </p:sp>
-    </p:spTree>
-    <p:extLst>
-      <p:ext uri="{BB962C8B-B14F-4D97-AF65-F5344CB8AC3E}">
-        <p14:creationId xmlns:p14="http://schemas.microsoft.com/office/powerpoint/2010/main" val="55160260"/>
-      </p:ext>
-    </p:extLst>
-  </p:cSld>
-  <p:clrMapOvr>
-    <a:masterClrMapping/>
-  </p:clrMapOvr>
-</p:sld>
-</file>
-
-<file path=ppt/slides/slide3.xml><?xml version="1.0" encoding="utf-8"?>
-<p:sld xmlns:a="http://schemas.openxmlformats.org/drawingml/2006/main" xmlns:r="http://schemas.openxmlformats.org/officeDocument/2006/relationships" xmlns:p="http://schemas.openxmlformats.org/presentationml/2006/main">
-  <p:cSld>
-    <p:spTree>
-      <p:nvGrpSpPr>
-        <p:cNvPr id="1" name=""/>
-        <p:cNvGrpSpPr/>
-        <p:nvPr/>
-      </p:nvGrpSpPr>
-      <p:grpSpPr>
-        <a:xfrm>
-          <a:off x="0" y="0"/>
-          <a:ext cx="0" cy="0"/>
-          <a:chOff x="0" y="0"/>
-          <a:chExt cx="0" cy="0"/>
-        </a:xfrm>
-      </p:grpSpPr>
-      <p:sp>
-        <p:nvSpPr>
-          <p:cNvPr id="2" name="Titre 1">
-            <a:extLst>
-              <a:ext uri="{FF2B5EF4-FFF2-40B4-BE49-F238E27FC236}">
-                <a16:creationId xmlns:a16="http://schemas.microsoft.com/office/drawing/2014/main" id="{1EFC037F-9B04-45A9-8AE6-A8517884947F}"/>
-              </a:ext>
-            </a:extLst>
-          </p:cNvPr>
-          <p:cNvSpPr>
-            <a:spLocks noGrp="1"/>
-          </p:cNvSpPr>
-          <p:nvPr>
-            <p:ph type="title"/>
-          </p:nvPr>
-        </p:nvSpPr>
-        <p:spPr/>
-        <p:txBody>
-          <a:bodyPr rtlCol="0">
-            <a:normAutofit/>
-          </a:bodyPr>
-          <a:lstStyle/>
-          <a:p>
-            <a:pPr rtl="0"/>
-            <a:r>
-              <a:rPr lang="fr-FR" noProof="1">
-                <a:solidFill>
-                  <a:srgbClr val="FFFFFF"/>
-                </a:solidFill>
-              </a:rPr>
-              <a:t>Présentation du projet</a:t>
-            </a:r>
-            <a:endParaRPr lang="fr-FR" noProof="1"/>
-          </a:p>
-        </p:txBody>
-      </p:sp>
-    </p:spTree>
-    <p:extLst>
-      <p:ext uri="{BB962C8B-B14F-4D97-AF65-F5344CB8AC3E}">
-        <p14:creationId xmlns:p14="http://schemas.microsoft.com/office/powerpoint/2010/main" val="4283594893"/>
-      </p:ext>
-    </p:extLst>
-  </p:cSld>
-  <p:clrMapOvr>
-    <a:masterClrMapping/>
-  </p:clrMapOvr>
-</p:sld>
-</file>
-
-<file path=ppt/slides/slide4.xml><?xml version="1.0" encoding="utf-8"?>
-<p:sld xmlns:a="http://schemas.openxmlformats.org/drawingml/2006/main" xmlns:r="http://schemas.openxmlformats.org/officeDocument/2006/relationships" xmlns:p="http://schemas.openxmlformats.org/presentationml/2006/main">
-  <p:cSld>
-    <p:spTree>
-      <p:nvGrpSpPr>
-        <p:cNvPr id="1" name=""/>
-        <p:cNvGrpSpPr/>
-        <p:nvPr/>
-      </p:nvGrpSpPr>
-      <p:grpSpPr>
-        <a:xfrm>
-          <a:off x="0" y="0"/>
-          <a:ext cx="0" cy="0"/>
-          <a:chOff x="0" y="0"/>
-          <a:chExt cx="0" cy="0"/>
-        </a:xfrm>
-      </p:grpSpPr>
-      <p:sp>
-        <p:nvSpPr>
-          <p:cNvPr id="4" name="Titre 3">
-            <a:extLst>
-              <a:ext uri="{FF2B5EF4-FFF2-40B4-BE49-F238E27FC236}">
-                <a16:creationId xmlns:a16="http://schemas.microsoft.com/office/drawing/2014/main" id="{7B290457-2071-4F7C-9327-CE85A282B4D5}"/>
-              </a:ext>
-            </a:extLst>
-          </p:cNvPr>
-          <p:cNvSpPr>
-            <a:spLocks noGrp="1"/>
-          </p:cNvSpPr>
-          <p:nvPr>
-            <p:ph type="title"/>
-          </p:nvPr>
-        </p:nvSpPr>
-        <p:spPr/>
-        <p:txBody>
-          <a:bodyPr rtlCol="0"/>
-          <a:lstStyle/>
-          <a:p>
-            <a:pPr rtl="0"/>
-            <a:r>
-              <a:rPr lang="fr-FR" noProof="1"/>
-              <a:t>Présentation du projet</a:t>
-            </a:r>
-          </a:p>
-        </p:txBody>
-      </p:sp>
-      <p:sp>
-        <p:nvSpPr>
-          <p:cNvPr id="5" name="Espace réservé du contenu 4">
-            <a:extLst>
-              <a:ext uri="{FF2B5EF4-FFF2-40B4-BE49-F238E27FC236}">
-                <a16:creationId xmlns:a16="http://schemas.microsoft.com/office/drawing/2014/main" id="{B67B1E24-2840-4BB0-AE5A-2320A01CB80F}"/>
-              </a:ext>
-            </a:extLst>
-          </p:cNvPr>
-          <p:cNvSpPr>
-            <a:spLocks noGrp="1"/>
-          </p:cNvSpPr>
-          <p:nvPr>
-            <p:ph idx="1"/>
-          </p:nvPr>
-        </p:nvSpPr>
-        <p:spPr/>
-        <p:txBody>
-          <a:bodyPr rtlCol="0"/>
-          <a:lstStyle/>
-          <a:p>
-            <a:pPr rtl="0"/>
-            <a:r>
-              <a:rPr lang="fr-FR" noProof="1">
-                <a:hlinkClick r:id="rId3"/>
-              </a:rPr>
-              <a:t>Liens vers le site 724Events</a:t>
-            </a:r>
-            <a:endParaRPr lang="fr-FR" noProof="1"/>
-          </a:p>
-        </p:txBody>
-      </p:sp>
-      <p:sp>
-        <p:nvSpPr>
-          <p:cNvPr id="15" name="Espace réservé du pied de page 14">
-            <a:extLst>
-              <a:ext uri="{FF2B5EF4-FFF2-40B4-BE49-F238E27FC236}">
-                <a16:creationId xmlns:a16="http://schemas.microsoft.com/office/drawing/2014/main" id="{96B342A5-1683-4650-BB07-B98D8B23C1FC}"/>
-              </a:ext>
-            </a:extLst>
-          </p:cNvPr>
-          <p:cNvSpPr>
-            <a:spLocks noGrp="1"/>
-          </p:cNvSpPr>
-          <p:nvPr>
-            <p:ph type="ftr" sz="quarter" idx="11"/>
-          </p:nvPr>
-        </p:nvSpPr>
-        <p:spPr/>
-        <p:txBody>
-          <a:bodyPr rtlCol="0"/>
-          <a:lstStyle/>
-          <a:p>
-            <a:pPr lvl="0" rtl="0"/>
-            <a:r>
-              <a:rPr lang="fr-FR" noProof="1"/>
-              <a:t>Projet-10		Verbreuk Jordan</a:t>
-            </a:r>
-          </a:p>
-        </p:txBody>
-      </p:sp>
-      <p:pic>
-        <p:nvPicPr>
-          <p:cNvPr id="9" name="Image 8">
-            <a:extLst>
-              <a:ext uri="{FF2B5EF4-FFF2-40B4-BE49-F238E27FC236}">
-                <a16:creationId xmlns:a16="http://schemas.microsoft.com/office/drawing/2014/main" id="{49359DAD-B61D-14FB-DEB0-6F0CDF770331}"/>
-              </a:ext>
-            </a:extLst>
-          </p:cNvPr>
-          <p:cNvPicPr>
-            <a:picLocks noChangeAspect="1"/>
-          </p:cNvPicPr>
-          <p:nvPr/>
-        </p:nvPicPr>
-        <p:blipFill>
-          <a:blip r:embed="rId4"/>
-          <a:stretch>
-            <a:fillRect/>
-          </a:stretch>
-        </p:blipFill>
-        <p:spPr>
-          <a:xfrm>
-            <a:off x="654258" y="2322720"/>
-            <a:ext cx="3921585" cy="4033630"/>
-          </a:xfrm>
-          <a:prstGeom prst="rect">
-            <a:avLst/>
-          </a:prstGeom>
-        </p:spPr>
-      </p:pic>
-      <p:pic>
-        <p:nvPicPr>
-          <p:cNvPr id="12" name="Image 11">
-            <a:extLst>
-              <a:ext uri="{FF2B5EF4-FFF2-40B4-BE49-F238E27FC236}">
-                <a16:creationId xmlns:a16="http://schemas.microsoft.com/office/drawing/2014/main" id="{65F96BC3-A693-9F4B-886E-AD5D51D38585}"/>
-              </a:ext>
-            </a:extLst>
-          </p:cNvPr>
-          <p:cNvPicPr>
-            <a:picLocks noChangeAspect="1"/>
-          </p:cNvPicPr>
-          <p:nvPr/>
-        </p:nvPicPr>
-        <p:blipFill>
-          <a:blip r:embed="rId5"/>
-          <a:stretch>
-            <a:fillRect/>
-          </a:stretch>
-        </p:blipFill>
-        <p:spPr>
-          <a:xfrm>
-            <a:off x="7251954" y="1028064"/>
-            <a:ext cx="4400550" cy="5076825"/>
-          </a:xfrm>
-          <a:prstGeom prst="rect">
-            <a:avLst/>
-          </a:prstGeom>
-        </p:spPr>
-      </p:pic>
-    </p:spTree>
-    <p:extLst>
-      <p:ext uri="{BB962C8B-B14F-4D97-AF65-F5344CB8AC3E}">
-        <p14:creationId xmlns:p14="http://schemas.microsoft.com/office/powerpoint/2010/main" val="1002193766"/>
-      </p:ext>
-    </p:extLst>
-  </p:cSld>
-  <p:clrMapOvr>
-    <a:masterClrMapping/>
-  </p:clrMapOvr>
-</p:sld>
-</file>
-
-<file path=ppt/slides/slide5.xml><?xml version="1.0" encoding="utf-8"?>
-<p:sld xmlns:a="http://schemas.openxmlformats.org/drawingml/2006/main" xmlns:r="http://schemas.openxmlformats.org/officeDocument/2006/relationships" xmlns:p="http://schemas.openxmlformats.org/presentationml/2006/main">
-  <p:cSld>
-    <p:spTree>
-      <p:nvGrpSpPr>
-        <p:cNvPr id="1" name=""/>
-        <p:cNvGrpSpPr/>
-        <p:nvPr/>
-      </p:nvGrpSpPr>
-      <p:grpSpPr>
-        <a:xfrm>
-          <a:off x="0" y="0"/>
-          <a:ext cx="0" cy="0"/>
-          <a:chOff x="0" y="0"/>
-          <a:chExt cx="0" cy="0"/>
-        </a:xfrm>
-      </p:grpSpPr>
-      <p:sp>
-        <p:nvSpPr>
-          <p:cNvPr id="13" name="Espace réservé du pied de page 12">
-            <a:extLst>
-              <a:ext uri="{FF2B5EF4-FFF2-40B4-BE49-F238E27FC236}">
-                <a16:creationId xmlns:a16="http://schemas.microsoft.com/office/drawing/2014/main" id="{9B6754F1-BBB9-45C3-8F76-FA0E19B7463B}"/>
-              </a:ext>
-            </a:extLst>
-          </p:cNvPr>
-          <p:cNvSpPr>
-            <a:spLocks noGrp="1"/>
-          </p:cNvSpPr>
-          <p:nvPr>
-            <p:ph type="ftr" sz="quarter" idx="11"/>
-          </p:nvPr>
-        </p:nvSpPr>
-        <p:spPr/>
-        <p:txBody>
-          <a:bodyPr rtlCol="0"/>
-          <a:lstStyle/>
-          <a:p>
-            <a:pPr lvl="0" rtl="0"/>
-            <a:r>
-              <a:rPr lang="fr-FR" noProof="1"/>
-              <a:t>Projet-10		Verbreuk Jordan</a:t>
-            </a:r>
-          </a:p>
-        </p:txBody>
-      </p:sp>
-      <p:sp>
-        <p:nvSpPr>
-          <p:cNvPr id="14" name="Espace réservé du numéro de diapositive 13">
-            <a:extLst>
-              <a:ext uri="{FF2B5EF4-FFF2-40B4-BE49-F238E27FC236}">
-                <a16:creationId xmlns:a16="http://schemas.microsoft.com/office/drawing/2014/main" id="{47FB0EFA-9228-4C2B-BC70-5B5C93771274}"/>
-              </a:ext>
-            </a:extLst>
-          </p:cNvPr>
-          <p:cNvSpPr>
-            <a:spLocks noGrp="1"/>
-          </p:cNvSpPr>
-          <p:nvPr>
-            <p:ph type="sldNum" sz="quarter" idx="12"/>
-          </p:nvPr>
-        </p:nvSpPr>
-        <p:spPr/>
-        <p:txBody>
-          <a:bodyPr rtlCol="0"/>
-          <a:lstStyle/>
-          <a:p>
-            <a:pPr lvl="0" rtl="0"/>
-            <a:fld id="{D76B855D-E9CC-4FF8-AD85-6CDC7B89A0DE}" type="slidenum">
-              <a:rPr lang="en-US" noProof="0" smtClean="0"/>
-              <a:pPr lvl="0" rtl="0"/>
-              <a:t>5</a:t>
-            </a:fld>
-            <a:endParaRPr lang="en-US" noProof="0" dirty="0"/>
-          </a:p>
-        </p:txBody>
-      </p:sp>
-      <p:sp>
-        <p:nvSpPr>
-          <p:cNvPr id="7" name="Espace réservé du contenu 4">
-            <a:extLst>
-              <a:ext uri="{FF2B5EF4-FFF2-40B4-BE49-F238E27FC236}">
-                <a16:creationId xmlns:a16="http://schemas.microsoft.com/office/drawing/2014/main" id="{48C18F40-BCE0-C68C-9F70-C19C6AAEFE1D}"/>
-              </a:ext>
-            </a:extLst>
-          </p:cNvPr>
-          <p:cNvSpPr>
-            <a:spLocks noGrp="1"/>
-          </p:cNvSpPr>
-          <p:nvPr>
-            <p:ph idx="1"/>
-          </p:nvPr>
-        </p:nvSpPr>
-        <p:spPr>
-          <a:xfrm>
-            <a:off x="314209" y="381138"/>
-            <a:ext cx="5463739" cy="6138932"/>
-          </a:xfrm>
-        </p:spPr>
-        <p:txBody>
-          <a:bodyPr rtlCol="0">
-            <a:normAutofit/>
-          </a:bodyPr>
-          <a:lstStyle/>
-          <a:p>
-            <a:pPr marL="0" indent="0" rtl="0">
-              <a:buNone/>
-            </a:pPr>
-            <a:r>
-              <a:rPr lang="fr-FR" noProof="1"/>
-              <a:t>Le projet été sur github : </a:t>
-            </a:r>
-            <a:r>
-              <a:rPr lang="fr-FR" noProof="1">
-                <a:hlinkClick r:id="rId2"/>
-              </a:rPr>
-              <a:t>lien</a:t>
-            </a:r>
-            <a:endParaRPr lang="fr-FR" noProof="1"/>
-          </a:p>
-          <a:p>
-            <a:pPr marL="0" indent="0" rtl="0">
-              <a:buNone/>
-            </a:pPr>
-            <a:endParaRPr lang="fr-FR" noProof="1"/>
-          </a:p>
-          <a:p>
-            <a:pPr marL="0" indent="0" rtl="0">
-              <a:buNone/>
-            </a:pPr>
-            <a:r>
-              <a:rPr lang="fr-FR" noProof="1"/>
-              <a:t>Sur ce lien on peut retrouver des informations laissées par l’ancien développeur.</a:t>
-            </a:r>
-          </a:p>
-          <a:p>
-            <a:pPr marL="0" indent="0" rtl="0">
-              <a:buNone/>
-            </a:pPr>
-            <a:endParaRPr lang="fr-FR" noProof="1"/>
-          </a:p>
-          <a:p>
-            <a:r>
-              <a:rPr lang="fr-FR" sz="2400" noProof="1"/>
-              <a:t>Le carrousel s’affiche dans un ordre aléatoire et uniquement 2 photos sur les 3</a:t>
-            </a:r>
-          </a:p>
-          <a:p>
-            <a:r>
-              <a:rPr lang="fr-FR" sz="2400" noProof="1"/>
-              <a:t>Le filtre dans la section nos réalisations ne fonctionne pas</a:t>
-            </a:r>
-          </a:p>
-          <a:p>
-            <a:r>
-              <a:rPr lang="fr-FR" sz="2400" noProof="1"/>
-              <a:t>Le formulaire s’envoie mais le message de confirmation ne s’affiche pas</a:t>
-            </a:r>
-          </a:p>
-          <a:p>
-            <a:pPr marL="0" indent="0" rtl="0">
-              <a:buNone/>
-            </a:pPr>
-            <a:endParaRPr lang="fr-FR" noProof="1"/>
-          </a:p>
-          <a:p>
-            <a:pPr marL="0" indent="0" rtl="0">
-              <a:buNone/>
-            </a:pPr>
-            <a:endParaRPr lang="fr-FR" noProof="1"/>
-          </a:p>
-          <a:p>
-            <a:pPr marL="0" indent="0" rtl="0">
-              <a:buNone/>
-            </a:pPr>
-            <a:endParaRPr lang="fr-FR" noProof="1"/>
-          </a:p>
-        </p:txBody>
-      </p:sp>
-      <p:pic>
-        <p:nvPicPr>
-          <p:cNvPr id="9" name="Image 8">
-            <a:extLst>
-              <a:ext uri="{FF2B5EF4-FFF2-40B4-BE49-F238E27FC236}">
-                <a16:creationId xmlns:a16="http://schemas.microsoft.com/office/drawing/2014/main" id="{564F2E03-90E3-AA4A-DFAD-2CB9C3AE3F34}"/>
-              </a:ext>
-            </a:extLst>
-          </p:cNvPr>
-          <p:cNvPicPr>
-            <a:picLocks noChangeAspect="1"/>
-          </p:cNvPicPr>
-          <p:nvPr/>
-        </p:nvPicPr>
-        <p:blipFill>
-          <a:blip r:embed="rId3"/>
-          <a:stretch>
-            <a:fillRect/>
-          </a:stretch>
-        </p:blipFill>
-        <p:spPr>
-          <a:xfrm>
-            <a:off x="6096000" y="881441"/>
-            <a:ext cx="5876599" cy="5296728"/>
-          </a:xfrm>
-          <a:prstGeom prst="rect">
-            <a:avLst/>
-          </a:prstGeom>
-        </p:spPr>
-      </p:pic>
-    </p:spTree>
-    <p:extLst>
-      <p:ext uri="{BB962C8B-B14F-4D97-AF65-F5344CB8AC3E}">
-        <p14:creationId xmlns:p14="http://schemas.microsoft.com/office/powerpoint/2010/main" val="49269618"/>
-      </p:ext>
-    </p:extLst>
-  </p:cSld>
-  <p:clrMapOvr>
-    <a:masterClrMapping/>
-  </p:clrMapOvr>
-</p:sld>
-</file>
-
-<file path=ppt/slides/slide6.xml><?xml version="1.0" encoding="utf-8"?>
-<p:sld xmlns:a="http://schemas.openxmlformats.org/drawingml/2006/main" xmlns:r="http://schemas.openxmlformats.org/officeDocument/2006/relationships" xmlns:p="http://schemas.openxmlformats.org/presentationml/2006/main">
-  <p:cSld>
-    <p:spTree>
-      <p:nvGrpSpPr>
-        <p:cNvPr id="1" name=""/>
-        <p:cNvGrpSpPr/>
-        <p:nvPr/>
-      </p:nvGrpSpPr>
-      <p:grpSpPr>
-        <a:xfrm>
-          <a:off x="0" y="0"/>
-          <a:ext cx="0" cy="0"/>
-          <a:chOff x="0" y="0"/>
-          <a:chExt cx="0" cy="0"/>
-        </a:xfrm>
-      </p:grpSpPr>
-      <p:sp>
-        <p:nvSpPr>
-          <p:cNvPr id="13" name="Espace réservé du pied de page 12">
-            <a:extLst>
-              <a:ext uri="{FF2B5EF4-FFF2-40B4-BE49-F238E27FC236}">
-                <a16:creationId xmlns:a16="http://schemas.microsoft.com/office/drawing/2014/main" id="{34CB8358-5219-419E-B50C-A279EA3E635F}"/>
-              </a:ext>
-            </a:extLst>
-          </p:cNvPr>
-          <p:cNvSpPr>
-            <a:spLocks noGrp="1"/>
-          </p:cNvSpPr>
-          <p:nvPr>
-            <p:ph type="ftr" sz="quarter" idx="11"/>
-          </p:nvPr>
-        </p:nvSpPr>
-        <p:spPr/>
-        <p:txBody>
-          <a:bodyPr rtlCol="0"/>
-          <a:lstStyle/>
-          <a:p>
-            <a:pPr lvl="0" rtl="0"/>
-            <a:r>
-              <a:rPr lang="fr-FR" noProof="1"/>
-              <a:t>Projet-10		Verbreuk Jordan</a:t>
-            </a:r>
-          </a:p>
-        </p:txBody>
-      </p:sp>
-      <p:sp>
-        <p:nvSpPr>
-          <p:cNvPr id="14" name="Espace réservé du numéro de diapositive 13">
-            <a:extLst>
-              <a:ext uri="{FF2B5EF4-FFF2-40B4-BE49-F238E27FC236}">
-                <a16:creationId xmlns:a16="http://schemas.microsoft.com/office/drawing/2014/main" id="{8A5B9DFF-1E65-43C9-B2DE-90CD91DFAE1A}"/>
-              </a:ext>
-            </a:extLst>
-          </p:cNvPr>
-          <p:cNvSpPr>
-            <a:spLocks noGrp="1"/>
-          </p:cNvSpPr>
-          <p:nvPr>
-            <p:ph type="sldNum" sz="quarter" idx="12"/>
-          </p:nvPr>
-        </p:nvSpPr>
-        <p:spPr/>
-        <p:txBody>
-          <a:bodyPr rtlCol="0"/>
-          <a:lstStyle/>
-          <a:p>
-            <a:pPr lvl="0" rtl="0"/>
-            <a:fld id="{D76B855D-E9CC-4FF8-AD85-6CDC7B89A0DE}" type="slidenum">
-              <a:rPr lang="fr-FR" noProof="1" smtClean="0"/>
-              <a:pPr lvl="0" rtl="0"/>
-              <a:t>6</a:t>
-            </a:fld>
-            <a:endParaRPr lang="fr-FR" noProof="1"/>
-          </a:p>
-        </p:txBody>
-      </p:sp>
-      <p:sp>
-        <p:nvSpPr>
-          <p:cNvPr id="6" name="Espace réservé du contenu 4">
-            <a:extLst>
-              <a:ext uri="{FF2B5EF4-FFF2-40B4-BE49-F238E27FC236}">
-                <a16:creationId xmlns:a16="http://schemas.microsoft.com/office/drawing/2014/main" id="{9B83A3C9-8C00-8B4E-3AC5-86C0AA641ECA}"/>
-              </a:ext>
-            </a:extLst>
-          </p:cNvPr>
-          <p:cNvSpPr>
-            <a:spLocks noGrp="1"/>
-          </p:cNvSpPr>
-          <p:nvPr>
-            <p:ph idx="1"/>
-          </p:nvPr>
-        </p:nvSpPr>
-        <p:spPr>
-          <a:xfrm>
-            <a:off x="539496" y="1825625"/>
-            <a:ext cx="5463739" cy="4352544"/>
-          </a:xfrm>
-        </p:spPr>
-        <p:txBody>
-          <a:bodyPr rtlCol="0"/>
-          <a:lstStyle/>
-          <a:p>
-            <a:pPr marL="0" indent="0" rtl="0">
-              <a:buNone/>
-            </a:pPr>
-            <a:r>
-              <a:rPr lang="fr-FR" noProof="1"/>
-              <a:t>Et nous en avons découvert d’autres, que nous avons répertoriés ci-joint : </a:t>
-            </a:r>
-          </a:p>
-          <a:p>
-            <a:pPr marL="0" indent="0" rtl="0">
-              <a:buNone/>
-            </a:pPr>
-            <a:endParaRPr lang="fr-FR" noProof="1"/>
-          </a:p>
-          <a:p>
-            <a:pPr marL="0" indent="0" rtl="0">
-              <a:buNone/>
-            </a:pPr>
-            <a:endParaRPr lang="fr-FR" noProof="1"/>
-          </a:p>
-        </p:txBody>
-      </p:sp>
-      <p:sp>
-        <p:nvSpPr>
-          <p:cNvPr id="7" name="Espace réservé du contenu 4">
-            <a:extLst>
-              <a:ext uri="{FF2B5EF4-FFF2-40B4-BE49-F238E27FC236}">
-                <a16:creationId xmlns:a16="http://schemas.microsoft.com/office/drawing/2014/main" id="{99377AA6-226D-21F0-7E54-57C848C76DCC}"/>
+          <p:cNvPr id="25" name="Espace réservé du contenu 4">
+            <a:extLst>
+              <a:ext uri="{FF2B5EF4-FFF2-40B4-BE49-F238E27FC236}">
+                <a16:creationId xmlns:a16="http://schemas.microsoft.com/office/drawing/2014/main" id="{64CEC4D1-92C7-2B97-A9C1-EB3EAA4CC164}"/>
               </a:ext>
             </a:extLst>
           </p:cNvPr>
@@ -14482,7 +13275,7 @@
         </p:nvSpPr>
         <p:spPr>
           <a:xfrm>
-            <a:off x="6096000" y="1317003"/>
+            <a:off x="632261" y="588133"/>
             <a:ext cx="5463739" cy="4223993"/>
           </a:xfrm>
           <a:prstGeom prst="rect">
@@ -14664,216 +13457,67 @@
             </a:r>
           </a:p>
           <a:p>
-            <a:endParaRPr lang="fr-FR" sz="2000" noProof="1"/>
-          </a:p>
-          <a:p>
-            <a:r>
-              <a:rPr lang="fr-FR" sz="2000" noProof="1"/>
-              <a:t>Les boutons radio du carrousel ne s’actualise en fonction de la photo sélectionner</a:t>
-            </a:r>
-          </a:p>
-          <a:p>
-            <a:endParaRPr lang="fr-FR" sz="2000" noProof="1"/>
-          </a:p>
-          <a:p>
-            <a:r>
-              <a:rPr lang="fr-FR" sz="2000" noProof="1"/>
-              <a:t>les photos sortent du cadre du site</a:t>
-            </a:r>
-          </a:p>
-          <a:p>
-            <a:endParaRPr lang="fr-FR" sz="2000" noProof="1"/>
-          </a:p>
-          <a:p>
-            <a:r>
-              <a:rPr lang="fr-FR" sz="2000" noProof="1"/>
-              <a:t>La carte évènement dans le footer du site ne fonctionne pas</a:t>
-            </a:r>
-          </a:p>
-          <a:p>
             <a:endParaRPr lang="fr-FR" noProof="1"/>
           </a:p>
-        </p:txBody>
-      </p:sp>
-    </p:spTree>
-    <p:extLst>
-      <p:ext uri="{BB962C8B-B14F-4D97-AF65-F5344CB8AC3E}">
-        <p14:creationId xmlns:p14="http://schemas.microsoft.com/office/powerpoint/2010/main" val="3927950662"/>
-      </p:ext>
-    </p:extLst>
-  </p:cSld>
-  <p:clrMapOvr>
-    <a:masterClrMapping/>
-  </p:clrMapOvr>
-</p:sld>
-</file>
-
-<file path=ppt/slides/slide7.xml><?xml version="1.0" encoding="utf-8"?>
-<p:sld xmlns:a="http://schemas.openxmlformats.org/drawingml/2006/main" xmlns:r="http://schemas.openxmlformats.org/officeDocument/2006/relationships" xmlns:p="http://schemas.openxmlformats.org/presentationml/2006/main">
-  <p:cSld>
-    <p:spTree>
-      <p:nvGrpSpPr>
-        <p:cNvPr id="1" name="">
-          <a:extLst>
-            <a:ext uri="{FF2B5EF4-FFF2-40B4-BE49-F238E27FC236}">
-              <a16:creationId xmlns:a16="http://schemas.microsoft.com/office/drawing/2014/main" id="{2D551815-E11B-F26D-7EB5-5979094DD512}"/>
-            </a:ext>
-          </a:extLst>
-        </p:cNvPr>
-        <p:cNvGrpSpPr/>
-        <p:nvPr/>
-      </p:nvGrpSpPr>
-      <p:grpSpPr>
-        <a:xfrm>
-          <a:off x="0" y="0"/>
-          <a:ext cx="0" cy="0"/>
-          <a:chOff x="0" y="0"/>
-          <a:chExt cx="0" cy="0"/>
-        </a:xfrm>
-      </p:grpSpPr>
-      <p:sp>
-        <p:nvSpPr>
-          <p:cNvPr id="2" name="Titre 1">
-            <a:extLst>
-              <a:ext uri="{FF2B5EF4-FFF2-40B4-BE49-F238E27FC236}">
-                <a16:creationId xmlns:a16="http://schemas.microsoft.com/office/drawing/2014/main" id="{5EE89E62-152E-7F52-5460-CE57B679382A}"/>
-              </a:ext>
-            </a:extLst>
-          </p:cNvPr>
-          <p:cNvSpPr>
-            <a:spLocks noGrp="1"/>
-          </p:cNvSpPr>
-          <p:nvPr>
-            <p:ph type="title"/>
-          </p:nvPr>
-        </p:nvSpPr>
-        <p:spPr/>
-        <p:txBody>
-          <a:bodyPr rtlCol="0">
-            <a:normAutofit/>
-          </a:bodyPr>
-          <a:lstStyle/>
-          <a:p>
-            <a:pPr rtl="0"/>
-            <a:r>
-              <a:rPr lang="fr-FR" noProof="1">
-                <a:solidFill>
-                  <a:srgbClr val="FFFFFF"/>
-                </a:solidFill>
-              </a:rPr>
-              <a:t>Correction des bugs</a:t>
-            </a:r>
-            <a:endParaRPr lang="fr-FR" noProof="1"/>
-          </a:p>
-        </p:txBody>
-      </p:sp>
-    </p:spTree>
-    <p:extLst>
-      <p:ext uri="{BB962C8B-B14F-4D97-AF65-F5344CB8AC3E}">
-        <p14:creationId xmlns:p14="http://schemas.microsoft.com/office/powerpoint/2010/main" val="879122098"/>
-      </p:ext>
-    </p:extLst>
-  </p:cSld>
-  <p:clrMapOvr>
-    <a:masterClrMapping/>
-  </p:clrMapOvr>
-</p:sld>
-</file>
-
-<file path=ppt/slides/slide8.xml><?xml version="1.0" encoding="utf-8"?>
-<p:sld xmlns:a="http://schemas.openxmlformats.org/drawingml/2006/main" xmlns:r="http://schemas.openxmlformats.org/officeDocument/2006/relationships" xmlns:p="http://schemas.openxmlformats.org/presentationml/2006/main">
-  <p:cSld>
-    <p:spTree>
-      <p:nvGrpSpPr>
-        <p:cNvPr id="1" name=""/>
-        <p:cNvGrpSpPr/>
-        <p:nvPr/>
-      </p:nvGrpSpPr>
-      <p:grpSpPr>
-        <a:xfrm>
-          <a:off x="0" y="0"/>
-          <a:ext cx="0" cy="0"/>
-          <a:chOff x="0" y="0"/>
-          <a:chExt cx="0" cy="0"/>
-        </a:xfrm>
-      </p:grpSpPr>
-      <p:sp>
-        <p:nvSpPr>
-          <p:cNvPr id="10" name="Espace réservé du contenu 4">
-            <a:extLst>
-              <a:ext uri="{FF2B5EF4-FFF2-40B4-BE49-F238E27FC236}">
-                <a16:creationId xmlns:a16="http://schemas.microsoft.com/office/drawing/2014/main" id="{32FCB8AF-2F05-27E1-818A-780CE8D03489}"/>
-              </a:ext>
-            </a:extLst>
-          </p:cNvPr>
-          <p:cNvSpPr>
-            <a:spLocks noGrp="1"/>
-          </p:cNvSpPr>
-          <p:nvPr>
-            <p:ph idx="1"/>
-          </p:nvPr>
-        </p:nvSpPr>
-        <p:spPr>
-          <a:xfrm>
-            <a:off x="314209" y="381138"/>
-            <a:ext cx="5463739" cy="6138932"/>
-          </a:xfrm>
-        </p:spPr>
-        <p:txBody>
-          <a:bodyPr rtlCol="0">
-            <a:normAutofit/>
-          </a:bodyPr>
-          <a:lstStyle/>
-          <a:p>
-            <a:r>
-              <a:rPr lang="fr-FR" sz="2400" noProof="1"/>
-              <a:t>Le carrousel s’affiche dans un ordre aléatoire et uniquement 2 photos sur les 3</a:t>
-            </a:r>
-          </a:p>
-          <a:p>
-            <a:pPr marL="0" indent="0" rtl="0">
-              <a:buNone/>
-            </a:pPr>
-            <a:endParaRPr lang="fr-FR" noProof="1"/>
-          </a:p>
-          <a:p>
-            <a:pPr marL="0" indent="0" rtl="0">
+          <a:p>
+            <a:pPr marL="0" indent="0">
               <a:buNone/>
             </a:pPr>
             <a:r>
               <a:rPr lang="fr-FR" sz="1800" noProof="1"/>
-              <a:t>Nous avions cette partie de code pour générer le carrousel, malheureusement elle ne fonctionne pas, car en js on commence a compter a 0, length va donc compter jusqu’à 2 mais nous avons bien 3 photos</a:t>
+              <a:t>Nous avons ce code pour un des liens de notre barre de navigation</a:t>
             </a:r>
           </a:p>
           <a:p>
-            <a:pPr marL="0" indent="0" rtl="0">
+            <a:pPr marL="0" indent="0">
               <a:buNone/>
             </a:pPr>
             <a:endParaRPr lang="fr-FR" sz="1800" noProof="1"/>
           </a:p>
           <a:p>
-            <a:pPr marL="0" indent="0" rtl="0">
+            <a:pPr marL="0" indent="0">
               <a:buNone/>
             </a:pPr>
             <a:r>
               <a:rPr lang="fr-FR" sz="1800" noProof="1"/>
-              <a:t>Nous allons donc modifier length</a:t>
+              <a:t>Ce qui fonctionne, mais nous n’avons pas renseigné l’id dans notre balise, de ce fait notre lien ne mène a rien</a:t>
             </a:r>
           </a:p>
           <a:p>
-            <a:pPr marL="0" indent="0" rtl="0">
+            <a:pPr marL="0" indent="0">
+              <a:buNone/>
+            </a:pPr>
+            <a:endParaRPr lang="fr-FR" sz="1800" noProof="1"/>
+          </a:p>
+          <a:p>
+            <a:pPr marL="0" indent="0">
+              <a:buNone/>
+            </a:pPr>
+            <a:r>
+              <a:rPr lang="fr-FR" sz="1800" noProof="1"/>
+              <a:t>Nous avons ajouté un id a la section correspondante </a:t>
+            </a:r>
+          </a:p>
+          <a:p>
+            <a:pPr marL="0" indent="0">
               <a:buNone/>
             </a:pPr>
             <a:endParaRPr lang="fr-FR" noProof="1"/>
           </a:p>
+          <a:p>
+            <a:pPr marL="0" indent="0">
+              <a:buNone/>
+            </a:pPr>
+            <a:endParaRPr lang="fr-FR" noProof="1"/>
+          </a:p>
         </p:txBody>
       </p:sp>
       <p:pic>
         <p:nvPicPr>
-          <p:cNvPr id="12" name="Image 11">
-            <a:extLst>
-              <a:ext uri="{FF2B5EF4-FFF2-40B4-BE49-F238E27FC236}">
-                <a16:creationId xmlns:a16="http://schemas.microsoft.com/office/drawing/2014/main" id="{916D3ADC-26BB-86EE-03BF-5C448ECB46A3}"/>
+          <p:cNvPr id="27" name="Image 26">
+            <a:extLst>
+              <a:ext uri="{FF2B5EF4-FFF2-40B4-BE49-F238E27FC236}">
+                <a16:creationId xmlns:a16="http://schemas.microsoft.com/office/drawing/2014/main" id="{610F9F73-DB9C-D8C5-CB1A-820A77567BD5}"/>
               </a:ext>
             </a:extLst>
           </p:cNvPr>
@@ -14890,8 +13534,8 @@
         </p:blipFill>
         <p:spPr>
           <a:xfrm>
-            <a:off x="1200506" y="3345829"/>
-            <a:ext cx="3876675" cy="209550"/>
+            <a:off x="1462498" y="2495092"/>
+            <a:ext cx="3136003" cy="167122"/>
           </a:xfrm>
           <a:prstGeom prst="rect">
             <a:avLst/>
@@ -14900,10 +13544,10 @@
       </p:pic>
       <p:pic>
         <p:nvPicPr>
-          <p:cNvPr id="14" name="Image 13">
-            <a:extLst>
-              <a:ext uri="{FF2B5EF4-FFF2-40B4-BE49-F238E27FC236}">
-                <a16:creationId xmlns:a16="http://schemas.microsoft.com/office/drawing/2014/main" id="{4A0CB481-E993-DCCA-6769-8B5CABA42F82}"/>
+          <p:cNvPr id="29" name="Image 28">
+            <a:extLst>
+              <a:ext uri="{FF2B5EF4-FFF2-40B4-BE49-F238E27FC236}">
+                <a16:creationId xmlns:a16="http://schemas.microsoft.com/office/drawing/2014/main" id="{1A4EC396-75A0-0D0E-2911-54B4E2CBF752}"/>
               </a:ext>
             </a:extLst>
           </p:cNvPr>
@@ -14920,8 +13564,8 @@
         </p:blipFill>
         <p:spPr>
           <a:xfrm>
-            <a:off x="905231" y="4418357"/>
-            <a:ext cx="4171950" cy="247650"/>
+            <a:off x="911188" y="3656115"/>
+            <a:ext cx="4238625" cy="200025"/>
           </a:xfrm>
           <a:prstGeom prst="rect">
             <a:avLst/>
@@ -14930,10 +13574,10 @@
       </p:pic>
       <p:sp>
         <p:nvSpPr>
-          <p:cNvPr id="15" name="Espace réservé du contenu 4">
-            <a:extLst>
-              <a:ext uri="{FF2B5EF4-FFF2-40B4-BE49-F238E27FC236}">
-                <a16:creationId xmlns:a16="http://schemas.microsoft.com/office/drawing/2014/main" id="{5DC03504-9A0A-54FE-BAF6-82DAD777E00C}"/>
+          <p:cNvPr id="30" name="Espace réservé du contenu 4">
+            <a:extLst>
+              <a:ext uri="{FF2B5EF4-FFF2-40B4-BE49-F238E27FC236}">
+                <a16:creationId xmlns:a16="http://schemas.microsoft.com/office/drawing/2014/main" id="{C5A36291-B202-EF97-6711-FCD6B4159843}"/>
               </a:ext>
             </a:extLst>
           </p:cNvPr>
@@ -14944,8 +13588,8 @@
         </p:nvSpPr>
         <p:spPr>
           <a:xfrm>
-            <a:off x="6218052" y="359534"/>
-            <a:ext cx="5463739" cy="6138932"/>
+            <a:off x="6374927" y="588133"/>
+            <a:ext cx="5463739" cy="5865676"/>
           </a:xfrm>
           <a:prstGeom prst="rect">
             <a:avLst/>
@@ -15121,11 +13765,3195 @@
           </a:lstStyle>
           <a:p>
             <a:r>
+              <a:rPr lang="fr-FR" sz="2000" noProof="1"/>
+              <a:t>Les boutons radio du carrousel ne s’actualise pas en fonction de la photo sélectionner</a:t>
+            </a:r>
+          </a:p>
+          <a:p>
+            <a:pPr marL="0" indent="0">
+              <a:buNone/>
+            </a:pPr>
+            <a:endParaRPr lang="fr-FR" sz="1600" noProof="1"/>
+          </a:p>
+          <a:p>
+            <a:pPr marL="0" indent="0">
+              <a:buNone/>
+            </a:pPr>
+            <a:r>
+              <a:rPr lang="fr-FR" sz="1800" noProof="1"/>
+              <a:t>Nous avons ce bout de code qui ne reprends pas les bonne informations </a:t>
+            </a:r>
+          </a:p>
+          <a:p>
+            <a:pPr marL="0" indent="0">
+              <a:buNone/>
+            </a:pPr>
+            <a:endParaRPr lang="fr-FR" sz="1800" noProof="1"/>
+          </a:p>
+          <a:p>
+            <a:pPr marL="0" indent="0">
+              <a:buNone/>
+            </a:pPr>
+            <a:endParaRPr lang="fr-FR" sz="1800" noProof="1"/>
+          </a:p>
+          <a:p>
+            <a:pPr marL="0" indent="0">
+              <a:buNone/>
+            </a:pPr>
+            <a:endParaRPr lang="fr-FR" sz="1800" noProof="1"/>
+          </a:p>
+          <a:p>
+            <a:pPr marL="0" indent="0">
+              <a:buNone/>
+            </a:pPr>
+            <a:endParaRPr lang="fr-FR" sz="1800" noProof="1"/>
+          </a:p>
+          <a:p>
+            <a:pPr marL="0" indent="0">
+              <a:buNone/>
+            </a:pPr>
+            <a:r>
+              <a:rPr lang="fr-FR" sz="1800" noProof="1"/>
+              <a:t>Nous avons donc modifier et repris les bonnes informations pour que les boutons radio soit fonctionnel et corresponds a nos images</a:t>
+            </a:r>
+          </a:p>
+        </p:txBody>
+      </p:sp>
+      <p:pic>
+        <p:nvPicPr>
+          <p:cNvPr id="32" name="Image 31">
+            <a:extLst>
+              <a:ext uri="{FF2B5EF4-FFF2-40B4-BE49-F238E27FC236}">
+                <a16:creationId xmlns:a16="http://schemas.microsoft.com/office/drawing/2014/main" id="{A22F35EE-F8E1-F38A-61D6-79E39B5BC6BA}"/>
+              </a:ext>
+            </a:extLst>
+          </p:cNvPr>
+          <p:cNvPicPr>
+            <a:picLocks noChangeAspect="1"/>
+          </p:cNvPicPr>
+          <p:nvPr/>
+        </p:nvPicPr>
+        <p:blipFill>
+          <a:blip r:embed="rId5"/>
+          <a:stretch>
+            <a:fillRect/>
+          </a:stretch>
+        </p:blipFill>
+        <p:spPr>
+          <a:xfrm>
+            <a:off x="7720908" y="2495092"/>
+            <a:ext cx="2771775" cy="1485900"/>
+          </a:xfrm>
+          <a:prstGeom prst="rect">
+            <a:avLst/>
+          </a:prstGeom>
+        </p:spPr>
+      </p:pic>
+      <p:pic>
+        <p:nvPicPr>
+          <p:cNvPr id="34" name="Image 33">
+            <a:extLst>
+              <a:ext uri="{FF2B5EF4-FFF2-40B4-BE49-F238E27FC236}">
+                <a16:creationId xmlns:a16="http://schemas.microsoft.com/office/drawing/2014/main" id="{6F02F9E5-A289-4C14-A7B7-587986C30D8F}"/>
+              </a:ext>
+            </a:extLst>
+          </p:cNvPr>
+          <p:cNvPicPr>
+            <a:picLocks noChangeAspect="1"/>
+          </p:cNvPicPr>
+          <p:nvPr/>
+        </p:nvPicPr>
+        <p:blipFill>
+          <a:blip r:embed="rId6"/>
+          <a:stretch>
+            <a:fillRect/>
+          </a:stretch>
+        </p:blipFill>
+        <p:spPr>
+          <a:xfrm>
+            <a:off x="7663690" y="4889867"/>
+            <a:ext cx="2695575" cy="1866900"/>
+          </a:xfrm>
+          <a:prstGeom prst="rect">
+            <a:avLst/>
+          </a:prstGeom>
+        </p:spPr>
+      </p:pic>
+    </p:spTree>
+    <p:extLst>
+      <p:ext uri="{BB962C8B-B14F-4D97-AF65-F5344CB8AC3E}">
+        <p14:creationId xmlns:p14="http://schemas.microsoft.com/office/powerpoint/2010/main" val="543995561"/>
+      </p:ext>
+    </p:extLst>
+  </p:cSld>
+  <p:clrMapOvr>
+    <a:masterClrMapping/>
+  </p:clrMapOvr>
+</p:sld>
+</file>
+
+<file path=ppt/slides/slide11.xml><?xml version="1.0" encoding="utf-8"?>
+<p:sld xmlns:a="http://schemas.openxmlformats.org/drawingml/2006/main" xmlns:r="http://schemas.openxmlformats.org/officeDocument/2006/relationships" xmlns:p="http://schemas.openxmlformats.org/presentationml/2006/main">
+  <p:cSld>
+    <p:spTree>
+      <p:nvGrpSpPr>
+        <p:cNvPr id="1" name="">
+          <a:extLst>
+            <a:ext uri="{FF2B5EF4-FFF2-40B4-BE49-F238E27FC236}">
+              <a16:creationId xmlns:a16="http://schemas.microsoft.com/office/drawing/2014/main" id="{B674F06F-971C-4152-8279-7523FF6E7E75}"/>
+            </a:ext>
+          </a:extLst>
+        </p:cNvPr>
+        <p:cNvGrpSpPr/>
+        <p:nvPr/>
+      </p:nvGrpSpPr>
+      <p:grpSpPr>
+        <a:xfrm>
+          <a:off x="0" y="0"/>
+          <a:ext cx="0" cy="0"/>
+          <a:chOff x="0" y="0"/>
+          <a:chExt cx="0" cy="0"/>
+        </a:xfrm>
+      </p:grpSpPr>
+      <p:sp>
+        <p:nvSpPr>
+          <p:cNvPr id="2" name="Espace réservé du contenu 4">
+            <a:extLst>
+              <a:ext uri="{FF2B5EF4-FFF2-40B4-BE49-F238E27FC236}">
+                <a16:creationId xmlns:a16="http://schemas.microsoft.com/office/drawing/2014/main" id="{E8A2FB2C-B0B8-1894-3454-6B851916546A}"/>
+              </a:ext>
+            </a:extLst>
+          </p:cNvPr>
+          <p:cNvSpPr txBox="1">
+            <a:spLocks/>
+          </p:cNvSpPr>
+          <p:nvPr/>
+        </p:nvSpPr>
+        <p:spPr>
+          <a:xfrm>
+            <a:off x="759329" y="548376"/>
+            <a:ext cx="5463739" cy="4223993"/>
+          </a:xfrm>
+          <a:prstGeom prst="rect">
+            <a:avLst/>
+          </a:prstGeom>
+        </p:spPr>
+        <p:txBody>
+          <a:bodyPr vert="horz" lIns="91440" tIns="45720" rIns="91440" bIns="45720" rtlCol="0">
+            <a:normAutofit/>
+          </a:bodyPr>
+          <a:lstStyle>
+            <a:lvl1pPr marL="228600" indent="-228600" algn="l" defTabSz="914400" rtl="0" eaLnBrk="1" latinLnBrk="0" hangingPunct="1">
+              <a:lnSpc>
+                <a:spcPct val="90000"/>
+              </a:lnSpc>
+              <a:spcBef>
+                <a:spcPts val="1000"/>
+              </a:spcBef>
+              <a:buFont typeface="Arial" panose="020B0604020202020204" pitchFamily="34" charset="0"/>
+              <a:buChar char="•"/>
+              <a:defRPr sz="2800" kern="1200">
+                <a:solidFill>
+                  <a:schemeClr val="tx1"/>
+                </a:solidFill>
+                <a:latin typeface="+mn-lt"/>
+                <a:ea typeface="+mn-ea"/>
+                <a:cs typeface="+mn-cs"/>
+              </a:defRPr>
+            </a:lvl1pPr>
+            <a:lvl2pPr marL="685800" indent="-228600" algn="l" defTabSz="914400" rtl="0" eaLnBrk="1" latinLnBrk="0" hangingPunct="1">
+              <a:lnSpc>
+                <a:spcPct val="90000"/>
+              </a:lnSpc>
+              <a:spcBef>
+                <a:spcPts val="500"/>
+              </a:spcBef>
+              <a:buFont typeface="Arial" panose="020B0604020202020204" pitchFamily="34" charset="0"/>
+              <a:buChar char="•"/>
+              <a:defRPr sz="2400" kern="1200">
+                <a:solidFill>
+                  <a:schemeClr val="tx1"/>
+                </a:solidFill>
+                <a:latin typeface="+mn-lt"/>
+                <a:ea typeface="+mn-ea"/>
+                <a:cs typeface="+mn-cs"/>
+              </a:defRPr>
+            </a:lvl2pPr>
+            <a:lvl3pPr marL="1143000" indent="-228600" algn="l" defTabSz="914400" rtl="0" eaLnBrk="1" latinLnBrk="0" hangingPunct="1">
+              <a:lnSpc>
+                <a:spcPct val="90000"/>
+              </a:lnSpc>
+              <a:spcBef>
+                <a:spcPts val="500"/>
+              </a:spcBef>
+              <a:buFont typeface="Arial" panose="020B0604020202020204" pitchFamily="34" charset="0"/>
+              <a:buChar char="•"/>
+              <a:defRPr sz="2000" kern="1200">
+                <a:solidFill>
+                  <a:schemeClr val="tx1"/>
+                </a:solidFill>
+                <a:latin typeface="+mn-lt"/>
+                <a:ea typeface="+mn-ea"/>
+                <a:cs typeface="+mn-cs"/>
+              </a:defRPr>
+            </a:lvl3pPr>
+            <a:lvl4pPr marL="1600200" indent="-228600" algn="l" defTabSz="914400" rtl="0" eaLnBrk="1" latinLnBrk="0" hangingPunct="1">
+              <a:lnSpc>
+                <a:spcPct val="90000"/>
+              </a:lnSpc>
+              <a:spcBef>
+                <a:spcPts val="500"/>
+              </a:spcBef>
+              <a:buFont typeface="Arial" panose="020B0604020202020204" pitchFamily="34" charset="0"/>
+              <a:buChar char="•"/>
+              <a:defRPr sz="1800" kern="1200">
+                <a:solidFill>
+                  <a:schemeClr val="tx1"/>
+                </a:solidFill>
+                <a:latin typeface="+mn-lt"/>
+                <a:ea typeface="+mn-ea"/>
+                <a:cs typeface="+mn-cs"/>
+              </a:defRPr>
+            </a:lvl4pPr>
+            <a:lvl5pPr marL="2057400" indent="-228600" algn="l" defTabSz="914400" rtl="0" eaLnBrk="1" latinLnBrk="0" hangingPunct="1">
+              <a:lnSpc>
+                <a:spcPct val="90000"/>
+              </a:lnSpc>
+              <a:spcBef>
+                <a:spcPts val="500"/>
+              </a:spcBef>
+              <a:buFont typeface="Arial" panose="020B0604020202020204" pitchFamily="34" charset="0"/>
+              <a:buChar char="•"/>
+              <a:defRPr sz="1800" kern="1200">
+                <a:solidFill>
+                  <a:schemeClr val="tx1"/>
+                </a:solidFill>
+                <a:latin typeface="+mn-lt"/>
+                <a:ea typeface="+mn-ea"/>
+                <a:cs typeface="+mn-cs"/>
+              </a:defRPr>
+            </a:lvl5pPr>
+            <a:lvl6pPr marL="2514600" indent="-228600" algn="l" defTabSz="914400" rtl="0" eaLnBrk="1" latinLnBrk="0" hangingPunct="1">
+              <a:lnSpc>
+                <a:spcPct val="90000"/>
+              </a:lnSpc>
+              <a:spcBef>
+                <a:spcPts val="500"/>
+              </a:spcBef>
+              <a:buFont typeface="Arial" panose="020B0604020202020204" pitchFamily="34" charset="0"/>
+              <a:buChar char="•"/>
+              <a:defRPr sz="1800" kern="1200">
+                <a:solidFill>
+                  <a:schemeClr val="tx1"/>
+                </a:solidFill>
+                <a:latin typeface="+mn-lt"/>
+                <a:ea typeface="+mn-ea"/>
+                <a:cs typeface="+mn-cs"/>
+              </a:defRPr>
+            </a:lvl6pPr>
+            <a:lvl7pPr marL="2971800" indent="-228600" algn="l" defTabSz="914400" rtl="0" eaLnBrk="1" latinLnBrk="0" hangingPunct="1">
+              <a:lnSpc>
+                <a:spcPct val="90000"/>
+              </a:lnSpc>
+              <a:spcBef>
+                <a:spcPts val="500"/>
+              </a:spcBef>
+              <a:buFont typeface="Arial" panose="020B0604020202020204" pitchFamily="34" charset="0"/>
+              <a:buChar char="•"/>
+              <a:defRPr sz="1800" kern="1200">
+                <a:solidFill>
+                  <a:schemeClr val="tx1"/>
+                </a:solidFill>
+                <a:latin typeface="+mn-lt"/>
+                <a:ea typeface="+mn-ea"/>
+                <a:cs typeface="+mn-cs"/>
+              </a:defRPr>
+            </a:lvl7pPr>
+            <a:lvl8pPr marL="3429000" indent="-228600" algn="l" defTabSz="914400" rtl="0" eaLnBrk="1" latinLnBrk="0" hangingPunct="1">
+              <a:lnSpc>
+                <a:spcPct val="90000"/>
+              </a:lnSpc>
+              <a:spcBef>
+                <a:spcPts val="500"/>
+              </a:spcBef>
+              <a:buFont typeface="Arial" panose="020B0604020202020204" pitchFamily="34" charset="0"/>
+              <a:buChar char="•"/>
+              <a:defRPr sz="1800" kern="1200">
+                <a:solidFill>
+                  <a:schemeClr val="tx1"/>
+                </a:solidFill>
+                <a:latin typeface="+mn-lt"/>
+                <a:ea typeface="+mn-ea"/>
+                <a:cs typeface="+mn-cs"/>
+              </a:defRPr>
+            </a:lvl8pPr>
+            <a:lvl9pPr marL="3886200" indent="-228600" algn="l" defTabSz="914400" rtl="0" eaLnBrk="1" latinLnBrk="0" hangingPunct="1">
+              <a:lnSpc>
+                <a:spcPct val="90000"/>
+              </a:lnSpc>
+              <a:spcBef>
+                <a:spcPts val="500"/>
+              </a:spcBef>
+              <a:buFont typeface="Arial" panose="020B0604020202020204" pitchFamily="34" charset="0"/>
+              <a:buChar char="•"/>
+              <a:defRPr sz="1800" kern="1200">
+                <a:solidFill>
+                  <a:schemeClr val="tx1"/>
+                </a:solidFill>
+                <a:latin typeface="+mn-lt"/>
+                <a:ea typeface="+mn-ea"/>
+                <a:cs typeface="+mn-cs"/>
+              </a:defRPr>
+            </a:lvl9pPr>
+          </a:lstStyle>
+          <a:p>
+            <a:r>
+              <a:rPr lang="fr-FR" sz="2000" noProof="1"/>
+              <a:t>les photos sortent du cadre du site</a:t>
+            </a:r>
+          </a:p>
+          <a:p>
+            <a:endParaRPr lang="fr-FR" sz="2000" noProof="1"/>
+          </a:p>
+          <a:p>
+            <a:pPr marL="0" indent="0">
+              <a:buNone/>
+            </a:pPr>
+            <a:r>
+              <a:rPr lang="fr-FR" sz="2000" noProof="1"/>
+              <a:t>Nous pouvons voir qu’en bas de page, notre site s’étend et revient a la taille normale (petite barre coulissante en bas de page)</a:t>
+            </a:r>
+          </a:p>
+        </p:txBody>
+      </p:sp>
+      <p:pic>
+        <p:nvPicPr>
+          <p:cNvPr id="4" name="Image 3">
+            <a:extLst>
+              <a:ext uri="{FF2B5EF4-FFF2-40B4-BE49-F238E27FC236}">
+                <a16:creationId xmlns:a16="http://schemas.microsoft.com/office/drawing/2014/main" id="{BEE631BD-306E-7FD2-567B-041EEE30B85C}"/>
+              </a:ext>
+            </a:extLst>
+          </p:cNvPr>
+          <p:cNvPicPr>
+            <a:picLocks noChangeAspect="1"/>
+          </p:cNvPicPr>
+          <p:nvPr/>
+        </p:nvPicPr>
+        <p:blipFill>
+          <a:blip r:embed="rId3"/>
+          <a:stretch>
+            <a:fillRect/>
+          </a:stretch>
+        </p:blipFill>
+        <p:spPr>
+          <a:xfrm>
+            <a:off x="759329" y="2459867"/>
+            <a:ext cx="5162894" cy="3849757"/>
+          </a:xfrm>
+          <a:prstGeom prst="rect">
+            <a:avLst/>
+          </a:prstGeom>
+        </p:spPr>
+      </p:pic>
+      <p:sp>
+        <p:nvSpPr>
+          <p:cNvPr id="5" name="Espace réservé du contenu 4">
+            <a:extLst>
+              <a:ext uri="{FF2B5EF4-FFF2-40B4-BE49-F238E27FC236}">
+                <a16:creationId xmlns:a16="http://schemas.microsoft.com/office/drawing/2014/main" id="{BCC31A2C-4D8B-0764-6D40-994DE659BA7D}"/>
+              </a:ext>
+            </a:extLst>
+          </p:cNvPr>
+          <p:cNvSpPr txBox="1">
+            <a:spLocks/>
+          </p:cNvSpPr>
+          <p:nvPr/>
+        </p:nvSpPr>
+        <p:spPr>
+          <a:xfrm>
+            <a:off x="6223068" y="548375"/>
+            <a:ext cx="5463739" cy="4223993"/>
+          </a:xfrm>
+          <a:prstGeom prst="rect">
+            <a:avLst/>
+          </a:prstGeom>
+        </p:spPr>
+        <p:txBody>
+          <a:bodyPr vert="horz" lIns="91440" tIns="45720" rIns="91440" bIns="45720" rtlCol="0">
+            <a:normAutofit/>
+          </a:bodyPr>
+          <a:lstStyle>
+            <a:lvl1pPr marL="228600" indent="-228600" algn="l" defTabSz="914400" rtl="0" eaLnBrk="1" latinLnBrk="0" hangingPunct="1">
+              <a:lnSpc>
+                <a:spcPct val="90000"/>
+              </a:lnSpc>
+              <a:spcBef>
+                <a:spcPts val="1000"/>
+              </a:spcBef>
+              <a:buFont typeface="Arial" panose="020B0604020202020204" pitchFamily="34" charset="0"/>
+              <a:buChar char="•"/>
+              <a:defRPr sz="2800" kern="1200">
+                <a:solidFill>
+                  <a:schemeClr val="tx1"/>
+                </a:solidFill>
+                <a:latin typeface="+mn-lt"/>
+                <a:ea typeface="+mn-ea"/>
+                <a:cs typeface="+mn-cs"/>
+              </a:defRPr>
+            </a:lvl1pPr>
+            <a:lvl2pPr marL="685800" indent="-228600" algn="l" defTabSz="914400" rtl="0" eaLnBrk="1" latinLnBrk="0" hangingPunct="1">
+              <a:lnSpc>
+                <a:spcPct val="90000"/>
+              </a:lnSpc>
+              <a:spcBef>
+                <a:spcPts val="500"/>
+              </a:spcBef>
+              <a:buFont typeface="Arial" panose="020B0604020202020204" pitchFamily="34" charset="0"/>
+              <a:buChar char="•"/>
+              <a:defRPr sz="2400" kern="1200">
+                <a:solidFill>
+                  <a:schemeClr val="tx1"/>
+                </a:solidFill>
+                <a:latin typeface="+mn-lt"/>
+                <a:ea typeface="+mn-ea"/>
+                <a:cs typeface="+mn-cs"/>
+              </a:defRPr>
+            </a:lvl2pPr>
+            <a:lvl3pPr marL="1143000" indent="-228600" algn="l" defTabSz="914400" rtl="0" eaLnBrk="1" latinLnBrk="0" hangingPunct="1">
+              <a:lnSpc>
+                <a:spcPct val="90000"/>
+              </a:lnSpc>
+              <a:spcBef>
+                <a:spcPts val="500"/>
+              </a:spcBef>
+              <a:buFont typeface="Arial" panose="020B0604020202020204" pitchFamily="34" charset="0"/>
+              <a:buChar char="•"/>
+              <a:defRPr sz="2000" kern="1200">
+                <a:solidFill>
+                  <a:schemeClr val="tx1"/>
+                </a:solidFill>
+                <a:latin typeface="+mn-lt"/>
+                <a:ea typeface="+mn-ea"/>
+                <a:cs typeface="+mn-cs"/>
+              </a:defRPr>
+            </a:lvl3pPr>
+            <a:lvl4pPr marL="1600200" indent="-228600" algn="l" defTabSz="914400" rtl="0" eaLnBrk="1" latinLnBrk="0" hangingPunct="1">
+              <a:lnSpc>
+                <a:spcPct val="90000"/>
+              </a:lnSpc>
+              <a:spcBef>
+                <a:spcPts val="500"/>
+              </a:spcBef>
+              <a:buFont typeface="Arial" panose="020B0604020202020204" pitchFamily="34" charset="0"/>
+              <a:buChar char="•"/>
+              <a:defRPr sz="1800" kern="1200">
+                <a:solidFill>
+                  <a:schemeClr val="tx1"/>
+                </a:solidFill>
+                <a:latin typeface="+mn-lt"/>
+                <a:ea typeface="+mn-ea"/>
+                <a:cs typeface="+mn-cs"/>
+              </a:defRPr>
+            </a:lvl4pPr>
+            <a:lvl5pPr marL="2057400" indent="-228600" algn="l" defTabSz="914400" rtl="0" eaLnBrk="1" latinLnBrk="0" hangingPunct="1">
+              <a:lnSpc>
+                <a:spcPct val="90000"/>
+              </a:lnSpc>
+              <a:spcBef>
+                <a:spcPts val="500"/>
+              </a:spcBef>
+              <a:buFont typeface="Arial" panose="020B0604020202020204" pitchFamily="34" charset="0"/>
+              <a:buChar char="•"/>
+              <a:defRPr sz="1800" kern="1200">
+                <a:solidFill>
+                  <a:schemeClr val="tx1"/>
+                </a:solidFill>
+                <a:latin typeface="+mn-lt"/>
+                <a:ea typeface="+mn-ea"/>
+                <a:cs typeface="+mn-cs"/>
+              </a:defRPr>
+            </a:lvl5pPr>
+            <a:lvl6pPr marL="2514600" indent="-228600" algn="l" defTabSz="914400" rtl="0" eaLnBrk="1" latinLnBrk="0" hangingPunct="1">
+              <a:lnSpc>
+                <a:spcPct val="90000"/>
+              </a:lnSpc>
+              <a:spcBef>
+                <a:spcPts val="500"/>
+              </a:spcBef>
+              <a:buFont typeface="Arial" panose="020B0604020202020204" pitchFamily="34" charset="0"/>
+              <a:buChar char="•"/>
+              <a:defRPr sz="1800" kern="1200">
+                <a:solidFill>
+                  <a:schemeClr val="tx1"/>
+                </a:solidFill>
+                <a:latin typeface="+mn-lt"/>
+                <a:ea typeface="+mn-ea"/>
+                <a:cs typeface="+mn-cs"/>
+              </a:defRPr>
+            </a:lvl6pPr>
+            <a:lvl7pPr marL="2971800" indent="-228600" algn="l" defTabSz="914400" rtl="0" eaLnBrk="1" latinLnBrk="0" hangingPunct="1">
+              <a:lnSpc>
+                <a:spcPct val="90000"/>
+              </a:lnSpc>
+              <a:spcBef>
+                <a:spcPts val="500"/>
+              </a:spcBef>
+              <a:buFont typeface="Arial" panose="020B0604020202020204" pitchFamily="34" charset="0"/>
+              <a:buChar char="•"/>
+              <a:defRPr sz="1800" kern="1200">
+                <a:solidFill>
+                  <a:schemeClr val="tx1"/>
+                </a:solidFill>
+                <a:latin typeface="+mn-lt"/>
+                <a:ea typeface="+mn-ea"/>
+                <a:cs typeface="+mn-cs"/>
+              </a:defRPr>
+            </a:lvl7pPr>
+            <a:lvl8pPr marL="3429000" indent="-228600" algn="l" defTabSz="914400" rtl="0" eaLnBrk="1" latinLnBrk="0" hangingPunct="1">
+              <a:lnSpc>
+                <a:spcPct val="90000"/>
+              </a:lnSpc>
+              <a:spcBef>
+                <a:spcPts val="500"/>
+              </a:spcBef>
+              <a:buFont typeface="Arial" panose="020B0604020202020204" pitchFamily="34" charset="0"/>
+              <a:buChar char="•"/>
+              <a:defRPr sz="1800" kern="1200">
+                <a:solidFill>
+                  <a:schemeClr val="tx1"/>
+                </a:solidFill>
+                <a:latin typeface="+mn-lt"/>
+                <a:ea typeface="+mn-ea"/>
+                <a:cs typeface="+mn-cs"/>
+              </a:defRPr>
+            </a:lvl8pPr>
+            <a:lvl9pPr marL="3886200" indent="-228600" algn="l" defTabSz="914400" rtl="0" eaLnBrk="1" latinLnBrk="0" hangingPunct="1">
+              <a:lnSpc>
+                <a:spcPct val="90000"/>
+              </a:lnSpc>
+              <a:spcBef>
+                <a:spcPts val="500"/>
+              </a:spcBef>
+              <a:buFont typeface="Arial" panose="020B0604020202020204" pitchFamily="34" charset="0"/>
+              <a:buChar char="•"/>
+              <a:defRPr sz="1800" kern="1200">
+                <a:solidFill>
+                  <a:schemeClr val="tx1"/>
+                </a:solidFill>
+                <a:latin typeface="+mn-lt"/>
+                <a:ea typeface="+mn-ea"/>
+                <a:cs typeface="+mn-cs"/>
+              </a:defRPr>
+            </a:lvl9pPr>
+          </a:lstStyle>
+          <a:p>
+            <a:pPr marL="0" indent="0">
+              <a:buNone/>
+            </a:pPr>
+            <a:r>
+              <a:rPr lang="fr-FR" sz="2000" noProof="1"/>
+              <a:t>Pour résoudre le problème, nous avons juste ajouter overflow : hidden dans nos fichier css pour la classe approprié</a:t>
+            </a:r>
+          </a:p>
+        </p:txBody>
+      </p:sp>
+      <p:pic>
+        <p:nvPicPr>
+          <p:cNvPr id="7" name="Image 6">
+            <a:extLst>
+              <a:ext uri="{FF2B5EF4-FFF2-40B4-BE49-F238E27FC236}">
+                <a16:creationId xmlns:a16="http://schemas.microsoft.com/office/drawing/2014/main" id="{70F6A545-0873-7F6F-A150-D14C9824E496}"/>
+              </a:ext>
+            </a:extLst>
+          </p:cNvPr>
+          <p:cNvPicPr>
+            <a:picLocks noChangeAspect="1"/>
+          </p:cNvPicPr>
+          <p:nvPr/>
+        </p:nvPicPr>
+        <p:blipFill>
+          <a:blip r:embed="rId4"/>
+          <a:stretch>
+            <a:fillRect/>
+          </a:stretch>
+        </p:blipFill>
+        <p:spPr>
+          <a:xfrm>
+            <a:off x="7988149" y="1893129"/>
+            <a:ext cx="1933575" cy="1133475"/>
+          </a:xfrm>
+          <a:prstGeom prst="rect">
+            <a:avLst/>
+          </a:prstGeom>
+        </p:spPr>
+      </p:pic>
+    </p:spTree>
+    <p:extLst>
+      <p:ext uri="{BB962C8B-B14F-4D97-AF65-F5344CB8AC3E}">
+        <p14:creationId xmlns:p14="http://schemas.microsoft.com/office/powerpoint/2010/main" val="3376781761"/>
+      </p:ext>
+    </p:extLst>
+  </p:cSld>
+  <p:clrMapOvr>
+    <a:masterClrMapping/>
+  </p:clrMapOvr>
+</p:sld>
+</file>
+
+<file path=ppt/slides/slide12.xml><?xml version="1.0" encoding="utf-8"?>
+<p:sld xmlns:a="http://schemas.openxmlformats.org/drawingml/2006/main" xmlns:r="http://schemas.openxmlformats.org/officeDocument/2006/relationships" xmlns:p="http://schemas.openxmlformats.org/presentationml/2006/main">
+  <p:cSld>
+    <p:spTree>
+      <p:nvGrpSpPr>
+        <p:cNvPr id="1" name="">
+          <a:extLst>
+            <a:ext uri="{FF2B5EF4-FFF2-40B4-BE49-F238E27FC236}">
+              <a16:creationId xmlns:a16="http://schemas.microsoft.com/office/drawing/2014/main" id="{D98BA36E-0177-6A11-DFE0-CB35A5C1230D}"/>
+            </a:ext>
+          </a:extLst>
+        </p:cNvPr>
+        <p:cNvGrpSpPr/>
+        <p:nvPr/>
+      </p:nvGrpSpPr>
+      <p:grpSpPr>
+        <a:xfrm>
+          <a:off x="0" y="0"/>
+          <a:ext cx="0" cy="0"/>
+          <a:chOff x="0" y="0"/>
+          <a:chExt cx="0" cy="0"/>
+        </a:xfrm>
+      </p:grpSpPr>
+      <p:sp>
+        <p:nvSpPr>
+          <p:cNvPr id="3" name="Espace réservé du contenu 4">
+            <a:extLst>
+              <a:ext uri="{FF2B5EF4-FFF2-40B4-BE49-F238E27FC236}">
+                <a16:creationId xmlns:a16="http://schemas.microsoft.com/office/drawing/2014/main" id="{184B819C-2E9B-69D3-9337-BBFD86B23B76}"/>
+              </a:ext>
+            </a:extLst>
+          </p:cNvPr>
+          <p:cNvSpPr txBox="1">
+            <a:spLocks/>
+          </p:cNvSpPr>
+          <p:nvPr/>
+        </p:nvSpPr>
+        <p:spPr>
+          <a:xfrm>
+            <a:off x="632261" y="521873"/>
+            <a:ext cx="5463739" cy="6051205"/>
+          </a:xfrm>
+          <a:prstGeom prst="rect">
+            <a:avLst/>
+          </a:prstGeom>
+        </p:spPr>
+        <p:txBody>
+          <a:bodyPr vert="horz" lIns="91440" tIns="45720" rIns="91440" bIns="45720" rtlCol="0">
+            <a:normAutofit/>
+          </a:bodyPr>
+          <a:lstStyle>
+            <a:lvl1pPr marL="228600" indent="-228600" algn="l" defTabSz="914400" rtl="0" eaLnBrk="1" latinLnBrk="0" hangingPunct="1">
+              <a:lnSpc>
+                <a:spcPct val="90000"/>
+              </a:lnSpc>
+              <a:spcBef>
+                <a:spcPts val="1000"/>
+              </a:spcBef>
+              <a:buFont typeface="Arial" panose="020B0604020202020204" pitchFamily="34" charset="0"/>
+              <a:buChar char="•"/>
+              <a:defRPr sz="2800" kern="1200">
+                <a:solidFill>
+                  <a:schemeClr val="tx1"/>
+                </a:solidFill>
+                <a:latin typeface="+mn-lt"/>
+                <a:ea typeface="+mn-ea"/>
+                <a:cs typeface="+mn-cs"/>
+              </a:defRPr>
+            </a:lvl1pPr>
+            <a:lvl2pPr marL="685800" indent="-228600" algn="l" defTabSz="914400" rtl="0" eaLnBrk="1" latinLnBrk="0" hangingPunct="1">
+              <a:lnSpc>
+                <a:spcPct val="90000"/>
+              </a:lnSpc>
+              <a:spcBef>
+                <a:spcPts val="500"/>
+              </a:spcBef>
+              <a:buFont typeface="Arial" panose="020B0604020202020204" pitchFamily="34" charset="0"/>
+              <a:buChar char="•"/>
+              <a:defRPr sz="2400" kern="1200">
+                <a:solidFill>
+                  <a:schemeClr val="tx1"/>
+                </a:solidFill>
+                <a:latin typeface="+mn-lt"/>
+                <a:ea typeface="+mn-ea"/>
+                <a:cs typeface="+mn-cs"/>
+              </a:defRPr>
+            </a:lvl2pPr>
+            <a:lvl3pPr marL="1143000" indent="-228600" algn="l" defTabSz="914400" rtl="0" eaLnBrk="1" latinLnBrk="0" hangingPunct="1">
+              <a:lnSpc>
+                <a:spcPct val="90000"/>
+              </a:lnSpc>
+              <a:spcBef>
+                <a:spcPts val="500"/>
+              </a:spcBef>
+              <a:buFont typeface="Arial" panose="020B0604020202020204" pitchFamily="34" charset="0"/>
+              <a:buChar char="•"/>
+              <a:defRPr sz="2000" kern="1200">
+                <a:solidFill>
+                  <a:schemeClr val="tx1"/>
+                </a:solidFill>
+                <a:latin typeface="+mn-lt"/>
+                <a:ea typeface="+mn-ea"/>
+                <a:cs typeface="+mn-cs"/>
+              </a:defRPr>
+            </a:lvl3pPr>
+            <a:lvl4pPr marL="1600200" indent="-228600" algn="l" defTabSz="914400" rtl="0" eaLnBrk="1" latinLnBrk="0" hangingPunct="1">
+              <a:lnSpc>
+                <a:spcPct val="90000"/>
+              </a:lnSpc>
+              <a:spcBef>
+                <a:spcPts val="500"/>
+              </a:spcBef>
+              <a:buFont typeface="Arial" panose="020B0604020202020204" pitchFamily="34" charset="0"/>
+              <a:buChar char="•"/>
+              <a:defRPr sz="1800" kern="1200">
+                <a:solidFill>
+                  <a:schemeClr val="tx1"/>
+                </a:solidFill>
+                <a:latin typeface="+mn-lt"/>
+                <a:ea typeface="+mn-ea"/>
+                <a:cs typeface="+mn-cs"/>
+              </a:defRPr>
+            </a:lvl4pPr>
+            <a:lvl5pPr marL="2057400" indent="-228600" algn="l" defTabSz="914400" rtl="0" eaLnBrk="1" latinLnBrk="0" hangingPunct="1">
+              <a:lnSpc>
+                <a:spcPct val="90000"/>
+              </a:lnSpc>
+              <a:spcBef>
+                <a:spcPts val="500"/>
+              </a:spcBef>
+              <a:buFont typeface="Arial" panose="020B0604020202020204" pitchFamily="34" charset="0"/>
+              <a:buChar char="•"/>
+              <a:defRPr sz="1800" kern="1200">
+                <a:solidFill>
+                  <a:schemeClr val="tx1"/>
+                </a:solidFill>
+                <a:latin typeface="+mn-lt"/>
+                <a:ea typeface="+mn-ea"/>
+                <a:cs typeface="+mn-cs"/>
+              </a:defRPr>
+            </a:lvl5pPr>
+            <a:lvl6pPr marL="2514600" indent="-228600" algn="l" defTabSz="914400" rtl="0" eaLnBrk="1" latinLnBrk="0" hangingPunct="1">
+              <a:lnSpc>
+                <a:spcPct val="90000"/>
+              </a:lnSpc>
+              <a:spcBef>
+                <a:spcPts val="500"/>
+              </a:spcBef>
+              <a:buFont typeface="Arial" panose="020B0604020202020204" pitchFamily="34" charset="0"/>
+              <a:buChar char="•"/>
+              <a:defRPr sz="1800" kern="1200">
+                <a:solidFill>
+                  <a:schemeClr val="tx1"/>
+                </a:solidFill>
+                <a:latin typeface="+mn-lt"/>
+                <a:ea typeface="+mn-ea"/>
+                <a:cs typeface="+mn-cs"/>
+              </a:defRPr>
+            </a:lvl6pPr>
+            <a:lvl7pPr marL="2971800" indent="-228600" algn="l" defTabSz="914400" rtl="0" eaLnBrk="1" latinLnBrk="0" hangingPunct="1">
+              <a:lnSpc>
+                <a:spcPct val="90000"/>
+              </a:lnSpc>
+              <a:spcBef>
+                <a:spcPts val="500"/>
+              </a:spcBef>
+              <a:buFont typeface="Arial" panose="020B0604020202020204" pitchFamily="34" charset="0"/>
+              <a:buChar char="•"/>
+              <a:defRPr sz="1800" kern="1200">
+                <a:solidFill>
+                  <a:schemeClr val="tx1"/>
+                </a:solidFill>
+                <a:latin typeface="+mn-lt"/>
+                <a:ea typeface="+mn-ea"/>
+                <a:cs typeface="+mn-cs"/>
+              </a:defRPr>
+            </a:lvl7pPr>
+            <a:lvl8pPr marL="3429000" indent="-228600" algn="l" defTabSz="914400" rtl="0" eaLnBrk="1" latinLnBrk="0" hangingPunct="1">
+              <a:lnSpc>
+                <a:spcPct val="90000"/>
+              </a:lnSpc>
+              <a:spcBef>
+                <a:spcPts val="500"/>
+              </a:spcBef>
+              <a:buFont typeface="Arial" panose="020B0604020202020204" pitchFamily="34" charset="0"/>
+              <a:buChar char="•"/>
+              <a:defRPr sz="1800" kern="1200">
+                <a:solidFill>
+                  <a:schemeClr val="tx1"/>
+                </a:solidFill>
+                <a:latin typeface="+mn-lt"/>
+                <a:ea typeface="+mn-ea"/>
+                <a:cs typeface="+mn-cs"/>
+              </a:defRPr>
+            </a:lvl8pPr>
+            <a:lvl9pPr marL="3886200" indent="-228600" algn="l" defTabSz="914400" rtl="0" eaLnBrk="1" latinLnBrk="0" hangingPunct="1">
+              <a:lnSpc>
+                <a:spcPct val="90000"/>
+              </a:lnSpc>
+              <a:spcBef>
+                <a:spcPts val="500"/>
+              </a:spcBef>
+              <a:buFont typeface="Arial" panose="020B0604020202020204" pitchFamily="34" charset="0"/>
+              <a:buChar char="•"/>
+              <a:defRPr sz="1800" kern="1200">
+                <a:solidFill>
+                  <a:schemeClr val="tx1"/>
+                </a:solidFill>
+                <a:latin typeface="+mn-lt"/>
+                <a:ea typeface="+mn-ea"/>
+                <a:cs typeface="+mn-cs"/>
+              </a:defRPr>
+            </a:lvl9pPr>
+          </a:lstStyle>
+          <a:p>
+            <a:r>
+              <a:rPr lang="fr-FR" sz="2000" noProof="1"/>
+              <a:t>La carte évènement dans le footer du site ne fonctionne pas</a:t>
+            </a:r>
+          </a:p>
+          <a:p>
+            <a:endParaRPr lang="fr-FR" sz="2000" noProof="1"/>
+          </a:p>
+          <a:p>
+            <a:pPr marL="0" indent="0">
+              <a:buNone/>
+            </a:pPr>
+            <a:r>
+              <a:rPr lang="fr-FR" sz="2000" noProof="1"/>
+              <a:t>Nous avons ce bout de code qui nous permet de récupérer les données, mais premier problème Last et setLast n’est pas appelé.</a:t>
+            </a:r>
+          </a:p>
+          <a:p>
+            <a:pPr marL="0" indent="0">
+              <a:buNone/>
+            </a:pPr>
+            <a:endParaRPr lang="fr-FR" sz="2000" noProof="1"/>
+          </a:p>
+          <a:p>
+            <a:pPr marL="0" indent="0">
+              <a:buNone/>
+            </a:pPr>
+            <a:endParaRPr lang="fr-FR" sz="2000" noProof="1"/>
+          </a:p>
+          <a:p>
+            <a:pPr marL="0" indent="0">
+              <a:buNone/>
+            </a:pPr>
+            <a:endParaRPr lang="fr-FR" sz="2000" noProof="1"/>
+          </a:p>
+          <a:p>
+            <a:pPr marL="0" indent="0">
+              <a:buNone/>
+            </a:pPr>
+            <a:endParaRPr lang="fr-FR" sz="2000" noProof="1"/>
+          </a:p>
+          <a:p>
+            <a:pPr marL="0" indent="0">
+              <a:buNone/>
+            </a:pPr>
+            <a:endParaRPr lang="fr-FR" sz="2000" noProof="1"/>
+          </a:p>
+          <a:p>
+            <a:pPr marL="0" indent="0">
+              <a:buNone/>
+            </a:pPr>
+            <a:endParaRPr lang="fr-FR" sz="2000" noProof="1"/>
+          </a:p>
+          <a:p>
+            <a:pPr marL="0" indent="0">
+              <a:buNone/>
+            </a:pPr>
+            <a:endParaRPr lang="fr-FR" sz="2000" noProof="1"/>
+          </a:p>
+          <a:p>
+            <a:pPr marL="0" indent="0">
+              <a:buNone/>
+            </a:pPr>
+            <a:r>
+              <a:rPr lang="fr-FR" sz="2000" noProof="1"/>
+              <a:t>Je crée un bout de code pour récupérer les données avec setLast et Last.</a:t>
+            </a:r>
+          </a:p>
+          <a:p>
+            <a:endParaRPr lang="fr-FR" noProof="1"/>
+          </a:p>
+        </p:txBody>
+      </p:sp>
+      <p:pic>
+        <p:nvPicPr>
+          <p:cNvPr id="8" name="Image 7">
+            <a:extLst>
+              <a:ext uri="{FF2B5EF4-FFF2-40B4-BE49-F238E27FC236}">
+                <a16:creationId xmlns:a16="http://schemas.microsoft.com/office/drawing/2014/main" id="{0CEBDF7F-944C-7BA0-6AA0-C1CC72544D39}"/>
+              </a:ext>
+            </a:extLst>
+          </p:cNvPr>
+          <p:cNvPicPr>
+            <a:picLocks noChangeAspect="1"/>
+          </p:cNvPicPr>
+          <p:nvPr/>
+        </p:nvPicPr>
+        <p:blipFill>
+          <a:blip r:embed="rId3"/>
+          <a:stretch>
+            <a:fillRect/>
+          </a:stretch>
+        </p:blipFill>
+        <p:spPr>
+          <a:xfrm>
+            <a:off x="797820" y="2859467"/>
+            <a:ext cx="3705225" cy="2628900"/>
+          </a:xfrm>
+          <a:prstGeom prst="rect">
+            <a:avLst/>
+          </a:prstGeom>
+        </p:spPr>
+      </p:pic>
+      <p:sp>
+        <p:nvSpPr>
+          <p:cNvPr id="9" name="Espace réservé du contenu 4">
+            <a:extLst>
+              <a:ext uri="{FF2B5EF4-FFF2-40B4-BE49-F238E27FC236}">
+                <a16:creationId xmlns:a16="http://schemas.microsoft.com/office/drawing/2014/main" id="{77082C2C-9920-58FE-8601-52504EEE515A}"/>
+              </a:ext>
+            </a:extLst>
+          </p:cNvPr>
+          <p:cNvSpPr txBox="1">
+            <a:spLocks/>
+          </p:cNvSpPr>
+          <p:nvPr/>
+        </p:nvSpPr>
+        <p:spPr>
+          <a:xfrm>
+            <a:off x="6096000" y="521873"/>
+            <a:ext cx="5463739" cy="6051205"/>
+          </a:xfrm>
+          <a:prstGeom prst="rect">
+            <a:avLst/>
+          </a:prstGeom>
+        </p:spPr>
+        <p:txBody>
+          <a:bodyPr vert="horz" lIns="91440" tIns="45720" rIns="91440" bIns="45720" rtlCol="0">
+            <a:normAutofit/>
+          </a:bodyPr>
+          <a:lstStyle>
+            <a:lvl1pPr marL="228600" indent="-228600" algn="l" defTabSz="914400" rtl="0" eaLnBrk="1" latinLnBrk="0" hangingPunct="1">
+              <a:lnSpc>
+                <a:spcPct val="90000"/>
+              </a:lnSpc>
+              <a:spcBef>
+                <a:spcPts val="1000"/>
+              </a:spcBef>
+              <a:buFont typeface="Arial" panose="020B0604020202020204" pitchFamily="34" charset="0"/>
+              <a:buChar char="•"/>
+              <a:defRPr sz="2800" kern="1200">
+                <a:solidFill>
+                  <a:schemeClr val="tx1"/>
+                </a:solidFill>
+                <a:latin typeface="+mn-lt"/>
+                <a:ea typeface="+mn-ea"/>
+                <a:cs typeface="+mn-cs"/>
+              </a:defRPr>
+            </a:lvl1pPr>
+            <a:lvl2pPr marL="685800" indent="-228600" algn="l" defTabSz="914400" rtl="0" eaLnBrk="1" latinLnBrk="0" hangingPunct="1">
+              <a:lnSpc>
+                <a:spcPct val="90000"/>
+              </a:lnSpc>
+              <a:spcBef>
+                <a:spcPts val="500"/>
+              </a:spcBef>
+              <a:buFont typeface="Arial" panose="020B0604020202020204" pitchFamily="34" charset="0"/>
+              <a:buChar char="•"/>
+              <a:defRPr sz="2400" kern="1200">
+                <a:solidFill>
+                  <a:schemeClr val="tx1"/>
+                </a:solidFill>
+                <a:latin typeface="+mn-lt"/>
+                <a:ea typeface="+mn-ea"/>
+                <a:cs typeface="+mn-cs"/>
+              </a:defRPr>
+            </a:lvl2pPr>
+            <a:lvl3pPr marL="1143000" indent="-228600" algn="l" defTabSz="914400" rtl="0" eaLnBrk="1" latinLnBrk="0" hangingPunct="1">
+              <a:lnSpc>
+                <a:spcPct val="90000"/>
+              </a:lnSpc>
+              <a:spcBef>
+                <a:spcPts val="500"/>
+              </a:spcBef>
+              <a:buFont typeface="Arial" panose="020B0604020202020204" pitchFamily="34" charset="0"/>
+              <a:buChar char="•"/>
+              <a:defRPr sz="2000" kern="1200">
+                <a:solidFill>
+                  <a:schemeClr val="tx1"/>
+                </a:solidFill>
+                <a:latin typeface="+mn-lt"/>
+                <a:ea typeface="+mn-ea"/>
+                <a:cs typeface="+mn-cs"/>
+              </a:defRPr>
+            </a:lvl3pPr>
+            <a:lvl4pPr marL="1600200" indent="-228600" algn="l" defTabSz="914400" rtl="0" eaLnBrk="1" latinLnBrk="0" hangingPunct="1">
+              <a:lnSpc>
+                <a:spcPct val="90000"/>
+              </a:lnSpc>
+              <a:spcBef>
+                <a:spcPts val="500"/>
+              </a:spcBef>
+              <a:buFont typeface="Arial" panose="020B0604020202020204" pitchFamily="34" charset="0"/>
+              <a:buChar char="•"/>
+              <a:defRPr sz="1800" kern="1200">
+                <a:solidFill>
+                  <a:schemeClr val="tx1"/>
+                </a:solidFill>
+                <a:latin typeface="+mn-lt"/>
+                <a:ea typeface="+mn-ea"/>
+                <a:cs typeface="+mn-cs"/>
+              </a:defRPr>
+            </a:lvl4pPr>
+            <a:lvl5pPr marL="2057400" indent="-228600" algn="l" defTabSz="914400" rtl="0" eaLnBrk="1" latinLnBrk="0" hangingPunct="1">
+              <a:lnSpc>
+                <a:spcPct val="90000"/>
+              </a:lnSpc>
+              <a:spcBef>
+                <a:spcPts val="500"/>
+              </a:spcBef>
+              <a:buFont typeface="Arial" panose="020B0604020202020204" pitchFamily="34" charset="0"/>
+              <a:buChar char="•"/>
+              <a:defRPr sz="1800" kern="1200">
+                <a:solidFill>
+                  <a:schemeClr val="tx1"/>
+                </a:solidFill>
+                <a:latin typeface="+mn-lt"/>
+                <a:ea typeface="+mn-ea"/>
+                <a:cs typeface="+mn-cs"/>
+              </a:defRPr>
+            </a:lvl5pPr>
+            <a:lvl6pPr marL="2514600" indent="-228600" algn="l" defTabSz="914400" rtl="0" eaLnBrk="1" latinLnBrk="0" hangingPunct="1">
+              <a:lnSpc>
+                <a:spcPct val="90000"/>
+              </a:lnSpc>
+              <a:spcBef>
+                <a:spcPts val="500"/>
+              </a:spcBef>
+              <a:buFont typeface="Arial" panose="020B0604020202020204" pitchFamily="34" charset="0"/>
+              <a:buChar char="•"/>
+              <a:defRPr sz="1800" kern="1200">
+                <a:solidFill>
+                  <a:schemeClr val="tx1"/>
+                </a:solidFill>
+                <a:latin typeface="+mn-lt"/>
+                <a:ea typeface="+mn-ea"/>
+                <a:cs typeface="+mn-cs"/>
+              </a:defRPr>
+            </a:lvl6pPr>
+            <a:lvl7pPr marL="2971800" indent="-228600" algn="l" defTabSz="914400" rtl="0" eaLnBrk="1" latinLnBrk="0" hangingPunct="1">
+              <a:lnSpc>
+                <a:spcPct val="90000"/>
+              </a:lnSpc>
+              <a:spcBef>
+                <a:spcPts val="500"/>
+              </a:spcBef>
+              <a:buFont typeface="Arial" panose="020B0604020202020204" pitchFamily="34" charset="0"/>
+              <a:buChar char="•"/>
+              <a:defRPr sz="1800" kern="1200">
+                <a:solidFill>
+                  <a:schemeClr val="tx1"/>
+                </a:solidFill>
+                <a:latin typeface="+mn-lt"/>
+                <a:ea typeface="+mn-ea"/>
+                <a:cs typeface="+mn-cs"/>
+              </a:defRPr>
+            </a:lvl7pPr>
+            <a:lvl8pPr marL="3429000" indent="-228600" algn="l" defTabSz="914400" rtl="0" eaLnBrk="1" latinLnBrk="0" hangingPunct="1">
+              <a:lnSpc>
+                <a:spcPct val="90000"/>
+              </a:lnSpc>
+              <a:spcBef>
+                <a:spcPts val="500"/>
+              </a:spcBef>
+              <a:buFont typeface="Arial" panose="020B0604020202020204" pitchFamily="34" charset="0"/>
+              <a:buChar char="•"/>
+              <a:defRPr sz="1800" kern="1200">
+                <a:solidFill>
+                  <a:schemeClr val="tx1"/>
+                </a:solidFill>
+                <a:latin typeface="+mn-lt"/>
+                <a:ea typeface="+mn-ea"/>
+                <a:cs typeface="+mn-cs"/>
+              </a:defRPr>
+            </a:lvl8pPr>
+            <a:lvl9pPr marL="3886200" indent="-228600" algn="l" defTabSz="914400" rtl="0" eaLnBrk="1" latinLnBrk="0" hangingPunct="1">
+              <a:lnSpc>
+                <a:spcPct val="90000"/>
+              </a:lnSpc>
+              <a:spcBef>
+                <a:spcPts val="500"/>
+              </a:spcBef>
+              <a:buFont typeface="Arial" panose="020B0604020202020204" pitchFamily="34" charset="0"/>
+              <a:buChar char="•"/>
+              <a:defRPr sz="1800" kern="1200">
+                <a:solidFill>
+                  <a:schemeClr val="tx1"/>
+                </a:solidFill>
+                <a:latin typeface="+mn-lt"/>
+                <a:ea typeface="+mn-ea"/>
+                <a:cs typeface="+mn-cs"/>
+              </a:defRPr>
+            </a:lvl9pPr>
+          </a:lstStyle>
+          <a:p>
+            <a:pPr marL="0" indent="0">
+              <a:buNone/>
+            </a:pPr>
+            <a:r>
+              <a:rPr lang="fr-FR" sz="1800" noProof="1"/>
+              <a:t>Une fois ceci fais, je peux éventuellement récupérer mon évènements sur mon footer, mais je souhaite récupérer le dernier élément en date.</a:t>
+            </a:r>
+          </a:p>
+          <a:p>
+            <a:pPr marL="0" indent="0">
+              <a:buNone/>
+            </a:pPr>
+            <a:endParaRPr lang="fr-FR" sz="1800" noProof="1"/>
+          </a:p>
+          <a:p>
+            <a:pPr marL="0" indent="0">
+              <a:buNone/>
+            </a:pPr>
+            <a:r>
+              <a:rPr lang="fr-FR" sz="1800" noProof="1"/>
+              <a:t>Je rajoute donc un getLast qui me permet de récupérer le dernier éléments.</a:t>
+            </a:r>
+          </a:p>
+          <a:p>
+            <a:pPr marL="0" indent="0">
+              <a:buNone/>
+            </a:pPr>
+            <a:endParaRPr lang="fr-FR" sz="1800" noProof="1"/>
+          </a:p>
+          <a:p>
+            <a:pPr marL="0" indent="0">
+              <a:buNone/>
+            </a:pPr>
+            <a:endParaRPr lang="fr-FR" sz="1800" noProof="1"/>
+          </a:p>
+        </p:txBody>
+      </p:sp>
+      <p:pic>
+        <p:nvPicPr>
+          <p:cNvPr id="11" name="Image 10">
+            <a:extLst>
+              <a:ext uri="{FF2B5EF4-FFF2-40B4-BE49-F238E27FC236}">
+                <a16:creationId xmlns:a16="http://schemas.microsoft.com/office/drawing/2014/main" id="{443FD312-DA47-46A4-E069-590820BF4E5B}"/>
+              </a:ext>
+            </a:extLst>
+          </p:cNvPr>
+          <p:cNvPicPr>
+            <a:picLocks noChangeAspect="1"/>
+          </p:cNvPicPr>
+          <p:nvPr/>
+        </p:nvPicPr>
+        <p:blipFill>
+          <a:blip r:embed="rId4"/>
+          <a:stretch>
+            <a:fillRect/>
+          </a:stretch>
+        </p:blipFill>
+        <p:spPr>
+          <a:xfrm>
+            <a:off x="6096000" y="2610679"/>
+            <a:ext cx="5781841" cy="3126477"/>
+          </a:xfrm>
+          <a:prstGeom prst="rect">
+            <a:avLst/>
+          </a:prstGeom>
+        </p:spPr>
+      </p:pic>
+    </p:spTree>
+    <p:extLst>
+      <p:ext uri="{BB962C8B-B14F-4D97-AF65-F5344CB8AC3E}">
+        <p14:creationId xmlns:p14="http://schemas.microsoft.com/office/powerpoint/2010/main" val="552080991"/>
+      </p:ext>
+    </p:extLst>
+  </p:cSld>
+  <p:clrMapOvr>
+    <a:masterClrMapping/>
+  </p:clrMapOvr>
+</p:sld>
+</file>
+
+<file path=ppt/slides/slide13.xml><?xml version="1.0" encoding="utf-8"?>
+<p:sld xmlns:a="http://schemas.openxmlformats.org/drawingml/2006/main" xmlns:r="http://schemas.openxmlformats.org/officeDocument/2006/relationships" xmlns:p="http://schemas.openxmlformats.org/presentationml/2006/main">
+  <p:cSld>
+    <p:spTree>
+      <p:nvGrpSpPr>
+        <p:cNvPr id="1" name="">
+          <a:extLst>
+            <a:ext uri="{FF2B5EF4-FFF2-40B4-BE49-F238E27FC236}">
+              <a16:creationId xmlns:a16="http://schemas.microsoft.com/office/drawing/2014/main" id="{DA049929-23A7-E81E-00BA-FA64FEB2C823}"/>
+            </a:ext>
+          </a:extLst>
+        </p:cNvPr>
+        <p:cNvGrpSpPr/>
+        <p:nvPr/>
+      </p:nvGrpSpPr>
+      <p:grpSpPr>
+        <a:xfrm>
+          <a:off x="0" y="0"/>
+          <a:ext cx="0" cy="0"/>
+          <a:chOff x="0" y="0"/>
+          <a:chExt cx="0" cy="0"/>
+        </a:xfrm>
+      </p:grpSpPr>
+      <p:sp>
+        <p:nvSpPr>
+          <p:cNvPr id="2" name="Titre 1">
+            <a:extLst>
+              <a:ext uri="{FF2B5EF4-FFF2-40B4-BE49-F238E27FC236}">
+                <a16:creationId xmlns:a16="http://schemas.microsoft.com/office/drawing/2014/main" id="{3BF57D6E-EA85-D1C4-4900-59D67AE2306D}"/>
+              </a:ext>
+            </a:extLst>
+          </p:cNvPr>
+          <p:cNvSpPr>
+            <a:spLocks noGrp="1"/>
+          </p:cNvSpPr>
+          <p:nvPr>
+            <p:ph type="title"/>
+          </p:nvPr>
+        </p:nvSpPr>
+        <p:spPr/>
+        <p:txBody>
+          <a:bodyPr rtlCol="0">
+            <a:normAutofit/>
+          </a:bodyPr>
+          <a:lstStyle/>
+          <a:p>
+            <a:pPr rtl="0"/>
+            <a:r>
+              <a:rPr lang="fr-FR" noProof="1">
+                <a:solidFill>
+                  <a:srgbClr val="FFFFFF"/>
+                </a:solidFill>
+              </a:rPr>
+              <a:t>Test unitaire et test d’intégration</a:t>
+            </a:r>
+            <a:endParaRPr lang="fr-FR" noProof="1"/>
+          </a:p>
+        </p:txBody>
+      </p:sp>
+    </p:spTree>
+    <p:extLst>
+      <p:ext uri="{BB962C8B-B14F-4D97-AF65-F5344CB8AC3E}">
+        <p14:creationId xmlns:p14="http://schemas.microsoft.com/office/powerpoint/2010/main" val="3268091097"/>
+      </p:ext>
+    </p:extLst>
+  </p:cSld>
+  <p:clrMapOvr>
+    <a:masterClrMapping/>
+  </p:clrMapOvr>
+</p:sld>
+</file>
+
+<file path=ppt/slides/slide14.xml><?xml version="1.0" encoding="utf-8"?>
+<p:sld xmlns:a="http://schemas.openxmlformats.org/drawingml/2006/main" xmlns:r="http://schemas.openxmlformats.org/officeDocument/2006/relationships" xmlns:p="http://schemas.openxmlformats.org/presentationml/2006/main">
+  <p:cSld>
+    <p:spTree>
+      <p:nvGrpSpPr>
+        <p:cNvPr id="1" name="">
+          <a:extLst>
+            <a:ext uri="{FF2B5EF4-FFF2-40B4-BE49-F238E27FC236}">
+              <a16:creationId xmlns:a16="http://schemas.microsoft.com/office/drawing/2014/main" id="{30800076-8B9F-2B1D-491A-E505B69481EC}"/>
+            </a:ext>
+          </a:extLst>
+        </p:cNvPr>
+        <p:cNvGrpSpPr/>
+        <p:nvPr/>
+      </p:nvGrpSpPr>
+      <p:grpSpPr>
+        <a:xfrm>
+          <a:off x="0" y="0"/>
+          <a:ext cx="0" cy="0"/>
+          <a:chOff x="0" y="0"/>
+          <a:chExt cx="0" cy="0"/>
+        </a:xfrm>
+      </p:grpSpPr>
+      <p:sp>
+        <p:nvSpPr>
+          <p:cNvPr id="3" name="Espace réservé du contenu 4">
+            <a:extLst>
+              <a:ext uri="{FF2B5EF4-FFF2-40B4-BE49-F238E27FC236}">
+                <a16:creationId xmlns:a16="http://schemas.microsoft.com/office/drawing/2014/main" id="{156613FE-48A6-DD48-D3B6-C07A4EBFBB0D}"/>
+              </a:ext>
+            </a:extLst>
+          </p:cNvPr>
+          <p:cNvSpPr txBox="1">
+            <a:spLocks/>
+          </p:cNvSpPr>
+          <p:nvPr/>
+        </p:nvSpPr>
+        <p:spPr>
+          <a:xfrm>
+            <a:off x="759329" y="548376"/>
+            <a:ext cx="5463739" cy="4223993"/>
+          </a:xfrm>
+          <a:prstGeom prst="rect">
+            <a:avLst/>
+          </a:prstGeom>
+        </p:spPr>
+        <p:txBody>
+          <a:bodyPr vert="horz" lIns="91440" tIns="45720" rIns="91440" bIns="45720" rtlCol="0">
+            <a:normAutofit/>
+          </a:bodyPr>
+          <a:lstStyle>
+            <a:lvl1pPr marL="228600" indent="-228600" algn="l" defTabSz="914400" rtl="0" eaLnBrk="1" latinLnBrk="0" hangingPunct="1">
+              <a:lnSpc>
+                <a:spcPct val="90000"/>
+              </a:lnSpc>
+              <a:spcBef>
+                <a:spcPts val="1000"/>
+              </a:spcBef>
+              <a:buFont typeface="Arial" panose="020B0604020202020204" pitchFamily="34" charset="0"/>
+              <a:buChar char="•"/>
+              <a:defRPr sz="2800" kern="1200">
+                <a:solidFill>
+                  <a:schemeClr val="tx1"/>
+                </a:solidFill>
+                <a:latin typeface="+mn-lt"/>
+                <a:ea typeface="+mn-ea"/>
+                <a:cs typeface="+mn-cs"/>
+              </a:defRPr>
+            </a:lvl1pPr>
+            <a:lvl2pPr marL="685800" indent="-228600" algn="l" defTabSz="914400" rtl="0" eaLnBrk="1" latinLnBrk="0" hangingPunct="1">
+              <a:lnSpc>
+                <a:spcPct val="90000"/>
+              </a:lnSpc>
+              <a:spcBef>
+                <a:spcPts val="500"/>
+              </a:spcBef>
+              <a:buFont typeface="Arial" panose="020B0604020202020204" pitchFamily="34" charset="0"/>
+              <a:buChar char="•"/>
+              <a:defRPr sz="2400" kern="1200">
+                <a:solidFill>
+                  <a:schemeClr val="tx1"/>
+                </a:solidFill>
+                <a:latin typeface="+mn-lt"/>
+                <a:ea typeface="+mn-ea"/>
+                <a:cs typeface="+mn-cs"/>
+              </a:defRPr>
+            </a:lvl2pPr>
+            <a:lvl3pPr marL="1143000" indent="-228600" algn="l" defTabSz="914400" rtl="0" eaLnBrk="1" latinLnBrk="0" hangingPunct="1">
+              <a:lnSpc>
+                <a:spcPct val="90000"/>
+              </a:lnSpc>
+              <a:spcBef>
+                <a:spcPts val="500"/>
+              </a:spcBef>
+              <a:buFont typeface="Arial" panose="020B0604020202020204" pitchFamily="34" charset="0"/>
+              <a:buChar char="•"/>
+              <a:defRPr sz="2000" kern="1200">
+                <a:solidFill>
+                  <a:schemeClr val="tx1"/>
+                </a:solidFill>
+                <a:latin typeface="+mn-lt"/>
+                <a:ea typeface="+mn-ea"/>
+                <a:cs typeface="+mn-cs"/>
+              </a:defRPr>
+            </a:lvl3pPr>
+            <a:lvl4pPr marL="1600200" indent="-228600" algn="l" defTabSz="914400" rtl="0" eaLnBrk="1" latinLnBrk="0" hangingPunct="1">
+              <a:lnSpc>
+                <a:spcPct val="90000"/>
+              </a:lnSpc>
+              <a:spcBef>
+                <a:spcPts val="500"/>
+              </a:spcBef>
+              <a:buFont typeface="Arial" panose="020B0604020202020204" pitchFamily="34" charset="0"/>
+              <a:buChar char="•"/>
+              <a:defRPr sz="1800" kern="1200">
+                <a:solidFill>
+                  <a:schemeClr val="tx1"/>
+                </a:solidFill>
+                <a:latin typeface="+mn-lt"/>
+                <a:ea typeface="+mn-ea"/>
+                <a:cs typeface="+mn-cs"/>
+              </a:defRPr>
+            </a:lvl4pPr>
+            <a:lvl5pPr marL="2057400" indent="-228600" algn="l" defTabSz="914400" rtl="0" eaLnBrk="1" latinLnBrk="0" hangingPunct="1">
+              <a:lnSpc>
+                <a:spcPct val="90000"/>
+              </a:lnSpc>
+              <a:spcBef>
+                <a:spcPts val="500"/>
+              </a:spcBef>
+              <a:buFont typeface="Arial" panose="020B0604020202020204" pitchFamily="34" charset="0"/>
+              <a:buChar char="•"/>
+              <a:defRPr sz="1800" kern="1200">
+                <a:solidFill>
+                  <a:schemeClr val="tx1"/>
+                </a:solidFill>
+                <a:latin typeface="+mn-lt"/>
+                <a:ea typeface="+mn-ea"/>
+                <a:cs typeface="+mn-cs"/>
+              </a:defRPr>
+            </a:lvl5pPr>
+            <a:lvl6pPr marL="2514600" indent="-228600" algn="l" defTabSz="914400" rtl="0" eaLnBrk="1" latinLnBrk="0" hangingPunct="1">
+              <a:lnSpc>
+                <a:spcPct val="90000"/>
+              </a:lnSpc>
+              <a:spcBef>
+                <a:spcPts val="500"/>
+              </a:spcBef>
+              <a:buFont typeface="Arial" panose="020B0604020202020204" pitchFamily="34" charset="0"/>
+              <a:buChar char="•"/>
+              <a:defRPr sz="1800" kern="1200">
+                <a:solidFill>
+                  <a:schemeClr val="tx1"/>
+                </a:solidFill>
+                <a:latin typeface="+mn-lt"/>
+                <a:ea typeface="+mn-ea"/>
+                <a:cs typeface="+mn-cs"/>
+              </a:defRPr>
+            </a:lvl6pPr>
+            <a:lvl7pPr marL="2971800" indent="-228600" algn="l" defTabSz="914400" rtl="0" eaLnBrk="1" latinLnBrk="0" hangingPunct="1">
+              <a:lnSpc>
+                <a:spcPct val="90000"/>
+              </a:lnSpc>
+              <a:spcBef>
+                <a:spcPts val="500"/>
+              </a:spcBef>
+              <a:buFont typeface="Arial" panose="020B0604020202020204" pitchFamily="34" charset="0"/>
+              <a:buChar char="•"/>
+              <a:defRPr sz="1800" kern="1200">
+                <a:solidFill>
+                  <a:schemeClr val="tx1"/>
+                </a:solidFill>
+                <a:latin typeface="+mn-lt"/>
+                <a:ea typeface="+mn-ea"/>
+                <a:cs typeface="+mn-cs"/>
+              </a:defRPr>
+            </a:lvl7pPr>
+            <a:lvl8pPr marL="3429000" indent="-228600" algn="l" defTabSz="914400" rtl="0" eaLnBrk="1" latinLnBrk="0" hangingPunct="1">
+              <a:lnSpc>
+                <a:spcPct val="90000"/>
+              </a:lnSpc>
+              <a:spcBef>
+                <a:spcPts val="500"/>
+              </a:spcBef>
+              <a:buFont typeface="Arial" panose="020B0604020202020204" pitchFamily="34" charset="0"/>
+              <a:buChar char="•"/>
+              <a:defRPr sz="1800" kern="1200">
+                <a:solidFill>
+                  <a:schemeClr val="tx1"/>
+                </a:solidFill>
+                <a:latin typeface="+mn-lt"/>
+                <a:ea typeface="+mn-ea"/>
+                <a:cs typeface="+mn-cs"/>
+              </a:defRPr>
+            </a:lvl8pPr>
+            <a:lvl9pPr marL="3886200" indent="-228600" algn="l" defTabSz="914400" rtl="0" eaLnBrk="1" latinLnBrk="0" hangingPunct="1">
+              <a:lnSpc>
+                <a:spcPct val="90000"/>
+              </a:lnSpc>
+              <a:spcBef>
+                <a:spcPts val="500"/>
+              </a:spcBef>
+              <a:buFont typeface="Arial" panose="020B0604020202020204" pitchFamily="34" charset="0"/>
+              <a:buChar char="•"/>
+              <a:defRPr sz="1800" kern="1200">
+                <a:solidFill>
+                  <a:schemeClr val="tx1"/>
+                </a:solidFill>
+                <a:latin typeface="+mn-lt"/>
+                <a:ea typeface="+mn-ea"/>
+                <a:cs typeface="+mn-cs"/>
+              </a:defRPr>
+            </a:lvl9pPr>
+          </a:lstStyle>
+          <a:p>
+            <a:pPr marL="0" indent="0">
+              <a:buNone/>
+            </a:pPr>
+            <a:r>
+              <a:rPr lang="fr-FR" sz="2000" noProof="1"/>
+              <a:t>Nous allons maintenant passer au test unitaire sur notre IDE</a:t>
+            </a:r>
+          </a:p>
+          <a:p>
+            <a:pPr marL="0" indent="0">
+              <a:buNone/>
+            </a:pPr>
+            <a:endParaRPr lang="fr-FR" sz="2000" noProof="1"/>
+          </a:p>
+          <a:p>
+            <a:pPr marL="0" indent="0">
+              <a:buNone/>
+            </a:pPr>
+            <a:r>
+              <a:rPr lang="fr-FR" sz="2000" noProof="1"/>
+              <a:t>Ensuite nous passons au test d’intégration </a:t>
+            </a:r>
+          </a:p>
+          <a:p>
+            <a:pPr marL="0" indent="0">
+              <a:buNone/>
+            </a:pPr>
+            <a:endParaRPr lang="fr-FR" sz="2000" noProof="1"/>
+          </a:p>
+          <a:p>
+            <a:pPr marL="0" indent="0">
+              <a:buNone/>
+            </a:pPr>
+            <a:endParaRPr lang="fr-FR" sz="2000" noProof="1"/>
+          </a:p>
+          <a:p>
+            <a:pPr marL="0" indent="0">
+              <a:buNone/>
+            </a:pPr>
+            <a:endParaRPr lang="fr-FR" sz="2000" noProof="1"/>
+          </a:p>
+          <a:p>
+            <a:pPr marL="0" indent="0">
+              <a:buNone/>
+            </a:pPr>
+            <a:endParaRPr lang="fr-FR" sz="2000" noProof="1"/>
+          </a:p>
+        </p:txBody>
+      </p:sp>
+    </p:spTree>
+    <p:extLst>
+      <p:ext uri="{BB962C8B-B14F-4D97-AF65-F5344CB8AC3E}">
+        <p14:creationId xmlns:p14="http://schemas.microsoft.com/office/powerpoint/2010/main" val="605097028"/>
+      </p:ext>
+    </p:extLst>
+  </p:cSld>
+  <p:clrMapOvr>
+    <a:masterClrMapping/>
+  </p:clrMapOvr>
+</p:sld>
+</file>
+
+<file path=ppt/slides/slide15.xml><?xml version="1.0" encoding="utf-8"?>
+<p:sld xmlns:a="http://schemas.openxmlformats.org/drawingml/2006/main" xmlns:r="http://schemas.openxmlformats.org/officeDocument/2006/relationships" xmlns:p="http://schemas.openxmlformats.org/presentationml/2006/main">
+  <p:cSld>
+    <p:spTree>
+      <p:nvGrpSpPr>
+        <p:cNvPr id="1" name=""/>
+        <p:cNvGrpSpPr/>
+        <p:nvPr/>
+      </p:nvGrpSpPr>
+      <p:grpSpPr>
+        <a:xfrm>
+          <a:off x="0" y="0"/>
+          <a:ext cx="0" cy="0"/>
+          <a:chOff x="0" y="0"/>
+          <a:chExt cx="0" cy="0"/>
+        </a:xfrm>
+      </p:grpSpPr>
+      <p:sp>
+        <p:nvSpPr>
+          <p:cNvPr id="2" name="Titre 1">
+            <a:extLst>
+              <a:ext uri="{FF2B5EF4-FFF2-40B4-BE49-F238E27FC236}">
+                <a16:creationId xmlns:a16="http://schemas.microsoft.com/office/drawing/2014/main" id="{659706C9-F26D-46CA-93BF-8C27012F6B12}"/>
+              </a:ext>
+            </a:extLst>
+          </p:cNvPr>
+          <p:cNvSpPr>
+            <a:spLocks noGrp="1"/>
+          </p:cNvSpPr>
+          <p:nvPr>
+            <p:ph type="title"/>
+          </p:nvPr>
+        </p:nvSpPr>
+        <p:spPr/>
+        <p:txBody>
+          <a:bodyPr rtlCol="0"/>
+          <a:lstStyle/>
+          <a:p>
+            <a:pPr rtl="0"/>
+            <a:r>
+              <a:rPr lang="fr-FR" noProof="1"/>
+              <a:t>Merci</a:t>
+            </a:r>
+          </a:p>
+        </p:txBody>
+      </p:sp>
+      <p:sp>
+        <p:nvSpPr>
+          <p:cNvPr id="5" name="Espace réservé du pied de page 4">
+            <a:extLst>
+              <a:ext uri="{FF2B5EF4-FFF2-40B4-BE49-F238E27FC236}">
+                <a16:creationId xmlns:a16="http://schemas.microsoft.com/office/drawing/2014/main" id="{C75D06EF-9416-46F7-8230-B49EE1269F53}"/>
+              </a:ext>
+            </a:extLst>
+          </p:cNvPr>
+          <p:cNvSpPr>
+            <a:spLocks noGrp="1"/>
+          </p:cNvSpPr>
+          <p:nvPr>
+            <p:ph type="ftr" sz="quarter" idx="11"/>
+          </p:nvPr>
+        </p:nvSpPr>
+        <p:spPr/>
+        <p:txBody>
+          <a:bodyPr rtlCol="0"/>
+          <a:lstStyle/>
+          <a:p>
+            <a:pPr lvl="0" rtl="0"/>
+            <a:r>
+              <a:rPr lang="fr-FR" noProof="1"/>
+              <a:t>Projet-10		Verbreuk Jordan</a:t>
+            </a:r>
+          </a:p>
+        </p:txBody>
+      </p:sp>
+      <p:sp>
+        <p:nvSpPr>
+          <p:cNvPr id="6" name="Espace réservé du numéro de diapositive 5">
+            <a:extLst>
+              <a:ext uri="{FF2B5EF4-FFF2-40B4-BE49-F238E27FC236}">
+                <a16:creationId xmlns:a16="http://schemas.microsoft.com/office/drawing/2014/main" id="{7359025F-68D1-4F50-8480-3F981455D4DE}"/>
+              </a:ext>
+            </a:extLst>
+          </p:cNvPr>
+          <p:cNvSpPr>
+            <a:spLocks noGrp="1"/>
+          </p:cNvSpPr>
+          <p:nvPr>
+            <p:ph type="sldNum" sz="quarter" idx="12"/>
+          </p:nvPr>
+        </p:nvSpPr>
+        <p:spPr/>
+        <p:txBody>
+          <a:bodyPr rtlCol="0"/>
+          <a:lstStyle/>
+          <a:p>
+            <a:pPr lvl="0" rtl="0"/>
+            <a:fld id="{D76B855D-E9CC-4FF8-AD85-6CDC7B89A0DE}" type="slidenum">
+              <a:rPr lang="fr-FR" noProof="1" dirty="0" smtClean="0"/>
+              <a:pPr lvl="0" rtl="0"/>
+              <a:t>15</a:t>
+            </a:fld>
+            <a:endParaRPr lang="fr-FR" noProof="1"/>
+          </a:p>
+        </p:txBody>
+      </p:sp>
+      <p:sp>
+        <p:nvSpPr>
+          <p:cNvPr id="3" name="Espace réservé du contenu 2">
+            <a:extLst>
+              <a:ext uri="{FF2B5EF4-FFF2-40B4-BE49-F238E27FC236}">
+                <a16:creationId xmlns:a16="http://schemas.microsoft.com/office/drawing/2014/main" id="{21F0B6E0-1F7C-4E6A-87B1-554ADE739CD1}"/>
+              </a:ext>
+            </a:extLst>
+          </p:cNvPr>
+          <p:cNvSpPr>
+            <a:spLocks noGrp="1"/>
+          </p:cNvSpPr>
+          <p:nvPr>
+            <p:ph idx="1"/>
+          </p:nvPr>
+        </p:nvSpPr>
+        <p:spPr/>
+        <p:txBody>
+          <a:bodyPr rtlCol="0"/>
+          <a:lstStyle/>
+          <a:p>
+            <a:pPr rtl="0"/>
+            <a:r>
+              <a:rPr lang="fr-FR" noProof="1"/>
+              <a:t>Projet 10</a:t>
+            </a:r>
+          </a:p>
+          <a:p>
+            <a:pPr rtl="0">
+              <a:spcBef>
+                <a:spcPts val="3000"/>
+              </a:spcBef>
+            </a:pPr>
+            <a:r>
+              <a:rPr lang="fr-FR" sz="1800" noProof="1"/>
+              <a:t>Verbreuk Jordan</a:t>
+            </a:r>
+          </a:p>
+          <a:p>
+            <a:pPr rtl="0">
+              <a:spcBef>
+                <a:spcPts val="3000"/>
+              </a:spcBef>
+            </a:pPr>
+            <a:r>
+              <a:rPr lang="fr-FR" sz="1800" noProof="1"/>
+              <a:t>Etudiant Openclassroom</a:t>
+            </a:r>
+          </a:p>
+          <a:p>
+            <a:pPr rtl="0"/>
+            <a:endParaRPr lang="fr-FR" noProof="1"/>
+          </a:p>
+        </p:txBody>
+      </p:sp>
+    </p:spTree>
+    <p:extLst>
+      <p:ext uri="{BB962C8B-B14F-4D97-AF65-F5344CB8AC3E}">
+        <p14:creationId xmlns:p14="http://schemas.microsoft.com/office/powerpoint/2010/main" val="962258905"/>
+      </p:ext>
+    </p:extLst>
+  </p:cSld>
+  <p:clrMapOvr>
+    <a:masterClrMapping/>
+  </p:clrMapOvr>
+</p:sld>
+</file>
+
+<file path=ppt/slides/slide2.xml><?xml version="1.0" encoding="utf-8"?>
+<p:sld xmlns:a="http://schemas.openxmlformats.org/drawingml/2006/main" xmlns:r="http://schemas.openxmlformats.org/officeDocument/2006/relationships" xmlns:p="http://schemas.openxmlformats.org/presentationml/2006/main">
+  <p:cSld>
+    <p:spTree>
+      <p:nvGrpSpPr>
+        <p:cNvPr id="1" name=""/>
+        <p:cNvGrpSpPr/>
+        <p:nvPr/>
+      </p:nvGrpSpPr>
+      <p:grpSpPr>
+        <a:xfrm>
+          <a:off x="0" y="0"/>
+          <a:ext cx="0" cy="0"/>
+          <a:chOff x="0" y="0"/>
+          <a:chExt cx="0" cy="0"/>
+        </a:xfrm>
+      </p:grpSpPr>
+      <p:sp>
+        <p:nvSpPr>
+          <p:cNvPr id="2" name="Titre 1">
+            <a:extLst>
+              <a:ext uri="{FF2B5EF4-FFF2-40B4-BE49-F238E27FC236}">
+                <a16:creationId xmlns:a16="http://schemas.microsoft.com/office/drawing/2014/main" id="{1836E49C-11A0-4C95-8A6E-FC7E9C57C105}"/>
+              </a:ext>
+            </a:extLst>
+          </p:cNvPr>
+          <p:cNvSpPr>
+            <a:spLocks noGrp="1"/>
+          </p:cNvSpPr>
+          <p:nvPr>
+            <p:ph type="title"/>
+          </p:nvPr>
+        </p:nvSpPr>
+        <p:spPr/>
+        <p:txBody>
+          <a:bodyPr rtlCol="0"/>
+          <a:lstStyle/>
+          <a:p>
+            <a:pPr rtl="0"/>
+            <a:r>
+              <a:rPr lang="fr-FR" noProof="1"/>
+              <a:t>Sommaire</a:t>
+            </a:r>
+          </a:p>
+        </p:txBody>
+      </p:sp>
+      <p:sp>
+        <p:nvSpPr>
+          <p:cNvPr id="3" name="Espace réservé du contenu 2">
+            <a:extLst>
+              <a:ext uri="{FF2B5EF4-FFF2-40B4-BE49-F238E27FC236}">
+                <a16:creationId xmlns:a16="http://schemas.microsoft.com/office/drawing/2014/main" id="{869C3FD2-AF88-4EF1-AFB7-5D31BD5AA0BF}"/>
+              </a:ext>
+            </a:extLst>
+          </p:cNvPr>
+          <p:cNvSpPr>
+            <a:spLocks noGrp="1"/>
+          </p:cNvSpPr>
+          <p:nvPr>
+            <p:ph idx="1"/>
+          </p:nvPr>
+        </p:nvSpPr>
+        <p:spPr/>
+        <p:txBody>
+          <a:bodyPr rtlCol="0"/>
+          <a:lstStyle/>
+          <a:p>
+            <a:pPr marL="514350" indent="-514350" rtl="0">
+              <a:spcAft>
+                <a:spcPts val="1200"/>
+              </a:spcAft>
+              <a:buFont typeface="+mj-lt"/>
+              <a:buAutoNum type="arabicPeriod"/>
+            </a:pPr>
+            <a:r>
+              <a:rPr lang="fr-FR" spc="100" noProof="1"/>
+              <a:t>Présentation du projet</a:t>
+            </a:r>
+          </a:p>
+          <a:p>
+            <a:pPr marL="514350" indent="-514350" rtl="0">
+              <a:spcAft>
+                <a:spcPts val="1200"/>
+              </a:spcAft>
+              <a:buFont typeface="+mj-lt"/>
+              <a:buAutoNum type="arabicPeriod"/>
+            </a:pPr>
+            <a:r>
+              <a:rPr lang="fr-FR" spc="100" noProof="1"/>
+              <a:t>Correction des bugs</a:t>
+            </a:r>
+          </a:p>
+          <a:p>
+            <a:pPr marL="514350" indent="-514350" rtl="0">
+              <a:spcAft>
+                <a:spcPts val="1200"/>
+              </a:spcAft>
+              <a:buFont typeface="+mj-lt"/>
+              <a:buAutoNum type="arabicPeriod"/>
+            </a:pPr>
+            <a:r>
+              <a:rPr lang="fr-FR" spc="100" noProof="1"/>
+              <a:t>Test unitaire et test d’intégration</a:t>
+            </a:r>
+          </a:p>
+        </p:txBody>
+      </p:sp>
+      <p:sp>
+        <p:nvSpPr>
+          <p:cNvPr id="5" name="Espace réservé du pied de page 4">
+            <a:extLst>
+              <a:ext uri="{FF2B5EF4-FFF2-40B4-BE49-F238E27FC236}">
+                <a16:creationId xmlns:a16="http://schemas.microsoft.com/office/drawing/2014/main" id="{A4A2B84E-2163-44C1-99D0-6F162AEA82E9}"/>
+              </a:ext>
+            </a:extLst>
+          </p:cNvPr>
+          <p:cNvSpPr>
+            <a:spLocks noGrp="1"/>
+          </p:cNvSpPr>
+          <p:nvPr>
+            <p:ph type="ftr" sz="quarter" idx="11"/>
+          </p:nvPr>
+        </p:nvSpPr>
+        <p:spPr/>
+        <p:txBody>
+          <a:bodyPr rtlCol="0"/>
+          <a:lstStyle/>
+          <a:p>
+            <a:pPr lvl="0" rtl="0"/>
+            <a:r>
+              <a:rPr lang="fr-FR" noProof="1"/>
+              <a:t>Projet-10		Verbreuk Jordan</a:t>
+            </a:r>
+          </a:p>
+        </p:txBody>
+      </p:sp>
+      <p:sp>
+        <p:nvSpPr>
+          <p:cNvPr id="6" name="Espace réservé du numéro de diapositive 5">
+            <a:extLst>
+              <a:ext uri="{FF2B5EF4-FFF2-40B4-BE49-F238E27FC236}">
+                <a16:creationId xmlns:a16="http://schemas.microsoft.com/office/drawing/2014/main" id="{88AB1A36-2D6E-4392-AAA4-996FFE03208D}"/>
+              </a:ext>
+            </a:extLst>
+          </p:cNvPr>
+          <p:cNvSpPr>
+            <a:spLocks noGrp="1"/>
+          </p:cNvSpPr>
+          <p:nvPr>
+            <p:ph type="sldNum" sz="quarter" idx="12"/>
+          </p:nvPr>
+        </p:nvSpPr>
+        <p:spPr/>
+        <p:txBody>
+          <a:bodyPr rtlCol="0"/>
+          <a:lstStyle/>
+          <a:p>
+            <a:pPr lvl="0" rtl="0"/>
+            <a:fld id="{D76B855D-E9CC-4FF8-AD85-6CDC7B89A0DE}" type="slidenum">
+              <a:rPr lang="fr-FR" noProof="1" smtClean="0"/>
+              <a:pPr lvl="0"/>
+              <a:t>2</a:t>
+            </a:fld>
+            <a:endParaRPr lang="fr-FR" noProof="1"/>
+          </a:p>
+        </p:txBody>
+      </p:sp>
+    </p:spTree>
+    <p:extLst>
+      <p:ext uri="{BB962C8B-B14F-4D97-AF65-F5344CB8AC3E}">
+        <p14:creationId xmlns:p14="http://schemas.microsoft.com/office/powerpoint/2010/main" val="55160260"/>
+      </p:ext>
+    </p:extLst>
+  </p:cSld>
+  <p:clrMapOvr>
+    <a:masterClrMapping/>
+  </p:clrMapOvr>
+</p:sld>
+</file>
+
+<file path=ppt/slides/slide3.xml><?xml version="1.0" encoding="utf-8"?>
+<p:sld xmlns:a="http://schemas.openxmlformats.org/drawingml/2006/main" xmlns:r="http://schemas.openxmlformats.org/officeDocument/2006/relationships" xmlns:p="http://schemas.openxmlformats.org/presentationml/2006/main">
+  <p:cSld>
+    <p:spTree>
+      <p:nvGrpSpPr>
+        <p:cNvPr id="1" name=""/>
+        <p:cNvGrpSpPr/>
+        <p:nvPr/>
+      </p:nvGrpSpPr>
+      <p:grpSpPr>
+        <a:xfrm>
+          <a:off x="0" y="0"/>
+          <a:ext cx="0" cy="0"/>
+          <a:chOff x="0" y="0"/>
+          <a:chExt cx="0" cy="0"/>
+        </a:xfrm>
+      </p:grpSpPr>
+      <p:sp>
+        <p:nvSpPr>
+          <p:cNvPr id="2" name="Titre 1">
+            <a:extLst>
+              <a:ext uri="{FF2B5EF4-FFF2-40B4-BE49-F238E27FC236}">
+                <a16:creationId xmlns:a16="http://schemas.microsoft.com/office/drawing/2014/main" id="{1EFC037F-9B04-45A9-8AE6-A8517884947F}"/>
+              </a:ext>
+            </a:extLst>
+          </p:cNvPr>
+          <p:cNvSpPr>
+            <a:spLocks noGrp="1"/>
+          </p:cNvSpPr>
+          <p:nvPr>
+            <p:ph type="title"/>
+          </p:nvPr>
+        </p:nvSpPr>
+        <p:spPr/>
+        <p:txBody>
+          <a:bodyPr rtlCol="0">
+            <a:normAutofit/>
+          </a:bodyPr>
+          <a:lstStyle/>
+          <a:p>
+            <a:pPr rtl="0"/>
+            <a:r>
+              <a:rPr lang="fr-FR" noProof="1">
+                <a:solidFill>
+                  <a:srgbClr val="FFFFFF"/>
+                </a:solidFill>
+              </a:rPr>
+              <a:t>Présentation du projet</a:t>
+            </a:r>
+            <a:endParaRPr lang="fr-FR" noProof="1"/>
+          </a:p>
+        </p:txBody>
+      </p:sp>
+    </p:spTree>
+    <p:extLst>
+      <p:ext uri="{BB962C8B-B14F-4D97-AF65-F5344CB8AC3E}">
+        <p14:creationId xmlns:p14="http://schemas.microsoft.com/office/powerpoint/2010/main" val="4283594893"/>
+      </p:ext>
+    </p:extLst>
+  </p:cSld>
+  <p:clrMapOvr>
+    <a:masterClrMapping/>
+  </p:clrMapOvr>
+</p:sld>
+</file>
+
+<file path=ppt/slides/slide4.xml><?xml version="1.0" encoding="utf-8"?>
+<p:sld xmlns:a="http://schemas.openxmlformats.org/drawingml/2006/main" xmlns:r="http://schemas.openxmlformats.org/officeDocument/2006/relationships" xmlns:p="http://schemas.openxmlformats.org/presentationml/2006/main">
+  <p:cSld>
+    <p:spTree>
+      <p:nvGrpSpPr>
+        <p:cNvPr id="1" name=""/>
+        <p:cNvGrpSpPr/>
+        <p:nvPr/>
+      </p:nvGrpSpPr>
+      <p:grpSpPr>
+        <a:xfrm>
+          <a:off x="0" y="0"/>
+          <a:ext cx="0" cy="0"/>
+          <a:chOff x="0" y="0"/>
+          <a:chExt cx="0" cy="0"/>
+        </a:xfrm>
+      </p:grpSpPr>
+      <p:sp>
+        <p:nvSpPr>
+          <p:cNvPr id="4" name="Titre 3">
+            <a:extLst>
+              <a:ext uri="{FF2B5EF4-FFF2-40B4-BE49-F238E27FC236}">
+                <a16:creationId xmlns:a16="http://schemas.microsoft.com/office/drawing/2014/main" id="{7B290457-2071-4F7C-9327-CE85A282B4D5}"/>
+              </a:ext>
+            </a:extLst>
+          </p:cNvPr>
+          <p:cNvSpPr>
+            <a:spLocks noGrp="1"/>
+          </p:cNvSpPr>
+          <p:nvPr>
+            <p:ph type="title"/>
+          </p:nvPr>
+        </p:nvSpPr>
+        <p:spPr>
+          <a:xfrm>
+            <a:off x="539496" y="365124"/>
+            <a:ext cx="5702278" cy="1325880"/>
+          </a:xfrm>
+        </p:spPr>
+        <p:txBody>
+          <a:bodyPr rtlCol="0">
+            <a:normAutofit/>
+          </a:bodyPr>
+          <a:lstStyle/>
+          <a:p>
+            <a:pPr rtl="0"/>
+            <a:r>
+              <a:rPr lang="fr-FR" sz="3200" noProof="1"/>
+              <a:t>Présentation du projet</a:t>
+            </a:r>
+          </a:p>
+        </p:txBody>
+      </p:sp>
+      <p:sp>
+        <p:nvSpPr>
+          <p:cNvPr id="5" name="Espace réservé du contenu 4">
+            <a:extLst>
+              <a:ext uri="{FF2B5EF4-FFF2-40B4-BE49-F238E27FC236}">
+                <a16:creationId xmlns:a16="http://schemas.microsoft.com/office/drawing/2014/main" id="{B67B1E24-2840-4BB0-AE5A-2320A01CB80F}"/>
+              </a:ext>
+            </a:extLst>
+          </p:cNvPr>
+          <p:cNvSpPr>
+            <a:spLocks noGrp="1"/>
+          </p:cNvSpPr>
+          <p:nvPr>
+            <p:ph idx="1"/>
+          </p:nvPr>
+        </p:nvSpPr>
+        <p:spPr/>
+        <p:txBody>
+          <a:bodyPr rtlCol="0"/>
+          <a:lstStyle/>
+          <a:p>
+            <a:pPr rtl="0"/>
+            <a:r>
+              <a:rPr lang="fr-FR" noProof="1">
+                <a:hlinkClick r:id="rId3"/>
+              </a:rPr>
+              <a:t>Liens vers le site 724Events</a:t>
+            </a:r>
+            <a:endParaRPr lang="fr-FR" noProof="1"/>
+          </a:p>
+        </p:txBody>
+      </p:sp>
+      <p:sp>
+        <p:nvSpPr>
+          <p:cNvPr id="15" name="Espace réservé du pied de page 14">
+            <a:extLst>
+              <a:ext uri="{FF2B5EF4-FFF2-40B4-BE49-F238E27FC236}">
+                <a16:creationId xmlns:a16="http://schemas.microsoft.com/office/drawing/2014/main" id="{96B342A5-1683-4650-BB07-B98D8B23C1FC}"/>
+              </a:ext>
+            </a:extLst>
+          </p:cNvPr>
+          <p:cNvSpPr>
+            <a:spLocks noGrp="1"/>
+          </p:cNvSpPr>
+          <p:nvPr>
+            <p:ph type="ftr" sz="quarter" idx="11"/>
+          </p:nvPr>
+        </p:nvSpPr>
+        <p:spPr/>
+        <p:txBody>
+          <a:bodyPr rtlCol="0"/>
+          <a:lstStyle/>
+          <a:p>
+            <a:pPr lvl="0" rtl="0"/>
+            <a:r>
+              <a:rPr lang="fr-FR" noProof="1"/>
+              <a:t>Projet-10		Verbreuk Jordan</a:t>
+            </a:r>
+          </a:p>
+        </p:txBody>
+      </p:sp>
+      <p:pic>
+        <p:nvPicPr>
+          <p:cNvPr id="9" name="Image 8">
+            <a:extLst>
+              <a:ext uri="{FF2B5EF4-FFF2-40B4-BE49-F238E27FC236}">
+                <a16:creationId xmlns:a16="http://schemas.microsoft.com/office/drawing/2014/main" id="{49359DAD-B61D-14FB-DEB0-6F0CDF770331}"/>
+              </a:ext>
+            </a:extLst>
+          </p:cNvPr>
+          <p:cNvPicPr>
+            <a:picLocks noChangeAspect="1"/>
+          </p:cNvPicPr>
+          <p:nvPr/>
+        </p:nvPicPr>
+        <p:blipFill>
+          <a:blip r:embed="rId4"/>
+          <a:stretch>
+            <a:fillRect/>
+          </a:stretch>
+        </p:blipFill>
+        <p:spPr>
+          <a:xfrm>
+            <a:off x="654258" y="2322720"/>
+            <a:ext cx="3921585" cy="4033630"/>
+          </a:xfrm>
+          <a:prstGeom prst="rect">
+            <a:avLst/>
+          </a:prstGeom>
+        </p:spPr>
+      </p:pic>
+      <p:pic>
+        <p:nvPicPr>
+          <p:cNvPr id="12" name="Image 11">
+            <a:extLst>
+              <a:ext uri="{FF2B5EF4-FFF2-40B4-BE49-F238E27FC236}">
+                <a16:creationId xmlns:a16="http://schemas.microsoft.com/office/drawing/2014/main" id="{65F96BC3-A693-9F4B-886E-AD5D51D38585}"/>
+              </a:ext>
+            </a:extLst>
+          </p:cNvPr>
+          <p:cNvPicPr>
+            <a:picLocks noChangeAspect="1"/>
+          </p:cNvPicPr>
+          <p:nvPr/>
+        </p:nvPicPr>
+        <p:blipFill>
+          <a:blip r:embed="rId5"/>
+          <a:stretch>
+            <a:fillRect/>
+          </a:stretch>
+        </p:blipFill>
+        <p:spPr>
+          <a:xfrm>
+            <a:off x="7251954" y="1028064"/>
+            <a:ext cx="4400550" cy="5076825"/>
+          </a:xfrm>
+          <a:prstGeom prst="rect">
+            <a:avLst/>
+          </a:prstGeom>
+        </p:spPr>
+      </p:pic>
+    </p:spTree>
+    <p:extLst>
+      <p:ext uri="{BB962C8B-B14F-4D97-AF65-F5344CB8AC3E}">
+        <p14:creationId xmlns:p14="http://schemas.microsoft.com/office/powerpoint/2010/main" val="1002193766"/>
+      </p:ext>
+    </p:extLst>
+  </p:cSld>
+  <p:clrMapOvr>
+    <a:masterClrMapping/>
+  </p:clrMapOvr>
+</p:sld>
+</file>
+
+<file path=ppt/slides/slide5.xml><?xml version="1.0" encoding="utf-8"?>
+<p:sld xmlns:a="http://schemas.openxmlformats.org/drawingml/2006/main" xmlns:r="http://schemas.openxmlformats.org/officeDocument/2006/relationships" xmlns:p="http://schemas.openxmlformats.org/presentationml/2006/main">
+  <p:cSld>
+    <p:spTree>
+      <p:nvGrpSpPr>
+        <p:cNvPr id="1" name=""/>
+        <p:cNvGrpSpPr/>
+        <p:nvPr/>
+      </p:nvGrpSpPr>
+      <p:grpSpPr>
+        <a:xfrm>
+          <a:off x="0" y="0"/>
+          <a:ext cx="0" cy="0"/>
+          <a:chOff x="0" y="0"/>
+          <a:chExt cx="0" cy="0"/>
+        </a:xfrm>
+      </p:grpSpPr>
+      <p:sp>
+        <p:nvSpPr>
+          <p:cNvPr id="13" name="Espace réservé du pied de page 12">
+            <a:extLst>
+              <a:ext uri="{FF2B5EF4-FFF2-40B4-BE49-F238E27FC236}">
+                <a16:creationId xmlns:a16="http://schemas.microsoft.com/office/drawing/2014/main" id="{9B6754F1-BBB9-45C3-8F76-FA0E19B7463B}"/>
+              </a:ext>
+            </a:extLst>
+          </p:cNvPr>
+          <p:cNvSpPr>
+            <a:spLocks noGrp="1"/>
+          </p:cNvSpPr>
+          <p:nvPr>
+            <p:ph type="ftr" sz="quarter" idx="11"/>
+          </p:nvPr>
+        </p:nvSpPr>
+        <p:spPr/>
+        <p:txBody>
+          <a:bodyPr rtlCol="0"/>
+          <a:lstStyle/>
+          <a:p>
+            <a:pPr lvl="0" rtl="0"/>
+            <a:r>
+              <a:rPr lang="fr-FR" noProof="1"/>
+              <a:t>Projet-10		Verbreuk Jordan</a:t>
+            </a:r>
+          </a:p>
+        </p:txBody>
+      </p:sp>
+      <p:sp>
+        <p:nvSpPr>
+          <p:cNvPr id="14" name="Espace réservé du numéro de diapositive 13">
+            <a:extLst>
+              <a:ext uri="{FF2B5EF4-FFF2-40B4-BE49-F238E27FC236}">
+                <a16:creationId xmlns:a16="http://schemas.microsoft.com/office/drawing/2014/main" id="{47FB0EFA-9228-4C2B-BC70-5B5C93771274}"/>
+              </a:ext>
+            </a:extLst>
+          </p:cNvPr>
+          <p:cNvSpPr>
+            <a:spLocks noGrp="1"/>
+          </p:cNvSpPr>
+          <p:nvPr>
+            <p:ph type="sldNum" sz="quarter" idx="12"/>
+          </p:nvPr>
+        </p:nvSpPr>
+        <p:spPr/>
+        <p:txBody>
+          <a:bodyPr rtlCol="0"/>
+          <a:lstStyle/>
+          <a:p>
+            <a:pPr lvl="0" rtl="0"/>
+            <a:fld id="{D76B855D-E9CC-4FF8-AD85-6CDC7B89A0DE}" type="slidenum">
+              <a:rPr lang="en-US" noProof="0" smtClean="0"/>
+              <a:pPr lvl="0" rtl="0"/>
+              <a:t>5</a:t>
+            </a:fld>
+            <a:endParaRPr lang="en-US" noProof="0" dirty="0"/>
+          </a:p>
+        </p:txBody>
+      </p:sp>
+      <p:sp>
+        <p:nvSpPr>
+          <p:cNvPr id="7" name="Espace réservé du contenu 4">
+            <a:extLst>
+              <a:ext uri="{FF2B5EF4-FFF2-40B4-BE49-F238E27FC236}">
+                <a16:creationId xmlns:a16="http://schemas.microsoft.com/office/drawing/2014/main" id="{48C18F40-BCE0-C68C-9F70-C19C6AAEFE1D}"/>
+              </a:ext>
+            </a:extLst>
+          </p:cNvPr>
+          <p:cNvSpPr>
+            <a:spLocks noGrp="1"/>
+          </p:cNvSpPr>
+          <p:nvPr>
+            <p:ph idx="1"/>
+          </p:nvPr>
+        </p:nvSpPr>
+        <p:spPr>
+          <a:xfrm>
+            <a:off x="314209" y="381138"/>
+            <a:ext cx="5463739" cy="6138932"/>
+          </a:xfrm>
+        </p:spPr>
+        <p:txBody>
+          <a:bodyPr rtlCol="0">
+            <a:normAutofit/>
+          </a:bodyPr>
+          <a:lstStyle/>
+          <a:p>
+            <a:pPr marL="0" indent="0" rtl="0">
+              <a:buNone/>
+            </a:pPr>
+            <a:r>
+              <a:rPr lang="fr-FR" noProof="1"/>
+              <a:t>Le projet été sur github : </a:t>
+            </a:r>
+            <a:r>
+              <a:rPr lang="fr-FR" noProof="1">
+                <a:hlinkClick r:id="rId2"/>
+              </a:rPr>
+              <a:t>lien</a:t>
+            </a:r>
+            <a:endParaRPr lang="fr-FR" noProof="1"/>
+          </a:p>
+          <a:p>
+            <a:pPr marL="0" indent="0" rtl="0">
+              <a:buNone/>
+            </a:pPr>
+            <a:endParaRPr lang="fr-FR" noProof="1"/>
+          </a:p>
+          <a:p>
+            <a:pPr marL="0" indent="0" rtl="0">
+              <a:buNone/>
+            </a:pPr>
+            <a:r>
+              <a:rPr lang="fr-FR" noProof="1"/>
+              <a:t>Sur ce lien on peut retrouver des informations laissées par l’ancien développeur.</a:t>
+            </a:r>
+          </a:p>
+          <a:p>
+            <a:pPr marL="0" indent="0" rtl="0">
+              <a:buNone/>
+            </a:pPr>
+            <a:endParaRPr lang="fr-FR" noProof="1"/>
+          </a:p>
+          <a:p>
+            <a:r>
+              <a:rPr lang="fr-FR" sz="2400" noProof="1"/>
+              <a:t>Le carrousel s’affiche dans un ordre aléatoire et uniquement 2 photos sur les 3</a:t>
+            </a:r>
+          </a:p>
+          <a:p>
+            <a:r>
               <a:rPr lang="fr-FR" sz="2400" noProof="1"/>
               <a:t>Le filtre dans la section nos réalisations ne fonctionne pas</a:t>
             </a:r>
           </a:p>
           <a:p>
+            <a:r>
+              <a:rPr lang="fr-FR" sz="2400" noProof="1"/>
+              <a:t>Le formulaire s’envoie mais le message de confirmation ne s’affiche pas</a:t>
+            </a:r>
+          </a:p>
+          <a:p>
+            <a:pPr marL="0" indent="0" rtl="0">
+              <a:buNone/>
+            </a:pPr>
+            <a:endParaRPr lang="fr-FR" noProof="1"/>
+          </a:p>
+          <a:p>
+            <a:pPr marL="0" indent="0" rtl="0">
+              <a:buNone/>
+            </a:pPr>
+            <a:endParaRPr lang="fr-FR" noProof="1"/>
+          </a:p>
+          <a:p>
+            <a:pPr marL="0" indent="0" rtl="0">
+              <a:buNone/>
+            </a:pPr>
+            <a:endParaRPr lang="fr-FR" noProof="1"/>
+          </a:p>
+        </p:txBody>
+      </p:sp>
+      <p:pic>
+        <p:nvPicPr>
+          <p:cNvPr id="9" name="Image 8">
+            <a:extLst>
+              <a:ext uri="{FF2B5EF4-FFF2-40B4-BE49-F238E27FC236}">
+                <a16:creationId xmlns:a16="http://schemas.microsoft.com/office/drawing/2014/main" id="{564F2E03-90E3-AA4A-DFAD-2CB9C3AE3F34}"/>
+              </a:ext>
+            </a:extLst>
+          </p:cNvPr>
+          <p:cNvPicPr>
+            <a:picLocks noChangeAspect="1"/>
+          </p:cNvPicPr>
+          <p:nvPr/>
+        </p:nvPicPr>
+        <p:blipFill>
+          <a:blip r:embed="rId3"/>
+          <a:stretch>
+            <a:fillRect/>
+          </a:stretch>
+        </p:blipFill>
+        <p:spPr>
+          <a:xfrm>
+            <a:off x="6096000" y="881441"/>
+            <a:ext cx="5876599" cy="5296728"/>
+          </a:xfrm>
+          <a:prstGeom prst="rect">
+            <a:avLst/>
+          </a:prstGeom>
+        </p:spPr>
+      </p:pic>
+    </p:spTree>
+    <p:extLst>
+      <p:ext uri="{BB962C8B-B14F-4D97-AF65-F5344CB8AC3E}">
+        <p14:creationId xmlns:p14="http://schemas.microsoft.com/office/powerpoint/2010/main" val="49269618"/>
+      </p:ext>
+    </p:extLst>
+  </p:cSld>
+  <p:clrMapOvr>
+    <a:masterClrMapping/>
+  </p:clrMapOvr>
+</p:sld>
+</file>
+
+<file path=ppt/slides/slide6.xml><?xml version="1.0" encoding="utf-8"?>
+<p:sld xmlns:a="http://schemas.openxmlformats.org/drawingml/2006/main" xmlns:r="http://schemas.openxmlformats.org/officeDocument/2006/relationships" xmlns:p="http://schemas.openxmlformats.org/presentationml/2006/main">
+  <p:cSld>
+    <p:spTree>
+      <p:nvGrpSpPr>
+        <p:cNvPr id="1" name=""/>
+        <p:cNvGrpSpPr/>
+        <p:nvPr/>
+      </p:nvGrpSpPr>
+      <p:grpSpPr>
+        <a:xfrm>
+          <a:off x="0" y="0"/>
+          <a:ext cx="0" cy="0"/>
+          <a:chOff x="0" y="0"/>
+          <a:chExt cx="0" cy="0"/>
+        </a:xfrm>
+      </p:grpSpPr>
+      <p:sp>
+        <p:nvSpPr>
+          <p:cNvPr id="13" name="Espace réservé du pied de page 12">
+            <a:extLst>
+              <a:ext uri="{FF2B5EF4-FFF2-40B4-BE49-F238E27FC236}">
+                <a16:creationId xmlns:a16="http://schemas.microsoft.com/office/drawing/2014/main" id="{34CB8358-5219-419E-B50C-A279EA3E635F}"/>
+              </a:ext>
+            </a:extLst>
+          </p:cNvPr>
+          <p:cNvSpPr>
+            <a:spLocks noGrp="1"/>
+          </p:cNvSpPr>
+          <p:nvPr>
+            <p:ph type="ftr" sz="quarter" idx="11"/>
+          </p:nvPr>
+        </p:nvSpPr>
+        <p:spPr/>
+        <p:txBody>
+          <a:bodyPr rtlCol="0"/>
+          <a:lstStyle/>
+          <a:p>
+            <a:pPr lvl="0" rtl="0"/>
+            <a:r>
+              <a:rPr lang="fr-FR" noProof="1"/>
+              <a:t>Projet-10		Verbreuk Jordan</a:t>
+            </a:r>
+          </a:p>
+        </p:txBody>
+      </p:sp>
+      <p:sp>
+        <p:nvSpPr>
+          <p:cNvPr id="14" name="Espace réservé du numéro de diapositive 13">
+            <a:extLst>
+              <a:ext uri="{FF2B5EF4-FFF2-40B4-BE49-F238E27FC236}">
+                <a16:creationId xmlns:a16="http://schemas.microsoft.com/office/drawing/2014/main" id="{8A5B9DFF-1E65-43C9-B2DE-90CD91DFAE1A}"/>
+              </a:ext>
+            </a:extLst>
+          </p:cNvPr>
+          <p:cNvSpPr>
+            <a:spLocks noGrp="1"/>
+          </p:cNvSpPr>
+          <p:nvPr>
+            <p:ph type="sldNum" sz="quarter" idx="12"/>
+          </p:nvPr>
+        </p:nvSpPr>
+        <p:spPr/>
+        <p:txBody>
+          <a:bodyPr rtlCol="0"/>
+          <a:lstStyle/>
+          <a:p>
+            <a:pPr lvl="0" rtl="0"/>
+            <a:fld id="{D76B855D-E9CC-4FF8-AD85-6CDC7B89A0DE}" type="slidenum">
+              <a:rPr lang="fr-FR" noProof="1" smtClean="0"/>
+              <a:pPr lvl="0" rtl="0"/>
+              <a:t>6</a:t>
+            </a:fld>
+            <a:endParaRPr lang="fr-FR" noProof="1"/>
+          </a:p>
+        </p:txBody>
+      </p:sp>
+      <p:sp>
+        <p:nvSpPr>
+          <p:cNvPr id="6" name="Espace réservé du contenu 4">
+            <a:extLst>
+              <a:ext uri="{FF2B5EF4-FFF2-40B4-BE49-F238E27FC236}">
+                <a16:creationId xmlns:a16="http://schemas.microsoft.com/office/drawing/2014/main" id="{9B83A3C9-8C00-8B4E-3AC5-86C0AA641ECA}"/>
+              </a:ext>
+            </a:extLst>
+          </p:cNvPr>
+          <p:cNvSpPr>
+            <a:spLocks noGrp="1"/>
+          </p:cNvSpPr>
+          <p:nvPr>
+            <p:ph idx="1"/>
+          </p:nvPr>
+        </p:nvSpPr>
+        <p:spPr>
+          <a:xfrm>
+            <a:off x="539496" y="1825625"/>
+            <a:ext cx="5463739" cy="4352544"/>
+          </a:xfrm>
+        </p:spPr>
+        <p:txBody>
+          <a:bodyPr rtlCol="0"/>
+          <a:lstStyle/>
+          <a:p>
+            <a:pPr marL="0" indent="0" rtl="0">
+              <a:buNone/>
+            </a:pPr>
+            <a:r>
+              <a:rPr lang="fr-FR" noProof="1"/>
+              <a:t>Et nous en avons découvert d’autres, que nous avons répertoriés ci-joint : </a:t>
+            </a:r>
+          </a:p>
+          <a:p>
+            <a:pPr marL="0" indent="0" rtl="0">
+              <a:buNone/>
+            </a:pPr>
+            <a:endParaRPr lang="fr-FR" noProof="1"/>
+          </a:p>
+          <a:p>
+            <a:pPr marL="0" indent="0" rtl="0">
+              <a:buNone/>
+            </a:pPr>
+            <a:endParaRPr lang="fr-FR" noProof="1"/>
+          </a:p>
+        </p:txBody>
+      </p:sp>
+      <p:sp>
+        <p:nvSpPr>
+          <p:cNvPr id="7" name="Espace réservé du contenu 4">
+            <a:extLst>
+              <a:ext uri="{FF2B5EF4-FFF2-40B4-BE49-F238E27FC236}">
+                <a16:creationId xmlns:a16="http://schemas.microsoft.com/office/drawing/2014/main" id="{99377AA6-226D-21F0-7E54-57C848C76DCC}"/>
+              </a:ext>
+            </a:extLst>
+          </p:cNvPr>
+          <p:cNvSpPr txBox="1">
+            <a:spLocks/>
+          </p:cNvSpPr>
+          <p:nvPr/>
+        </p:nvSpPr>
+        <p:spPr>
+          <a:xfrm>
+            <a:off x="6096000" y="1317003"/>
+            <a:ext cx="5463739" cy="4223993"/>
+          </a:xfrm>
+          <a:prstGeom prst="rect">
+            <a:avLst/>
+          </a:prstGeom>
+        </p:spPr>
+        <p:txBody>
+          <a:bodyPr vert="horz" lIns="91440" tIns="45720" rIns="91440" bIns="45720" rtlCol="0">
+            <a:normAutofit/>
+          </a:bodyPr>
+          <a:lstStyle>
+            <a:lvl1pPr marL="228600" indent="-228600" algn="l" defTabSz="914400" rtl="0" eaLnBrk="1" latinLnBrk="0" hangingPunct="1">
+              <a:lnSpc>
+                <a:spcPct val="90000"/>
+              </a:lnSpc>
+              <a:spcBef>
+                <a:spcPts val="1000"/>
+              </a:spcBef>
+              <a:buFont typeface="Arial" panose="020B0604020202020204" pitchFamily="34" charset="0"/>
+              <a:buChar char="•"/>
+              <a:defRPr sz="2800" kern="1200">
+                <a:solidFill>
+                  <a:schemeClr val="tx1"/>
+                </a:solidFill>
+                <a:latin typeface="+mn-lt"/>
+                <a:ea typeface="+mn-ea"/>
+                <a:cs typeface="+mn-cs"/>
+              </a:defRPr>
+            </a:lvl1pPr>
+            <a:lvl2pPr marL="685800" indent="-228600" algn="l" defTabSz="914400" rtl="0" eaLnBrk="1" latinLnBrk="0" hangingPunct="1">
+              <a:lnSpc>
+                <a:spcPct val="90000"/>
+              </a:lnSpc>
+              <a:spcBef>
+                <a:spcPts val="500"/>
+              </a:spcBef>
+              <a:buFont typeface="Arial" panose="020B0604020202020204" pitchFamily="34" charset="0"/>
+              <a:buChar char="•"/>
+              <a:defRPr sz="2400" kern="1200">
+                <a:solidFill>
+                  <a:schemeClr val="tx1"/>
+                </a:solidFill>
+                <a:latin typeface="+mn-lt"/>
+                <a:ea typeface="+mn-ea"/>
+                <a:cs typeface="+mn-cs"/>
+              </a:defRPr>
+            </a:lvl2pPr>
+            <a:lvl3pPr marL="1143000" indent="-228600" algn="l" defTabSz="914400" rtl="0" eaLnBrk="1" latinLnBrk="0" hangingPunct="1">
+              <a:lnSpc>
+                <a:spcPct val="90000"/>
+              </a:lnSpc>
+              <a:spcBef>
+                <a:spcPts val="500"/>
+              </a:spcBef>
+              <a:buFont typeface="Arial" panose="020B0604020202020204" pitchFamily="34" charset="0"/>
+              <a:buChar char="•"/>
+              <a:defRPr sz="2000" kern="1200">
+                <a:solidFill>
+                  <a:schemeClr val="tx1"/>
+                </a:solidFill>
+                <a:latin typeface="+mn-lt"/>
+                <a:ea typeface="+mn-ea"/>
+                <a:cs typeface="+mn-cs"/>
+              </a:defRPr>
+            </a:lvl3pPr>
+            <a:lvl4pPr marL="1600200" indent="-228600" algn="l" defTabSz="914400" rtl="0" eaLnBrk="1" latinLnBrk="0" hangingPunct="1">
+              <a:lnSpc>
+                <a:spcPct val="90000"/>
+              </a:lnSpc>
+              <a:spcBef>
+                <a:spcPts val="500"/>
+              </a:spcBef>
+              <a:buFont typeface="Arial" panose="020B0604020202020204" pitchFamily="34" charset="0"/>
+              <a:buChar char="•"/>
+              <a:defRPr sz="1800" kern="1200">
+                <a:solidFill>
+                  <a:schemeClr val="tx1"/>
+                </a:solidFill>
+                <a:latin typeface="+mn-lt"/>
+                <a:ea typeface="+mn-ea"/>
+                <a:cs typeface="+mn-cs"/>
+              </a:defRPr>
+            </a:lvl4pPr>
+            <a:lvl5pPr marL="2057400" indent="-228600" algn="l" defTabSz="914400" rtl="0" eaLnBrk="1" latinLnBrk="0" hangingPunct="1">
+              <a:lnSpc>
+                <a:spcPct val="90000"/>
+              </a:lnSpc>
+              <a:spcBef>
+                <a:spcPts val="500"/>
+              </a:spcBef>
+              <a:buFont typeface="Arial" panose="020B0604020202020204" pitchFamily="34" charset="0"/>
+              <a:buChar char="•"/>
+              <a:defRPr sz="1800" kern="1200">
+                <a:solidFill>
+                  <a:schemeClr val="tx1"/>
+                </a:solidFill>
+                <a:latin typeface="+mn-lt"/>
+                <a:ea typeface="+mn-ea"/>
+                <a:cs typeface="+mn-cs"/>
+              </a:defRPr>
+            </a:lvl5pPr>
+            <a:lvl6pPr marL="2514600" indent="-228600" algn="l" defTabSz="914400" rtl="0" eaLnBrk="1" latinLnBrk="0" hangingPunct="1">
+              <a:lnSpc>
+                <a:spcPct val="90000"/>
+              </a:lnSpc>
+              <a:spcBef>
+                <a:spcPts val="500"/>
+              </a:spcBef>
+              <a:buFont typeface="Arial" panose="020B0604020202020204" pitchFamily="34" charset="0"/>
+              <a:buChar char="•"/>
+              <a:defRPr sz="1800" kern="1200">
+                <a:solidFill>
+                  <a:schemeClr val="tx1"/>
+                </a:solidFill>
+                <a:latin typeface="+mn-lt"/>
+                <a:ea typeface="+mn-ea"/>
+                <a:cs typeface="+mn-cs"/>
+              </a:defRPr>
+            </a:lvl6pPr>
+            <a:lvl7pPr marL="2971800" indent="-228600" algn="l" defTabSz="914400" rtl="0" eaLnBrk="1" latinLnBrk="0" hangingPunct="1">
+              <a:lnSpc>
+                <a:spcPct val="90000"/>
+              </a:lnSpc>
+              <a:spcBef>
+                <a:spcPts val="500"/>
+              </a:spcBef>
+              <a:buFont typeface="Arial" panose="020B0604020202020204" pitchFamily="34" charset="0"/>
+              <a:buChar char="•"/>
+              <a:defRPr sz="1800" kern="1200">
+                <a:solidFill>
+                  <a:schemeClr val="tx1"/>
+                </a:solidFill>
+                <a:latin typeface="+mn-lt"/>
+                <a:ea typeface="+mn-ea"/>
+                <a:cs typeface="+mn-cs"/>
+              </a:defRPr>
+            </a:lvl7pPr>
+            <a:lvl8pPr marL="3429000" indent="-228600" algn="l" defTabSz="914400" rtl="0" eaLnBrk="1" latinLnBrk="0" hangingPunct="1">
+              <a:lnSpc>
+                <a:spcPct val="90000"/>
+              </a:lnSpc>
+              <a:spcBef>
+                <a:spcPts val="500"/>
+              </a:spcBef>
+              <a:buFont typeface="Arial" panose="020B0604020202020204" pitchFamily="34" charset="0"/>
+              <a:buChar char="•"/>
+              <a:defRPr sz="1800" kern="1200">
+                <a:solidFill>
+                  <a:schemeClr val="tx1"/>
+                </a:solidFill>
+                <a:latin typeface="+mn-lt"/>
+                <a:ea typeface="+mn-ea"/>
+                <a:cs typeface="+mn-cs"/>
+              </a:defRPr>
+            </a:lvl8pPr>
+            <a:lvl9pPr marL="3886200" indent="-228600" algn="l" defTabSz="914400" rtl="0" eaLnBrk="1" latinLnBrk="0" hangingPunct="1">
+              <a:lnSpc>
+                <a:spcPct val="90000"/>
+              </a:lnSpc>
+              <a:spcBef>
+                <a:spcPts val="500"/>
+              </a:spcBef>
+              <a:buFont typeface="Arial" panose="020B0604020202020204" pitchFamily="34" charset="0"/>
+              <a:buChar char="•"/>
+              <a:defRPr sz="1800" kern="1200">
+                <a:solidFill>
+                  <a:schemeClr val="tx1"/>
+                </a:solidFill>
+                <a:latin typeface="+mn-lt"/>
+                <a:ea typeface="+mn-ea"/>
+                <a:cs typeface="+mn-cs"/>
+              </a:defRPr>
+            </a:lvl9pPr>
+          </a:lstStyle>
+          <a:p>
+            <a:r>
+              <a:rPr lang="fr-FR" sz="2000" noProof="1"/>
+              <a:t>Les ancres dans la barre de navigation ne sont pas tous fonctionnel</a:t>
+            </a:r>
+          </a:p>
+          <a:p>
+            <a:endParaRPr lang="fr-FR" sz="2000" noProof="1"/>
+          </a:p>
+          <a:p>
+            <a:r>
+              <a:rPr lang="fr-FR" sz="2000" noProof="1"/>
+              <a:t>Les boutons radio du carrousel ne s’actualise pas en fonction de la photo sélectionner</a:t>
+            </a:r>
+          </a:p>
+          <a:p>
+            <a:endParaRPr lang="fr-FR" sz="2000" noProof="1"/>
+          </a:p>
+          <a:p>
+            <a:r>
+              <a:rPr lang="fr-FR" sz="2000" noProof="1"/>
+              <a:t>les photos sortent du cadre du site</a:t>
+            </a:r>
+          </a:p>
+          <a:p>
+            <a:endParaRPr lang="fr-FR" sz="2000" noProof="1"/>
+          </a:p>
+          <a:p>
+            <a:r>
+              <a:rPr lang="fr-FR" sz="2000" noProof="1"/>
+              <a:t>La carte évènement dans le footer du site ne fonctionne pas</a:t>
+            </a:r>
+          </a:p>
+          <a:p>
+            <a:endParaRPr lang="fr-FR" noProof="1"/>
+          </a:p>
+        </p:txBody>
+      </p:sp>
+    </p:spTree>
+    <p:extLst>
+      <p:ext uri="{BB962C8B-B14F-4D97-AF65-F5344CB8AC3E}">
+        <p14:creationId xmlns:p14="http://schemas.microsoft.com/office/powerpoint/2010/main" val="3927950662"/>
+      </p:ext>
+    </p:extLst>
+  </p:cSld>
+  <p:clrMapOvr>
+    <a:masterClrMapping/>
+  </p:clrMapOvr>
+</p:sld>
+</file>
+
+<file path=ppt/slides/slide7.xml><?xml version="1.0" encoding="utf-8"?>
+<p:sld xmlns:a="http://schemas.openxmlformats.org/drawingml/2006/main" xmlns:r="http://schemas.openxmlformats.org/officeDocument/2006/relationships" xmlns:p="http://schemas.openxmlformats.org/presentationml/2006/main">
+  <p:cSld>
+    <p:spTree>
+      <p:nvGrpSpPr>
+        <p:cNvPr id="1" name="">
+          <a:extLst>
+            <a:ext uri="{FF2B5EF4-FFF2-40B4-BE49-F238E27FC236}">
+              <a16:creationId xmlns:a16="http://schemas.microsoft.com/office/drawing/2014/main" id="{2D551815-E11B-F26D-7EB5-5979094DD512}"/>
+            </a:ext>
+          </a:extLst>
+        </p:cNvPr>
+        <p:cNvGrpSpPr/>
+        <p:nvPr/>
+      </p:nvGrpSpPr>
+      <p:grpSpPr>
+        <a:xfrm>
+          <a:off x="0" y="0"/>
+          <a:ext cx="0" cy="0"/>
+          <a:chOff x="0" y="0"/>
+          <a:chExt cx="0" cy="0"/>
+        </a:xfrm>
+      </p:grpSpPr>
+      <p:sp>
+        <p:nvSpPr>
+          <p:cNvPr id="2" name="Titre 1">
+            <a:extLst>
+              <a:ext uri="{FF2B5EF4-FFF2-40B4-BE49-F238E27FC236}">
+                <a16:creationId xmlns:a16="http://schemas.microsoft.com/office/drawing/2014/main" id="{5EE89E62-152E-7F52-5460-CE57B679382A}"/>
+              </a:ext>
+            </a:extLst>
+          </p:cNvPr>
+          <p:cNvSpPr>
+            <a:spLocks noGrp="1"/>
+          </p:cNvSpPr>
+          <p:nvPr>
+            <p:ph type="title"/>
+          </p:nvPr>
+        </p:nvSpPr>
+        <p:spPr/>
+        <p:txBody>
+          <a:bodyPr rtlCol="0">
+            <a:normAutofit/>
+          </a:bodyPr>
+          <a:lstStyle/>
+          <a:p>
+            <a:pPr rtl="0"/>
+            <a:r>
+              <a:rPr lang="fr-FR" noProof="1">
+                <a:solidFill>
+                  <a:srgbClr val="FFFFFF"/>
+                </a:solidFill>
+              </a:rPr>
+              <a:t>Correction des bugs</a:t>
+            </a:r>
+            <a:endParaRPr lang="fr-FR" noProof="1"/>
+          </a:p>
+        </p:txBody>
+      </p:sp>
+    </p:spTree>
+    <p:extLst>
+      <p:ext uri="{BB962C8B-B14F-4D97-AF65-F5344CB8AC3E}">
+        <p14:creationId xmlns:p14="http://schemas.microsoft.com/office/powerpoint/2010/main" val="879122098"/>
+      </p:ext>
+    </p:extLst>
+  </p:cSld>
+  <p:clrMapOvr>
+    <a:masterClrMapping/>
+  </p:clrMapOvr>
+</p:sld>
+</file>
+
+<file path=ppt/slides/slide8.xml><?xml version="1.0" encoding="utf-8"?>
+<p:sld xmlns:a="http://schemas.openxmlformats.org/drawingml/2006/main" xmlns:r="http://schemas.openxmlformats.org/officeDocument/2006/relationships" xmlns:p="http://schemas.openxmlformats.org/presentationml/2006/main">
+  <p:cSld>
+    <p:spTree>
+      <p:nvGrpSpPr>
+        <p:cNvPr id="1" name=""/>
+        <p:cNvGrpSpPr/>
+        <p:nvPr/>
+      </p:nvGrpSpPr>
+      <p:grpSpPr>
+        <a:xfrm>
+          <a:off x="0" y="0"/>
+          <a:ext cx="0" cy="0"/>
+          <a:chOff x="0" y="0"/>
+          <a:chExt cx="0" cy="0"/>
+        </a:xfrm>
+      </p:grpSpPr>
+      <p:sp>
+        <p:nvSpPr>
+          <p:cNvPr id="10" name="Espace réservé du contenu 4">
+            <a:extLst>
+              <a:ext uri="{FF2B5EF4-FFF2-40B4-BE49-F238E27FC236}">
+                <a16:creationId xmlns:a16="http://schemas.microsoft.com/office/drawing/2014/main" id="{32FCB8AF-2F05-27E1-818A-780CE8D03489}"/>
+              </a:ext>
+            </a:extLst>
+          </p:cNvPr>
+          <p:cNvSpPr>
+            <a:spLocks noGrp="1"/>
+          </p:cNvSpPr>
+          <p:nvPr>
+            <p:ph idx="1"/>
+          </p:nvPr>
+        </p:nvSpPr>
+        <p:spPr>
+          <a:xfrm>
+            <a:off x="314209" y="381138"/>
+            <a:ext cx="5463739" cy="6138932"/>
+          </a:xfrm>
+        </p:spPr>
+        <p:txBody>
+          <a:bodyPr rtlCol="0">
+            <a:normAutofit/>
+          </a:bodyPr>
+          <a:lstStyle/>
+          <a:p>
+            <a:r>
+              <a:rPr lang="fr-FR" sz="2400" noProof="1"/>
+              <a:t>Le carrousel s’affiche dans un ordre aléatoire et uniquement 2 photos sur les 3</a:t>
+            </a:r>
+          </a:p>
+          <a:p>
+            <a:pPr marL="0" indent="0" rtl="0">
+              <a:buNone/>
+            </a:pPr>
+            <a:endParaRPr lang="fr-FR" noProof="1"/>
+          </a:p>
+          <a:p>
+            <a:pPr marL="0" indent="0" rtl="0">
+              <a:buNone/>
+            </a:pPr>
+            <a:r>
+              <a:rPr lang="fr-FR" sz="1800" noProof="1"/>
+              <a:t>Nous avions cette partie de code pour générer le carrousel, malheureusement elle ne fonctionne pas, car en js on commence a compter a 0, length va donc compter jusqu’à 2 mais nous avons bien 3 photos</a:t>
+            </a:r>
+          </a:p>
+          <a:p>
+            <a:pPr marL="0" indent="0" rtl="0">
+              <a:buNone/>
+            </a:pPr>
+            <a:endParaRPr lang="fr-FR" sz="1800" noProof="1"/>
+          </a:p>
+          <a:p>
+            <a:pPr marL="0" indent="0" rtl="0">
+              <a:buNone/>
+            </a:pPr>
+            <a:r>
+              <a:rPr lang="fr-FR" sz="1800" noProof="1"/>
+              <a:t>Nous allons donc modifier length</a:t>
+            </a:r>
+          </a:p>
+          <a:p>
+            <a:pPr marL="0" indent="0" rtl="0">
+              <a:buNone/>
+            </a:pPr>
+            <a:endParaRPr lang="fr-FR" noProof="1"/>
+          </a:p>
+        </p:txBody>
+      </p:sp>
+      <p:pic>
+        <p:nvPicPr>
+          <p:cNvPr id="12" name="Image 11">
+            <a:extLst>
+              <a:ext uri="{FF2B5EF4-FFF2-40B4-BE49-F238E27FC236}">
+                <a16:creationId xmlns:a16="http://schemas.microsoft.com/office/drawing/2014/main" id="{916D3ADC-26BB-86EE-03BF-5C448ECB46A3}"/>
+              </a:ext>
+            </a:extLst>
+          </p:cNvPr>
+          <p:cNvPicPr>
+            <a:picLocks noChangeAspect="1"/>
+          </p:cNvPicPr>
+          <p:nvPr/>
+        </p:nvPicPr>
+        <p:blipFill>
+          <a:blip r:embed="rId3"/>
+          <a:stretch>
+            <a:fillRect/>
+          </a:stretch>
+        </p:blipFill>
+        <p:spPr>
+          <a:xfrm>
+            <a:off x="1200506" y="3345829"/>
+            <a:ext cx="3876675" cy="209550"/>
+          </a:xfrm>
+          <a:prstGeom prst="rect">
+            <a:avLst/>
+          </a:prstGeom>
+        </p:spPr>
+      </p:pic>
+      <p:pic>
+        <p:nvPicPr>
+          <p:cNvPr id="14" name="Image 13">
+            <a:extLst>
+              <a:ext uri="{FF2B5EF4-FFF2-40B4-BE49-F238E27FC236}">
+                <a16:creationId xmlns:a16="http://schemas.microsoft.com/office/drawing/2014/main" id="{4A0CB481-E993-DCCA-6769-8B5CABA42F82}"/>
+              </a:ext>
+            </a:extLst>
+          </p:cNvPr>
+          <p:cNvPicPr>
+            <a:picLocks noChangeAspect="1"/>
+          </p:cNvPicPr>
+          <p:nvPr/>
+        </p:nvPicPr>
+        <p:blipFill>
+          <a:blip r:embed="rId4"/>
+          <a:stretch>
+            <a:fillRect/>
+          </a:stretch>
+        </p:blipFill>
+        <p:spPr>
+          <a:xfrm>
+            <a:off x="905231" y="4418357"/>
+            <a:ext cx="4171950" cy="247650"/>
+          </a:xfrm>
+          <a:prstGeom prst="rect">
+            <a:avLst/>
+          </a:prstGeom>
+        </p:spPr>
+      </p:pic>
+      <p:sp>
+        <p:nvSpPr>
+          <p:cNvPr id="15" name="Espace réservé du contenu 4">
+            <a:extLst>
+              <a:ext uri="{FF2B5EF4-FFF2-40B4-BE49-F238E27FC236}">
+                <a16:creationId xmlns:a16="http://schemas.microsoft.com/office/drawing/2014/main" id="{5DC03504-9A0A-54FE-BAF6-82DAD777E00C}"/>
+              </a:ext>
+            </a:extLst>
+          </p:cNvPr>
+          <p:cNvSpPr txBox="1">
+            <a:spLocks/>
+          </p:cNvSpPr>
+          <p:nvPr/>
+        </p:nvSpPr>
+        <p:spPr>
+          <a:xfrm>
+            <a:off x="6218052" y="359534"/>
+            <a:ext cx="5463739" cy="6138932"/>
+          </a:xfrm>
+          <a:prstGeom prst="rect">
+            <a:avLst/>
+          </a:prstGeom>
+        </p:spPr>
+        <p:txBody>
+          <a:bodyPr vert="horz" lIns="91440" tIns="45720" rIns="91440" bIns="45720" rtlCol="0">
+            <a:normAutofit/>
+          </a:bodyPr>
+          <a:lstStyle>
+            <a:lvl1pPr marL="228600" indent="-228600" algn="l" defTabSz="914400" rtl="0" eaLnBrk="1" latinLnBrk="0" hangingPunct="1">
+              <a:lnSpc>
+                <a:spcPct val="90000"/>
+              </a:lnSpc>
+              <a:spcBef>
+                <a:spcPts val="1000"/>
+              </a:spcBef>
+              <a:buFont typeface="Arial" panose="020B0604020202020204" pitchFamily="34" charset="0"/>
+              <a:buChar char="•"/>
+              <a:defRPr sz="2800" kern="1200">
+                <a:solidFill>
+                  <a:schemeClr val="tx1"/>
+                </a:solidFill>
+                <a:latin typeface="+mn-lt"/>
+                <a:ea typeface="+mn-ea"/>
+                <a:cs typeface="+mn-cs"/>
+              </a:defRPr>
+            </a:lvl1pPr>
+            <a:lvl2pPr marL="685800" indent="-228600" algn="l" defTabSz="914400" rtl="0" eaLnBrk="1" latinLnBrk="0" hangingPunct="1">
+              <a:lnSpc>
+                <a:spcPct val="90000"/>
+              </a:lnSpc>
+              <a:spcBef>
+                <a:spcPts val="500"/>
+              </a:spcBef>
+              <a:buFont typeface="Arial" panose="020B0604020202020204" pitchFamily="34" charset="0"/>
+              <a:buChar char="•"/>
+              <a:defRPr sz="2400" kern="1200">
+                <a:solidFill>
+                  <a:schemeClr val="tx1"/>
+                </a:solidFill>
+                <a:latin typeface="+mn-lt"/>
+                <a:ea typeface="+mn-ea"/>
+                <a:cs typeface="+mn-cs"/>
+              </a:defRPr>
+            </a:lvl2pPr>
+            <a:lvl3pPr marL="1143000" indent="-228600" algn="l" defTabSz="914400" rtl="0" eaLnBrk="1" latinLnBrk="0" hangingPunct="1">
+              <a:lnSpc>
+                <a:spcPct val="90000"/>
+              </a:lnSpc>
+              <a:spcBef>
+                <a:spcPts val="500"/>
+              </a:spcBef>
+              <a:buFont typeface="Arial" panose="020B0604020202020204" pitchFamily="34" charset="0"/>
+              <a:buChar char="•"/>
+              <a:defRPr sz="2000" kern="1200">
+                <a:solidFill>
+                  <a:schemeClr val="tx1"/>
+                </a:solidFill>
+                <a:latin typeface="+mn-lt"/>
+                <a:ea typeface="+mn-ea"/>
+                <a:cs typeface="+mn-cs"/>
+              </a:defRPr>
+            </a:lvl3pPr>
+            <a:lvl4pPr marL="1600200" indent="-228600" algn="l" defTabSz="914400" rtl="0" eaLnBrk="1" latinLnBrk="0" hangingPunct="1">
+              <a:lnSpc>
+                <a:spcPct val="90000"/>
+              </a:lnSpc>
+              <a:spcBef>
+                <a:spcPts val="500"/>
+              </a:spcBef>
+              <a:buFont typeface="Arial" panose="020B0604020202020204" pitchFamily="34" charset="0"/>
+              <a:buChar char="•"/>
+              <a:defRPr sz="1800" kern="1200">
+                <a:solidFill>
+                  <a:schemeClr val="tx1"/>
+                </a:solidFill>
+                <a:latin typeface="+mn-lt"/>
+                <a:ea typeface="+mn-ea"/>
+                <a:cs typeface="+mn-cs"/>
+              </a:defRPr>
+            </a:lvl4pPr>
+            <a:lvl5pPr marL="2057400" indent="-228600" algn="l" defTabSz="914400" rtl="0" eaLnBrk="1" latinLnBrk="0" hangingPunct="1">
+              <a:lnSpc>
+                <a:spcPct val="90000"/>
+              </a:lnSpc>
+              <a:spcBef>
+                <a:spcPts val="500"/>
+              </a:spcBef>
+              <a:buFont typeface="Arial" panose="020B0604020202020204" pitchFamily="34" charset="0"/>
+              <a:buChar char="•"/>
+              <a:defRPr sz="1800" kern="1200">
+                <a:solidFill>
+                  <a:schemeClr val="tx1"/>
+                </a:solidFill>
+                <a:latin typeface="+mn-lt"/>
+                <a:ea typeface="+mn-ea"/>
+                <a:cs typeface="+mn-cs"/>
+              </a:defRPr>
+            </a:lvl5pPr>
+            <a:lvl6pPr marL="2514600" indent="-228600" algn="l" defTabSz="914400" rtl="0" eaLnBrk="1" latinLnBrk="0" hangingPunct="1">
+              <a:lnSpc>
+                <a:spcPct val="90000"/>
+              </a:lnSpc>
+              <a:spcBef>
+                <a:spcPts val="500"/>
+              </a:spcBef>
+              <a:buFont typeface="Arial" panose="020B0604020202020204" pitchFamily="34" charset="0"/>
+              <a:buChar char="•"/>
+              <a:defRPr sz="1800" kern="1200">
+                <a:solidFill>
+                  <a:schemeClr val="tx1"/>
+                </a:solidFill>
+                <a:latin typeface="+mn-lt"/>
+                <a:ea typeface="+mn-ea"/>
+                <a:cs typeface="+mn-cs"/>
+              </a:defRPr>
+            </a:lvl6pPr>
+            <a:lvl7pPr marL="2971800" indent="-228600" algn="l" defTabSz="914400" rtl="0" eaLnBrk="1" latinLnBrk="0" hangingPunct="1">
+              <a:lnSpc>
+                <a:spcPct val="90000"/>
+              </a:lnSpc>
+              <a:spcBef>
+                <a:spcPts val="500"/>
+              </a:spcBef>
+              <a:buFont typeface="Arial" panose="020B0604020202020204" pitchFamily="34" charset="0"/>
+              <a:buChar char="•"/>
+              <a:defRPr sz="1800" kern="1200">
+                <a:solidFill>
+                  <a:schemeClr val="tx1"/>
+                </a:solidFill>
+                <a:latin typeface="+mn-lt"/>
+                <a:ea typeface="+mn-ea"/>
+                <a:cs typeface="+mn-cs"/>
+              </a:defRPr>
+            </a:lvl7pPr>
+            <a:lvl8pPr marL="3429000" indent="-228600" algn="l" defTabSz="914400" rtl="0" eaLnBrk="1" latinLnBrk="0" hangingPunct="1">
+              <a:lnSpc>
+                <a:spcPct val="90000"/>
+              </a:lnSpc>
+              <a:spcBef>
+                <a:spcPts val="500"/>
+              </a:spcBef>
+              <a:buFont typeface="Arial" panose="020B0604020202020204" pitchFamily="34" charset="0"/>
+              <a:buChar char="•"/>
+              <a:defRPr sz="1800" kern="1200">
+                <a:solidFill>
+                  <a:schemeClr val="tx1"/>
+                </a:solidFill>
+                <a:latin typeface="+mn-lt"/>
+                <a:ea typeface="+mn-ea"/>
+                <a:cs typeface="+mn-cs"/>
+              </a:defRPr>
+            </a:lvl8pPr>
+            <a:lvl9pPr marL="3886200" indent="-228600" algn="l" defTabSz="914400" rtl="0" eaLnBrk="1" latinLnBrk="0" hangingPunct="1">
+              <a:lnSpc>
+                <a:spcPct val="90000"/>
+              </a:lnSpc>
+              <a:spcBef>
+                <a:spcPts val="500"/>
+              </a:spcBef>
+              <a:buFont typeface="Arial" panose="020B0604020202020204" pitchFamily="34" charset="0"/>
+              <a:buChar char="•"/>
+              <a:defRPr sz="1800" kern="1200">
+                <a:solidFill>
+                  <a:schemeClr val="tx1"/>
+                </a:solidFill>
+                <a:latin typeface="+mn-lt"/>
+                <a:ea typeface="+mn-ea"/>
+                <a:cs typeface="+mn-cs"/>
+              </a:defRPr>
+            </a:lvl9pPr>
+          </a:lstStyle>
+          <a:p>
+            <a:r>
+              <a:rPr lang="fr-FR" sz="2400" noProof="1"/>
+              <a:t>Le filtre dans la section nos réalisations ne fonctionne pas</a:t>
+            </a:r>
+          </a:p>
+          <a:p>
             <a:pPr marL="0" indent="0">
               <a:buFont typeface="Arial" panose="020B0604020202020204" pitchFamily="34" charset="0"/>
               <a:buNone/>
@@ -15137,17 +16965,111 @@
               <a:buFont typeface="Arial" panose="020B0604020202020204" pitchFamily="34" charset="0"/>
               <a:buNone/>
             </a:pPr>
-            <a:endParaRPr lang="fr-FR" noProof="1"/>
+            <a:r>
+              <a:rPr lang="fr-FR" sz="1800" noProof="1"/>
+              <a:t>Nous avions cette partie de code pour générer le filtre des réalisations, malheureusement celui-ci compare 2 élément similaire</a:t>
+            </a:r>
           </a:p>
           <a:p>
             <a:pPr marL="0" indent="0">
               <a:buFont typeface="Arial" panose="020B0604020202020204" pitchFamily="34" charset="0"/>
               <a:buNone/>
             </a:pPr>
+            <a:endParaRPr lang="fr-FR" sz="1800" noProof="1"/>
+          </a:p>
+          <a:p>
+            <a:pPr marL="0" indent="0">
+              <a:buFont typeface="Arial" panose="020B0604020202020204" pitchFamily="34" charset="0"/>
+              <a:buNone/>
+            </a:pPr>
+            <a:endParaRPr lang="fr-FR" sz="1800" noProof="1"/>
+          </a:p>
+          <a:p>
+            <a:pPr marL="0" indent="0">
+              <a:buFont typeface="Arial" panose="020B0604020202020204" pitchFamily="34" charset="0"/>
+              <a:buNone/>
+            </a:pPr>
+            <a:endParaRPr lang="fr-FR" sz="1800" noProof="1"/>
+          </a:p>
+          <a:p>
+            <a:pPr marL="0" indent="0">
+              <a:buFont typeface="Arial" panose="020B0604020202020204" pitchFamily="34" charset="0"/>
+              <a:buNone/>
+            </a:pPr>
+            <a:r>
+              <a:rPr lang="fr-FR" sz="1800" noProof="1"/>
+              <a:t>Nous l’avons donc modifier afin de filtrer les éléments grâce au bouton sélection</a:t>
+            </a:r>
+          </a:p>
+          <a:p>
+            <a:pPr marL="0" indent="0">
+              <a:buFont typeface="Arial" panose="020B0604020202020204" pitchFamily="34" charset="0"/>
+              <a:buNone/>
+            </a:pPr>
             <a:endParaRPr lang="fr-FR" noProof="1"/>
           </a:p>
         </p:txBody>
       </p:sp>
+      <p:pic>
+        <p:nvPicPr>
+          <p:cNvPr id="5" name="Image 4">
+            <a:extLst>
+              <a:ext uri="{FF2B5EF4-FFF2-40B4-BE49-F238E27FC236}">
+                <a16:creationId xmlns:a16="http://schemas.microsoft.com/office/drawing/2014/main" id="{C5018D08-A5D3-31D3-4400-0B85076ADA1E}"/>
+              </a:ext>
+            </a:extLst>
+          </p:cNvPr>
+          <p:cNvPicPr>
+            <a:picLocks noChangeAspect="1"/>
+          </p:cNvPicPr>
+          <p:nvPr/>
+        </p:nvPicPr>
+        <p:blipFill>
+          <a:blip r:embed="rId5"/>
+          <a:stretch>
+            <a:fillRect/>
+          </a:stretch>
+        </p:blipFill>
+        <p:spPr>
+          <a:xfrm>
+            <a:off x="6923638" y="2793379"/>
+            <a:ext cx="3857625" cy="552450"/>
+          </a:xfrm>
+          <a:prstGeom prst="rect">
+            <a:avLst/>
+          </a:prstGeom>
+        </p:spPr>
+      </p:pic>
+      <p:pic>
+        <p:nvPicPr>
+          <p:cNvPr id="7" name="Image 6">
+            <a:extLst>
+              <a:ext uri="{FF2B5EF4-FFF2-40B4-BE49-F238E27FC236}">
+                <a16:creationId xmlns:a16="http://schemas.microsoft.com/office/drawing/2014/main" id="{373BFB63-8708-2BEF-9206-C6D11A0CADC5}"/>
+              </a:ext>
+            </a:extLst>
+          </p:cNvPr>
+          <p:cNvPicPr>
+            <a:picLocks noChangeAspect="1"/>
+          </p:cNvPicPr>
+          <p:nvPr/>
+        </p:nvPicPr>
+        <p:blipFill>
+          <a:blip r:embed="rId6"/>
+          <a:stretch>
+            <a:fillRect/>
+          </a:stretch>
+        </p:blipFill>
+        <p:spPr>
+          <a:xfrm>
+            <a:off x="6218052" y="4418357"/>
+            <a:ext cx="5586202" cy="379005"/>
+          </a:xfrm>
+          <a:prstGeom prst="rect">
+            <a:avLst/>
+          </a:prstGeom>
+        </p:spPr>
+      </p:pic>
     </p:spTree>
     <p:extLst>
       <p:ext uri="{BB962C8B-B14F-4D97-AF65-F5344CB8AC3E}">
@@ -15166,7 +17088,13 @@
   <p:cSld>
     <p:spTree>
       <p:nvGrpSpPr>
-        <p:cNvPr id="1" name=""/>
+        <p:cNvPr id="1" name="">
+          <a:extLst>
+            <a:ext uri="{FF2B5EF4-FFF2-40B4-BE49-F238E27FC236}">
+              <a16:creationId xmlns:a16="http://schemas.microsoft.com/office/drawing/2014/main" id="{BA4E8AC1-752D-8E9E-7074-38294E86CB9A}"/>
+            </a:ext>
+          </a:extLst>
+        </p:cNvPr>
         <p:cNvGrpSpPr/>
         <p:nvPr/>
       </p:nvGrpSpPr>
@@ -15180,10 +17108,10 @@
       </p:grpSpPr>
       <p:sp>
         <p:nvSpPr>
-          <p:cNvPr id="2" name="Titre 1">
-            <a:extLst>
-              <a:ext uri="{FF2B5EF4-FFF2-40B4-BE49-F238E27FC236}">
-                <a16:creationId xmlns:a16="http://schemas.microsoft.com/office/drawing/2014/main" id="{1D46624E-1256-4074-A302-8EFDA23D77BF}"/>
+          <p:cNvPr id="4" name="Espace réservé du contenu 4">
+            <a:extLst>
+              <a:ext uri="{FF2B5EF4-FFF2-40B4-BE49-F238E27FC236}">
+                <a16:creationId xmlns:a16="http://schemas.microsoft.com/office/drawing/2014/main" id="{510B8E46-DE2A-B97D-30F3-1309BEDCEE24}"/>
               </a:ext>
             </a:extLst>
           </p:cNvPr>
@@ -15191,223 +17119,309 @@
             <a:spLocks noGrp="1"/>
           </p:cNvSpPr>
           <p:nvPr>
-            <p:ph type="title"/>
+            <p:ph idx="1"/>
           </p:nvPr>
         </p:nvSpPr>
-        <p:spPr/>
-        <p:txBody>
-          <a:bodyPr rtlCol="0"/>
+        <p:spPr>
+          <a:xfrm>
+            <a:off x="314209" y="381138"/>
+            <a:ext cx="5463739" cy="6138932"/>
+          </a:xfrm>
+        </p:spPr>
+        <p:txBody>
+          <a:bodyPr rtlCol="0">
+            <a:normAutofit/>
+          </a:bodyPr>
           <a:lstStyle/>
           <a:p>
-            <a:pPr rtl="0"/>
             <a:r>
-              <a:rPr lang="fr-FR" noProof="1"/>
-              <a:t>Contenu</a:t>
+              <a:rPr lang="fr-FR" sz="2400" noProof="1"/>
+              <a:t>Le formulaire s’envoie mais le message de confirmation ne s’affiche pas</a:t>
             </a:r>
           </a:p>
-        </p:txBody>
-      </p:sp>
-      <p:sp>
-        <p:nvSpPr>
-          <p:cNvPr id="3" name="Espace réservé du texte 2">
-            <a:extLst>
-              <a:ext uri="{FF2B5EF4-FFF2-40B4-BE49-F238E27FC236}">
-                <a16:creationId xmlns:a16="http://schemas.microsoft.com/office/drawing/2014/main" id="{33E8A40A-0195-4B3A-81F2-8B76B68F974F}"/>
-              </a:ext>
-            </a:extLst>
-          </p:cNvPr>
-          <p:cNvSpPr>
-            <a:spLocks noGrp="1"/>
+          <a:p>
+            <a:pPr marL="0" indent="0" rtl="0">
+              <a:buNone/>
+            </a:pPr>
+            <a:endParaRPr lang="fr-FR" noProof="1"/>
+          </a:p>
+          <a:p>
+            <a:pPr marL="0" indent="0" rtl="0">
+              <a:buNone/>
+            </a:pPr>
+            <a:r>
+              <a:rPr lang="fr-FR" sz="1800" noProof="1"/>
+              <a:t>Nous avions ce bout de code qui nous permet d’envoyer les informations de contact que l’utilisateur a remplis, nous avons bien l’appel a la fonction onError si le message ne s’envoie pas, mais il manque quelque chose pour avoir le message de confirmation </a:t>
+            </a:r>
+          </a:p>
+        </p:txBody>
+      </p:sp>
+      <p:pic>
+        <p:nvPicPr>
+          <p:cNvPr id="8" name="Image 7">
+            <a:extLst>
+              <a:ext uri="{FF2B5EF4-FFF2-40B4-BE49-F238E27FC236}">
+                <a16:creationId xmlns:a16="http://schemas.microsoft.com/office/drawing/2014/main" id="{CAB63B8B-8A91-2005-ED0A-6BA4A3F23BA1}"/>
+              </a:ext>
+            </a:extLst>
+          </p:cNvPr>
+          <p:cNvPicPr>
+            <a:picLocks noChangeAspect="1"/>
+          </p:cNvPicPr>
+          <p:nvPr/>
+        </p:nvPicPr>
+        <p:blipFill>
+          <a:blip r:embed="rId3"/>
+          <a:stretch>
+            <a:fillRect/>
+          </a:stretch>
+        </p:blipFill>
+        <p:spPr>
+          <a:xfrm>
+            <a:off x="1323089" y="3695562"/>
+            <a:ext cx="3019425" cy="2781300"/>
+          </a:xfrm>
+          <a:prstGeom prst="rect">
+            <a:avLst/>
+          </a:prstGeom>
+        </p:spPr>
+      </p:pic>
+      <p:sp>
+        <p:nvSpPr>
+          <p:cNvPr id="9" name="Espace réservé du contenu 4">
+            <a:extLst>
+              <a:ext uri="{FF2B5EF4-FFF2-40B4-BE49-F238E27FC236}">
+                <a16:creationId xmlns:a16="http://schemas.microsoft.com/office/drawing/2014/main" id="{31B568F6-66D2-DDB3-A55F-17829BA33818}"/>
+              </a:ext>
+            </a:extLst>
+          </p:cNvPr>
+          <p:cNvSpPr txBox="1">
+            <a:spLocks/>
           </p:cNvSpPr>
-          <p:nvPr>
-            <p:ph type="body" idx="1"/>
-          </p:nvPr>
-        </p:nvSpPr>
-        <p:spPr/>
-        <p:txBody>
-          <a:bodyPr rtlCol="0"/>
-          <a:lstStyle/>
-          <a:p>
-            <a:pPr rtl="0"/>
+          <p:nvPr/>
+        </p:nvSpPr>
+        <p:spPr>
+          <a:xfrm>
+            <a:off x="5926504" y="381138"/>
+            <a:ext cx="5463739" cy="6138932"/>
+          </a:xfrm>
+          <a:prstGeom prst="rect">
+            <a:avLst/>
+          </a:prstGeom>
+        </p:spPr>
+        <p:txBody>
+          <a:bodyPr vert="horz" lIns="91440" tIns="45720" rIns="91440" bIns="45720" rtlCol="0">
+            <a:normAutofit/>
+          </a:bodyPr>
+          <a:lstStyle>
+            <a:lvl1pPr marL="228600" indent="-228600" algn="l" defTabSz="914400" rtl="0" eaLnBrk="1" latinLnBrk="0" hangingPunct="1">
+              <a:lnSpc>
+                <a:spcPct val="90000"/>
+              </a:lnSpc>
+              <a:spcBef>
+                <a:spcPts val="1000"/>
+              </a:spcBef>
+              <a:buFont typeface="Arial" panose="020B0604020202020204" pitchFamily="34" charset="0"/>
+              <a:buChar char="•"/>
+              <a:defRPr sz="2800" kern="1200">
+                <a:solidFill>
+                  <a:schemeClr val="tx1"/>
+                </a:solidFill>
+                <a:latin typeface="+mn-lt"/>
+                <a:ea typeface="+mn-ea"/>
+                <a:cs typeface="+mn-cs"/>
+              </a:defRPr>
+            </a:lvl1pPr>
+            <a:lvl2pPr marL="685800" indent="-228600" algn="l" defTabSz="914400" rtl="0" eaLnBrk="1" latinLnBrk="0" hangingPunct="1">
+              <a:lnSpc>
+                <a:spcPct val="90000"/>
+              </a:lnSpc>
+              <a:spcBef>
+                <a:spcPts val="500"/>
+              </a:spcBef>
+              <a:buFont typeface="Arial" panose="020B0604020202020204" pitchFamily="34" charset="0"/>
+              <a:buChar char="•"/>
+              <a:defRPr sz="2400" kern="1200">
+                <a:solidFill>
+                  <a:schemeClr val="tx1"/>
+                </a:solidFill>
+                <a:latin typeface="+mn-lt"/>
+                <a:ea typeface="+mn-ea"/>
+                <a:cs typeface="+mn-cs"/>
+              </a:defRPr>
+            </a:lvl2pPr>
+            <a:lvl3pPr marL="1143000" indent="-228600" algn="l" defTabSz="914400" rtl="0" eaLnBrk="1" latinLnBrk="0" hangingPunct="1">
+              <a:lnSpc>
+                <a:spcPct val="90000"/>
+              </a:lnSpc>
+              <a:spcBef>
+                <a:spcPts val="500"/>
+              </a:spcBef>
+              <a:buFont typeface="Arial" panose="020B0604020202020204" pitchFamily="34" charset="0"/>
+              <a:buChar char="•"/>
+              <a:defRPr sz="2000" kern="1200">
+                <a:solidFill>
+                  <a:schemeClr val="tx1"/>
+                </a:solidFill>
+                <a:latin typeface="+mn-lt"/>
+                <a:ea typeface="+mn-ea"/>
+                <a:cs typeface="+mn-cs"/>
+              </a:defRPr>
+            </a:lvl3pPr>
+            <a:lvl4pPr marL="1600200" indent="-228600" algn="l" defTabSz="914400" rtl="0" eaLnBrk="1" latinLnBrk="0" hangingPunct="1">
+              <a:lnSpc>
+                <a:spcPct val="90000"/>
+              </a:lnSpc>
+              <a:spcBef>
+                <a:spcPts val="500"/>
+              </a:spcBef>
+              <a:buFont typeface="Arial" panose="020B0604020202020204" pitchFamily="34" charset="0"/>
+              <a:buChar char="•"/>
+              <a:defRPr sz="1800" kern="1200">
+                <a:solidFill>
+                  <a:schemeClr val="tx1"/>
+                </a:solidFill>
+                <a:latin typeface="+mn-lt"/>
+                <a:ea typeface="+mn-ea"/>
+                <a:cs typeface="+mn-cs"/>
+              </a:defRPr>
+            </a:lvl4pPr>
+            <a:lvl5pPr marL="2057400" indent="-228600" algn="l" defTabSz="914400" rtl="0" eaLnBrk="1" latinLnBrk="0" hangingPunct="1">
+              <a:lnSpc>
+                <a:spcPct val="90000"/>
+              </a:lnSpc>
+              <a:spcBef>
+                <a:spcPts val="500"/>
+              </a:spcBef>
+              <a:buFont typeface="Arial" panose="020B0604020202020204" pitchFamily="34" charset="0"/>
+              <a:buChar char="•"/>
+              <a:defRPr sz="1800" kern="1200">
+                <a:solidFill>
+                  <a:schemeClr val="tx1"/>
+                </a:solidFill>
+                <a:latin typeface="+mn-lt"/>
+                <a:ea typeface="+mn-ea"/>
+                <a:cs typeface="+mn-cs"/>
+              </a:defRPr>
+            </a:lvl5pPr>
+            <a:lvl6pPr marL="2514600" indent="-228600" algn="l" defTabSz="914400" rtl="0" eaLnBrk="1" latinLnBrk="0" hangingPunct="1">
+              <a:lnSpc>
+                <a:spcPct val="90000"/>
+              </a:lnSpc>
+              <a:spcBef>
+                <a:spcPts val="500"/>
+              </a:spcBef>
+              <a:buFont typeface="Arial" panose="020B0604020202020204" pitchFamily="34" charset="0"/>
+              <a:buChar char="•"/>
+              <a:defRPr sz="1800" kern="1200">
+                <a:solidFill>
+                  <a:schemeClr val="tx1"/>
+                </a:solidFill>
+                <a:latin typeface="+mn-lt"/>
+                <a:ea typeface="+mn-ea"/>
+                <a:cs typeface="+mn-cs"/>
+              </a:defRPr>
+            </a:lvl6pPr>
+            <a:lvl7pPr marL="2971800" indent="-228600" algn="l" defTabSz="914400" rtl="0" eaLnBrk="1" latinLnBrk="0" hangingPunct="1">
+              <a:lnSpc>
+                <a:spcPct val="90000"/>
+              </a:lnSpc>
+              <a:spcBef>
+                <a:spcPts val="500"/>
+              </a:spcBef>
+              <a:buFont typeface="Arial" panose="020B0604020202020204" pitchFamily="34" charset="0"/>
+              <a:buChar char="•"/>
+              <a:defRPr sz="1800" kern="1200">
+                <a:solidFill>
+                  <a:schemeClr val="tx1"/>
+                </a:solidFill>
+                <a:latin typeface="+mn-lt"/>
+                <a:ea typeface="+mn-ea"/>
+                <a:cs typeface="+mn-cs"/>
+              </a:defRPr>
+            </a:lvl7pPr>
+            <a:lvl8pPr marL="3429000" indent="-228600" algn="l" defTabSz="914400" rtl="0" eaLnBrk="1" latinLnBrk="0" hangingPunct="1">
+              <a:lnSpc>
+                <a:spcPct val="90000"/>
+              </a:lnSpc>
+              <a:spcBef>
+                <a:spcPts val="500"/>
+              </a:spcBef>
+              <a:buFont typeface="Arial" panose="020B0604020202020204" pitchFamily="34" charset="0"/>
+              <a:buChar char="•"/>
+              <a:defRPr sz="1800" kern="1200">
+                <a:solidFill>
+                  <a:schemeClr val="tx1"/>
+                </a:solidFill>
+                <a:latin typeface="+mn-lt"/>
+                <a:ea typeface="+mn-ea"/>
+                <a:cs typeface="+mn-cs"/>
+              </a:defRPr>
+            </a:lvl8pPr>
+            <a:lvl9pPr marL="3886200" indent="-228600" algn="l" defTabSz="914400" rtl="0" eaLnBrk="1" latinLnBrk="0" hangingPunct="1">
+              <a:lnSpc>
+                <a:spcPct val="90000"/>
+              </a:lnSpc>
+              <a:spcBef>
+                <a:spcPts val="500"/>
+              </a:spcBef>
+              <a:buFont typeface="Arial" panose="020B0604020202020204" pitchFamily="34" charset="0"/>
+              <a:buChar char="•"/>
+              <a:defRPr sz="1800" kern="1200">
+                <a:solidFill>
+                  <a:schemeClr val="tx1"/>
+                </a:solidFill>
+                <a:latin typeface="+mn-lt"/>
+                <a:ea typeface="+mn-ea"/>
+                <a:cs typeface="+mn-cs"/>
+              </a:defRPr>
+            </a:lvl9pPr>
+          </a:lstStyle>
+          <a:p>
+            <a:pPr marL="0" indent="0">
+              <a:buNone/>
+            </a:pPr>
             <a:r>
-              <a:rPr lang="fr-FR" noProof="1"/>
-              <a:t>Sous-titre</a:t>
+              <a:rPr lang="fr-FR" sz="1800" noProof="1"/>
+              <a:t>Nous avons rajouter l’appel a la fonction onSuccess qui nous permet d’afficher un message de confirmation d’envois</a:t>
             </a:r>
           </a:p>
         </p:txBody>
       </p:sp>
-      <p:sp>
-        <p:nvSpPr>
-          <p:cNvPr id="4" name="Espace réservé du contenu 3">
-            <a:extLst>
-              <a:ext uri="{FF2B5EF4-FFF2-40B4-BE49-F238E27FC236}">
-                <a16:creationId xmlns:a16="http://schemas.microsoft.com/office/drawing/2014/main" id="{A84DACD0-2773-4975-A2FE-3BD5764E1F61}"/>
-              </a:ext>
-            </a:extLst>
-          </p:cNvPr>
-          <p:cNvSpPr>
-            <a:spLocks noGrp="1"/>
-          </p:cNvSpPr>
-          <p:nvPr>
-            <p:ph sz="half" idx="2"/>
-          </p:nvPr>
-        </p:nvSpPr>
-        <p:spPr/>
-        <p:txBody>
-          <a:bodyPr rtlCol="0"/>
-          <a:lstStyle/>
-          <a:p>
-            <a:pPr rtl="0"/>
-            <a:r>
-              <a:rPr lang="fr-FR" noProof="1"/>
-              <a:t>Ajoutez du texte, des images, des dessins et des vidéos. </a:t>
-            </a:r>
-          </a:p>
-          <a:p>
-            <a:pPr rtl="0"/>
-            <a:r>
-              <a:rPr lang="fr-FR" noProof="1"/>
-              <a:t>Ajoutez des transitions, des animations et des mouvements. </a:t>
-            </a:r>
-          </a:p>
-          <a:p>
-            <a:pPr rtl="0"/>
-            <a:r>
-              <a:rPr lang="fr-FR" noProof="1"/>
-              <a:t>Enregistrez sur OneDrive et accédez à vos présentations à partir de votre ordinateur, tablette ou téléphone. </a:t>
-            </a:r>
-          </a:p>
-        </p:txBody>
-      </p:sp>
-      <p:sp>
-        <p:nvSpPr>
-          <p:cNvPr id="5" name="Espace réservé du texte 4">
-            <a:extLst>
-              <a:ext uri="{FF2B5EF4-FFF2-40B4-BE49-F238E27FC236}">
-                <a16:creationId xmlns:a16="http://schemas.microsoft.com/office/drawing/2014/main" id="{8FCFD254-68A8-4D88-9653-D6F0238D59BD}"/>
-              </a:ext>
-            </a:extLst>
-          </p:cNvPr>
-          <p:cNvSpPr>
-            <a:spLocks noGrp="1"/>
-          </p:cNvSpPr>
-          <p:nvPr>
-            <p:ph type="body" sz="quarter" idx="3"/>
-          </p:nvPr>
-        </p:nvSpPr>
-        <p:spPr/>
-        <p:txBody>
-          <a:bodyPr rtlCol="0"/>
-          <a:lstStyle/>
-          <a:p>
-            <a:pPr rtl="0"/>
-            <a:r>
-              <a:rPr lang="fr-FR" noProof="1"/>
-              <a:t>Sous-titre</a:t>
-            </a:r>
-          </a:p>
-        </p:txBody>
-      </p:sp>
-      <p:sp>
-        <p:nvSpPr>
-          <p:cNvPr id="6" name="Espace réservé du contenu 5">
-            <a:extLst>
-              <a:ext uri="{FF2B5EF4-FFF2-40B4-BE49-F238E27FC236}">
-                <a16:creationId xmlns:a16="http://schemas.microsoft.com/office/drawing/2014/main" id="{3905CD03-9B40-4AA4-B6AB-5B38436AB901}"/>
-              </a:ext>
-            </a:extLst>
-          </p:cNvPr>
-          <p:cNvSpPr>
-            <a:spLocks noGrp="1"/>
-          </p:cNvSpPr>
-          <p:nvPr>
-            <p:ph sz="quarter" idx="4"/>
-          </p:nvPr>
-        </p:nvSpPr>
-        <p:spPr/>
-        <p:txBody>
-          <a:bodyPr rtlCol="0"/>
-          <a:lstStyle/>
-          <a:p>
-            <a:pPr rtl="0"/>
-            <a:r>
-              <a:rPr lang="fr-FR" noProof="1"/>
-              <a:t>Ouvrez le volet Idées de conception pour transformer instantanément vos diapositives. </a:t>
-            </a:r>
-          </a:p>
-          <a:p>
-            <a:pPr rtl="0"/>
-            <a:r>
-              <a:rPr lang="fr-FR" noProof="1"/>
-              <a:t>Lorsque nous avons des idées de conception, c’est ici que nous vous les présentons. </a:t>
-            </a:r>
-          </a:p>
-        </p:txBody>
-      </p:sp>
-      <p:sp>
-        <p:nvSpPr>
-          <p:cNvPr id="19" name="Espace réservé du pied de page 18">
-            <a:extLst>
-              <a:ext uri="{FF2B5EF4-FFF2-40B4-BE49-F238E27FC236}">
-                <a16:creationId xmlns:a16="http://schemas.microsoft.com/office/drawing/2014/main" id="{A86EFF1E-AB9A-40FE-A0CF-794B56E5276A}"/>
-              </a:ext>
-            </a:extLst>
-          </p:cNvPr>
-          <p:cNvSpPr>
-            <a:spLocks noGrp="1"/>
-          </p:cNvSpPr>
-          <p:nvPr>
-            <p:ph type="ftr" sz="quarter" idx="11"/>
-          </p:nvPr>
-        </p:nvSpPr>
-        <p:spPr/>
-        <p:txBody>
-          <a:bodyPr rtlCol="0"/>
-          <a:lstStyle/>
-          <a:p>
-            <a:pPr lvl="0" rtl="0"/>
-            <a:r>
-              <a:rPr lang="fr-FR" noProof="1"/>
-              <a:t>Projet-10		Verbreuk Jordan</a:t>
-            </a:r>
-          </a:p>
-        </p:txBody>
-      </p:sp>
-      <p:sp>
-        <p:nvSpPr>
-          <p:cNvPr id="20" name="Espace réservé du numéro de diapositive 19">
-            <a:extLst>
-              <a:ext uri="{FF2B5EF4-FFF2-40B4-BE49-F238E27FC236}">
-                <a16:creationId xmlns:a16="http://schemas.microsoft.com/office/drawing/2014/main" id="{013C53F7-A9FD-4503-9396-7A3FE9D0C699}"/>
-              </a:ext>
-            </a:extLst>
-          </p:cNvPr>
-          <p:cNvSpPr>
-            <a:spLocks noGrp="1"/>
-          </p:cNvSpPr>
-          <p:nvPr>
-            <p:ph type="sldNum" sz="quarter" idx="12"/>
-          </p:nvPr>
-        </p:nvSpPr>
-        <p:spPr/>
-        <p:txBody>
-          <a:bodyPr rtlCol="0"/>
-          <a:lstStyle/>
-          <a:p>
-            <a:pPr lvl="0" rtl="0"/>
-            <a:fld id="{D76B855D-E9CC-4FF8-AD85-6CDC7B89A0DE}" type="slidenum">
-              <a:rPr lang="fr-FR" noProof="1" smtClean="0"/>
-              <a:pPr lvl="0" rtl="0"/>
-              <a:t>9</a:t>
-            </a:fld>
-            <a:endParaRPr lang="fr-FR" noProof="1"/>
-          </a:p>
-        </p:txBody>
-      </p:sp>
+      <p:pic>
+        <p:nvPicPr>
+          <p:cNvPr id="13" name="Image 12">
+            <a:extLst>
+              <a:ext uri="{FF2B5EF4-FFF2-40B4-BE49-F238E27FC236}">
+                <a16:creationId xmlns:a16="http://schemas.microsoft.com/office/drawing/2014/main" id="{ABA32EC2-0CCA-00B2-77DF-73E8015C31F4}"/>
+              </a:ext>
+            </a:extLst>
+          </p:cNvPr>
+          <p:cNvPicPr>
+            <a:picLocks noChangeAspect="1"/>
+          </p:cNvPicPr>
+          <p:nvPr/>
+        </p:nvPicPr>
+        <p:blipFill>
+          <a:blip r:embed="rId4"/>
+          <a:stretch>
+            <a:fillRect/>
+          </a:stretch>
+        </p:blipFill>
+        <p:spPr>
+          <a:xfrm>
+            <a:off x="7384567" y="1645133"/>
+            <a:ext cx="2962275" cy="2905125"/>
+          </a:xfrm>
+          <a:prstGeom prst="rect">
+            <a:avLst/>
+          </a:prstGeom>
+        </p:spPr>
+      </p:pic>
     </p:spTree>
     <p:extLst>
       <p:ext uri="{BB962C8B-B14F-4D97-AF65-F5344CB8AC3E}">
-        <p14:creationId xmlns:p14="http://schemas.microsoft.com/office/powerpoint/2010/main" val="1813910725"/>
+        <p14:creationId xmlns:p14="http://schemas.microsoft.com/office/powerpoint/2010/main" val="2016015640"/>
       </p:ext>
     </p:extLst>
   </p:cSld>
@@ -16209,12 +18223,12 @@
 </file>
 
 <file path=customXml/item1.xml><?xml version="1.0" encoding="utf-8"?>
-<?mso-contentType ?>
-<FormTemplates xmlns="http://schemas.microsoft.com/sharepoint/v3/contenttype/forms">
-  <Display>DocumentLibraryForm</Display>
-  <Edit>DocumentLibraryForm</Edit>
-  <New>DocumentLibraryForm</New>
-</FormTemplates>
+<p:properties xmlns:p="http://schemas.microsoft.com/office/2006/metadata/properties" xmlns:xsi="http://www.w3.org/2001/XMLSchema-instance" xmlns:pc="http://schemas.microsoft.com/office/infopath/2007/PartnerControls">
+  <documentManagement>
+    <Status xmlns="71af3243-3dd4-4a8d-8c0d-dd76da1f02a5">Not started</Status>
+    <MediaServiceKeyPoints xmlns="71af3243-3dd4-4a8d-8c0d-dd76da1f02a5" xsi:nil="true"/>
+  </documentManagement>
+</p:properties>
 </file>
 
 <file path=customXml/item2.xml><?xml version="1.0" encoding="utf-8"?>
@@ -16439,18 +18453,20 @@
 </file>
 
 <file path=customXml/item3.xml><?xml version="1.0" encoding="utf-8"?>
-<p:properties xmlns:p="http://schemas.microsoft.com/office/2006/metadata/properties" xmlns:xsi="http://www.w3.org/2001/XMLSchema-instance" xmlns:pc="http://schemas.microsoft.com/office/infopath/2007/PartnerControls">
-  <documentManagement>
-    <Status xmlns="71af3243-3dd4-4a8d-8c0d-dd76da1f02a5">Not started</Status>
-    <MediaServiceKeyPoints xmlns="71af3243-3dd4-4a8d-8c0d-dd76da1f02a5" xsi:nil="true"/>
-  </documentManagement>
-</p:properties>
+<?mso-contentType ?>
+<FormTemplates xmlns="http://schemas.microsoft.com/sharepoint/v3/contenttype/forms">
+  <Display>DocumentLibraryForm</Display>
+  <Edit>DocumentLibraryForm</Edit>
+  <New>DocumentLibraryForm</New>
+</FormTemplates>
 </file>
 
 <file path=customXml/itemProps1.xml><?xml version="1.0" encoding="utf-8"?>
-<ds:datastoreItem xmlns:ds="http://schemas.openxmlformats.org/officeDocument/2006/customXml" ds:itemID="{C3D3D887-4EBB-4786-8316-C89D0BB9706F}">
+<ds:datastoreItem xmlns:ds="http://schemas.openxmlformats.org/officeDocument/2006/customXml" ds:itemID="{E613E4D1-157A-4FD3-BF11-7582A03ADF37}">
   <ds:schemaRefs>
-    <ds:schemaRef ds:uri="http://schemas.microsoft.com/sharepoint/v3/contenttype/forms"/>
+    <ds:schemaRef ds:uri="http://schemas.microsoft.com/office/2006/metadata/properties"/>
+    <ds:schemaRef ds:uri="http://schemas.microsoft.com/office/infopath/2007/PartnerControls"/>
+    <ds:schemaRef ds:uri="71af3243-3dd4-4a8d-8c0d-dd76da1f02a5"/>
   </ds:schemaRefs>
 </ds:datastoreItem>
 </file>
@@ -16475,11 +18491,9 @@
 </file>
 
 <file path=customXml/itemProps3.xml><?xml version="1.0" encoding="utf-8"?>
-<ds:datastoreItem xmlns:ds="http://schemas.openxmlformats.org/officeDocument/2006/customXml" ds:itemID="{E613E4D1-157A-4FD3-BF11-7582A03ADF37}">
+<ds:datastoreItem xmlns:ds="http://schemas.openxmlformats.org/officeDocument/2006/customXml" ds:itemID="{C3D3D887-4EBB-4786-8316-C89D0BB9706F}">
   <ds:schemaRefs>
-    <ds:schemaRef ds:uri="http://schemas.microsoft.com/office/2006/metadata/properties"/>
-    <ds:schemaRef ds:uri="http://schemas.microsoft.com/office/infopath/2007/PartnerControls"/>
-    <ds:schemaRef ds:uri="71af3243-3dd4-4a8d-8c0d-dd76da1f02a5"/>
+    <ds:schemaRef ds:uri="http://schemas.microsoft.com/sharepoint/v3/contenttype/forms"/>
   </ds:schemaRefs>
 </ds:datastoreItem>
 </file>